--- a/Documentation/Autoencoderes kísérletek magyar nyelven.pptx
+++ b/Documentation/Autoencoderes kísérletek magyar nyelven.pptx
@@ -14,10 +14,8 @@
     <p:sldId id="262" r:id="rId8"/>
     <p:sldId id="263" r:id="rId9"/>
     <p:sldId id="264" r:id="rId10"/>
-    <p:sldId id="265" r:id="rId11"/>
+    <p:sldId id="268" r:id="rId11"/>
     <p:sldId id="266" r:id="rId12"/>
-    <p:sldId id="267" r:id="rId13"/>
-    <p:sldId id="268" r:id="rId14"/>
   </p:sldIdLst>
   <p:sldSz cx="12192000" cy="6858000"/>
   <p:notesSz cx="6858000" cy="9144000"/>
@@ -2957,6 +2955,108 @@
       </p:grpSpPr>
       <p:sp>
         <p:nvSpPr>
+          <p:cNvPr id="14" name="Rectangle 7"/>
+          <p:cNvSpPr>
+            <a:spLocks noGrp="1" noRot="1" noChangeAspect="1" noMove="1" noResize="1" noEditPoints="1" noAdjustHandles="1" noChangeArrowheads="1" noChangeShapeType="1" noTextEdit="1"/>
+          </p:cNvSpPr>
+          <p:nvPr>
+            <p:extLst>
+              <p:ext uri="{386F3935-93C4-4BCD-93E2-E3B085C9AB24}">
+                <p16:designElem xmlns:p16="http://schemas.microsoft.com/office/powerpoint/2015/main" val="1"/>
+              </p:ext>
+            </p:extLst>
+          </p:nvPr>
+        </p:nvSpPr>
+        <p:spPr bwMode="ltGray">
+          <a:xfrm>
+            <a:off x="321564" y="320040"/>
+            <a:ext cx="11548872" cy="6217920"/>
+          </a:xfrm>
+          <a:prstGeom prst="rect">
+            <a:avLst/>
+          </a:prstGeom>
+          <a:solidFill>
+            <a:schemeClr val="tx1">
+              <a:alpha val="8000"/>
+            </a:schemeClr>
+          </a:solidFill>
+          <a:ln w="127000" cap="sq" cmpd="thinThick">
+            <a:noFill/>
+          </a:ln>
+        </p:spPr>
+        <p:style>
+          <a:lnRef idx="2">
+            <a:schemeClr val="accent1">
+              <a:shade val="50000"/>
+            </a:schemeClr>
+          </a:lnRef>
+          <a:fillRef idx="1">
+            <a:schemeClr val="accent1"/>
+          </a:fillRef>
+          <a:effectRef idx="0">
+            <a:schemeClr val="accent1"/>
+          </a:effectRef>
+          <a:fontRef idx="minor">
+            <a:schemeClr val="lt1"/>
+          </a:fontRef>
+        </p:style>
+        <p:txBody>
+          <a:bodyPr rtlCol="0" anchor="ctr"/>
+          <a:lstStyle/>
+          <a:p>
+            <a:pPr algn="ctr"/>
+            <a:endParaRPr lang="en-US"/>
+          </a:p>
+        </p:txBody>
+      </p:sp>
+      <p:cxnSp>
+        <p:nvCxnSpPr>
+          <p:cNvPr id="15" name="Straight Connector 9"/>
+          <p:cNvCxnSpPr>
+            <a:cxnSpLocks noGrp="1" noRot="1" noChangeAspect="1" noMove="1" noResize="1" noEditPoints="1" noAdjustHandles="1" noChangeArrowheads="1" noChangeShapeType="1"/>
+          </p:cNvCxnSpPr>
+          <p:nvPr>
+            <p:extLst>
+              <p:ext uri="{386F3935-93C4-4BCD-93E2-E3B085C9AB24}">
+                <p16:designElem xmlns:p16="http://schemas.microsoft.com/office/powerpoint/2015/main" val="1"/>
+              </p:ext>
+            </p:extLst>
+          </p:nvPr>
+        </p:nvCxnSpPr>
+        <p:spPr>
+          <a:xfrm>
+            <a:off x="4055891" y="2057399"/>
+            <a:ext cx="0" cy="2743200"/>
+          </a:xfrm>
+          <a:prstGeom prst="line">
+            <a:avLst/>
+          </a:prstGeom>
+          <a:ln w="19050">
+            <a:solidFill>
+              <a:schemeClr val="tx1">
+                <a:lumMod val="85000"/>
+                <a:lumOff val="15000"/>
+              </a:schemeClr>
+            </a:solidFill>
+          </a:ln>
+        </p:spPr>
+        <p:style>
+          <a:lnRef idx="1">
+            <a:schemeClr val="accent1"/>
+          </a:lnRef>
+          <a:fillRef idx="0">
+            <a:schemeClr val="accent1"/>
+          </a:fillRef>
+          <a:effectRef idx="0">
+            <a:schemeClr val="accent1"/>
+          </a:effectRef>
+          <a:fontRef idx="minor">
+            <a:schemeClr val="tx1"/>
+          </a:fontRef>
+        </p:style>
+      </p:cxnSp>
+      <p:sp>
+        <p:nvSpPr>
           <p:cNvPr id="2" name="Cím 1"/>
           <p:cNvSpPr>
             <a:spLocks noGrp="1"/>
@@ -2967,73 +3067,105 @@
         </p:nvSpPr>
         <p:spPr>
           <a:xfrm>
-            <a:off x="485775" y="1724025"/>
-            <a:ext cx="11515725" cy="1785938"/>
+            <a:off x="4380588" y="965199"/>
+            <a:ext cx="6766078" cy="4927601"/>
           </a:xfrm>
         </p:spPr>
         <p:txBody>
-          <a:bodyPr>
-            <a:normAutofit fontScale="90000"/>
+          <a:bodyPr anchor="ctr">
+            <a:normAutofit/>
           </a:bodyPr>
           <a:lstStyle/>
           <a:p>
-            <a:r>
-              <a:rPr lang="hu-HU" dirty="0" err="1">
-                <a:latin typeface="Bookman Old Style" panose="02050604050505020204" pitchFamily="18" charset="0"/>
+            <a:pPr algn="l"/>
+            <a:r>
+              <a:rPr lang="hu-HU" sz="5400" dirty="0" err="1">
+                <a:solidFill>
+                  <a:schemeClr val="tx1">
+                    <a:lumMod val="85000"/>
+                    <a:lumOff val="15000"/>
+                  </a:schemeClr>
+                </a:solidFill>
               </a:rPr>
               <a:t>Autoencoder-based</a:t>
             </a:r>
             <a:r>
-              <a:rPr lang="hu-HU" dirty="0">
-                <a:latin typeface="Bookman Old Style" panose="02050604050505020204" pitchFamily="18" charset="0"/>
+              <a:rPr lang="hu-HU" sz="5400" dirty="0">
+                <a:solidFill>
+                  <a:schemeClr val="tx1">
+                    <a:lumMod val="85000"/>
+                    <a:lumOff val="15000"/>
+                  </a:schemeClr>
+                </a:solidFill>
               </a:rPr>
               <a:t> </a:t>
             </a:r>
             <a:r>
-              <a:rPr lang="hu-HU" dirty="0" err="1">
-                <a:latin typeface="Bookman Old Style" panose="02050604050505020204" pitchFamily="18" charset="0"/>
+              <a:rPr lang="hu-HU" sz="5400" dirty="0" err="1">
+                <a:solidFill>
+                  <a:schemeClr val="tx1">
+                    <a:lumMod val="85000"/>
+                    <a:lumOff val="15000"/>
+                  </a:schemeClr>
+                </a:solidFill>
               </a:rPr>
               <a:t>experiments</a:t>
             </a:r>
             <a:r>
-              <a:rPr lang="hu-HU" dirty="0">
-                <a:latin typeface="Bookman Old Style" panose="02050604050505020204" pitchFamily="18" charset="0"/>
+              <a:rPr lang="hu-HU" sz="5400" dirty="0">
+                <a:solidFill>
+                  <a:schemeClr val="tx1">
+                    <a:lumMod val="85000"/>
+                    <a:lumOff val="15000"/>
+                  </a:schemeClr>
+                </a:solidFill>
               </a:rPr>
               <a:t> </a:t>
             </a:r>
             <a:r>
-              <a:rPr lang="hu-HU" dirty="0" err="1">
-                <a:latin typeface="Bookman Old Style" panose="02050604050505020204" pitchFamily="18" charset="0"/>
+              <a:rPr lang="hu-HU" sz="5400" dirty="0" err="1">
+                <a:solidFill>
+                  <a:schemeClr val="tx1">
+                    <a:lumMod val="85000"/>
+                    <a:lumOff val="15000"/>
+                  </a:schemeClr>
+                </a:solidFill>
               </a:rPr>
               <a:t>on</a:t>
             </a:r>
             <a:r>
-              <a:rPr lang="hu-HU" dirty="0">
-                <a:latin typeface="Bookman Old Style" panose="02050604050505020204" pitchFamily="18" charset="0"/>
+              <a:rPr lang="hu-HU" sz="5400" dirty="0">
+                <a:solidFill>
+                  <a:schemeClr val="tx1">
+                    <a:lumMod val="85000"/>
+                    <a:lumOff val="15000"/>
+                  </a:schemeClr>
+                </a:solidFill>
               </a:rPr>
               <a:t> </a:t>
             </a:r>
             <a:r>
-              <a:rPr lang="hu-HU" dirty="0" err="1">
-                <a:latin typeface="Bookman Old Style" panose="02050604050505020204" pitchFamily="18" charset="0"/>
+              <a:rPr lang="hu-HU" sz="5400" dirty="0" err="1">
+                <a:solidFill>
+                  <a:schemeClr val="tx1">
+                    <a:lumMod val="85000"/>
+                    <a:lumOff val="15000"/>
+                  </a:schemeClr>
+                </a:solidFill>
               </a:rPr>
               <a:t>Hungarian</a:t>
             </a:r>
             <a:r>
-              <a:rPr lang="hu-HU" dirty="0">
-                <a:latin typeface="Bookman Old Style" panose="02050604050505020204" pitchFamily="18" charset="0"/>
+              <a:rPr lang="hu-HU" sz="5400" dirty="0">
+                <a:solidFill>
+                  <a:schemeClr val="tx1">
+                    <a:lumMod val="85000"/>
+                    <a:lumOff val="15000"/>
+                  </a:schemeClr>
+                </a:solidFill>
               </a:rPr>
-              <a:t> </a:t>
-            </a:r>
-            <a:r>
-              <a:rPr lang="hu-HU" dirty="0" err="1">
-                <a:latin typeface="Bookman Old Style" panose="02050604050505020204" pitchFamily="18" charset="0"/>
-              </a:rPr>
-              <a:t>words</a:t>
-            </a:r>
-            <a:endParaRPr lang="hu-HU" dirty="0">
-              <a:latin typeface="Bookman Old Style" panose="02050604050505020204" pitchFamily="18" charset="0"/>
-            </a:endParaRPr>
+              <a:t> words</a:t>
+            </a:r>
           </a:p>
         </p:txBody>
       </p:sp>
@@ -3049,51 +3181,39 @@
         </p:nvSpPr>
         <p:spPr>
           <a:xfrm>
-            <a:off x="1524000" y="5535613"/>
-            <a:ext cx="9144000" cy="941387"/>
+            <a:off x="1023257" y="965198"/>
+            <a:ext cx="2707937" cy="4927602"/>
           </a:xfrm>
         </p:spPr>
         <p:txBody>
-          <a:bodyPr/>
+          <a:bodyPr anchor="ctr">
+            <a:normAutofit/>
+          </a:bodyPr>
           <a:lstStyle/>
           <a:p>
-            <a:r>
-              <a:rPr lang="hu-HU" dirty="0" err="1">
-                <a:latin typeface="Bookman Old Style" panose="02050604050505020204" pitchFamily="18" charset="0"/>
+            <a:pPr algn="r"/>
+            <a:r>
+              <a:rPr lang="hu-HU" sz="2000" dirty="0">
+                <a:solidFill>
+                  <a:schemeClr val="bg2">
+                    <a:lumMod val="25000"/>
+                  </a:schemeClr>
+                </a:solidFill>
               </a:rPr>
-              <a:t>Created</a:t>
-            </a:r>
-            <a:r>
-              <a:rPr lang="hu-HU" dirty="0">
-                <a:latin typeface="Bookman Old Style" panose="02050604050505020204" pitchFamily="18" charset="0"/>
+              <a:t>Géza Velkey</a:t>
+            </a:r>
+          </a:p>
+          <a:p>
+            <a:pPr algn="r"/>
+            <a:r>
+              <a:rPr lang="hu-HU" sz="2000" dirty="0">
+                <a:solidFill>
+                  <a:schemeClr val="bg2">
+                    <a:lumMod val="25000"/>
+                  </a:schemeClr>
+                </a:solidFill>
               </a:rPr>
-              <a:t> </a:t>
-            </a:r>
-            <a:r>
-              <a:rPr lang="hu-HU" dirty="0" err="1">
-                <a:latin typeface="Bookman Old Style" panose="02050604050505020204" pitchFamily="18" charset="0"/>
-              </a:rPr>
-              <a:t>by</a:t>
-            </a:r>
-            <a:r>
-              <a:rPr lang="hu-HU" dirty="0">
-                <a:latin typeface="Bookman Old Style" panose="02050604050505020204" pitchFamily="18" charset="0"/>
-              </a:rPr>
-              <a:t>: Géza Velkey</a:t>
-            </a:r>
-          </a:p>
-          <a:p>
-            <a:r>
-              <a:rPr lang="hu-HU" dirty="0" err="1">
-                <a:latin typeface="Bookman Old Style" panose="02050604050505020204" pitchFamily="18" charset="0"/>
-              </a:rPr>
-              <a:t>Consultant</a:t>
-            </a:r>
-            <a:r>
-              <a:rPr lang="hu-HU" dirty="0">
-                <a:latin typeface="Bookman Old Style" panose="02050604050505020204" pitchFamily="18" charset="0"/>
-              </a:rPr>
-              <a:t>: Judit Ács</a:t>
+              <a:t>Judit Ács</a:t>
             </a:r>
           </a:p>
         </p:txBody>
@@ -3130,6 +3250,93 @@
       </p:grpSpPr>
       <p:sp>
         <p:nvSpPr>
+          <p:cNvPr id="9" name="Rectangle 8"/>
+          <p:cNvSpPr>
+            <a:spLocks noGrp="1" noRot="1" noChangeAspect="1" noMove="1" noResize="1" noEditPoints="1" noAdjustHandles="1" noChangeArrowheads="1" noChangeShapeType="1" noTextEdit="1"/>
+          </p:cNvSpPr>
+          <p:nvPr>
+            <p:extLst>
+              <p:ext uri="{386F3935-93C4-4BCD-93E2-E3B085C9AB24}">
+                <p16:designElem xmlns:p16="http://schemas.microsoft.com/office/powerpoint/2015/main" val="1"/>
+              </p:ext>
+            </p:extLst>
+          </p:nvPr>
+        </p:nvSpPr>
+        <p:spPr bwMode="white">
+          <a:xfrm>
+            <a:off x="0" y="0"/>
+            <a:ext cx="12192000" cy="6858000"/>
+          </a:xfrm>
+          <a:prstGeom prst="rect">
+            <a:avLst/>
+          </a:prstGeom>
+          <a:solidFill>
+            <a:schemeClr val="bg1"/>
+          </a:solidFill>
+          <a:ln>
+            <a:noFill/>
+          </a:ln>
+          <a:effectLst/>
+        </p:spPr>
+      </p:sp>
+      <p:sp>
+        <p:nvSpPr>
+          <p:cNvPr id="11" name="Rectangle 10"/>
+          <p:cNvSpPr>
+            <a:spLocks noGrp="1" noRot="1" noChangeAspect="1" noMove="1" noResize="1" noEditPoints="1" noAdjustHandles="1" noChangeArrowheads="1" noChangeShapeType="1" noTextEdit="1"/>
+          </p:cNvSpPr>
+          <p:nvPr>
+            <p:extLst>
+              <p:ext uri="{386F3935-93C4-4BCD-93E2-E3B085C9AB24}">
+                <p16:designElem xmlns:p16="http://schemas.microsoft.com/office/powerpoint/2015/main" val="1"/>
+              </p:ext>
+            </p:extLst>
+          </p:nvPr>
+        </p:nvSpPr>
+        <p:spPr>
+          <a:xfrm>
+            <a:off x="0" y="651752"/>
+            <a:ext cx="12192000" cy="736551"/>
+          </a:xfrm>
+          <a:prstGeom prst="rect">
+            <a:avLst/>
+          </a:prstGeom>
+          <a:solidFill>
+            <a:schemeClr val="tx1">
+              <a:alpha val="75000"/>
+            </a:schemeClr>
+          </a:solidFill>
+          <a:ln>
+            <a:noFill/>
+          </a:ln>
+        </p:spPr>
+        <p:style>
+          <a:lnRef idx="2">
+            <a:schemeClr val="accent1">
+              <a:shade val="50000"/>
+            </a:schemeClr>
+          </a:lnRef>
+          <a:fillRef idx="1">
+            <a:schemeClr val="accent1"/>
+          </a:fillRef>
+          <a:effectRef idx="0">
+            <a:schemeClr val="accent1"/>
+          </a:effectRef>
+          <a:fontRef idx="minor">
+            <a:schemeClr val="lt1"/>
+          </a:fontRef>
+        </p:style>
+        <p:txBody>
+          <a:bodyPr rtlCol="0" anchor="ctr"/>
+          <a:lstStyle/>
+          <a:p>
+            <a:pPr algn="ctr"/>
+            <a:endParaRPr lang="en-US"/>
+          </a:p>
+        </p:txBody>
+      </p:sp>
+      <p:sp>
+        <p:nvSpPr>
           <p:cNvPr id="2" name="Cím 1"/>
           <p:cNvSpPr>
             <a:spLocks noGrp="1"/>
@@ -3138,61 +3345,300 @@
             <p:ph type="title"/>
           </p:nvPr>
         </p:nvSpPr>
-        <p:spPr/>
+        <p:spPr>
+          <a:xfrm>
+            <a:off x="556532" y="643467"/>
+            <a:ext cx="11210925" cy="744836"/>
+          </a:xfrm>
+        </p:spPr>
         <p:txBody>
-          <a:bodyPr/>
+          <a:bodyPr vert="horz" lIns="91440" tIns="45720" rIns="91440" bIns="45720" rtlCol="0" anchor="ctr">
+            <a:normAutofit/>
+          </a:bodyPr>
           <a:lstStyle/>
           <a:p>
-            <a:r>
-              <a:rPr lang="hu-HU" dirty="0" err="1"/>
-              <a:t>Neural</a:t>
-            </a:r>
-            <a:r>
-              <a:rPr lang="hu-HU" dirty="0"/>
-              <a:t> Network-</a:t>
-            </a:r>
-            <a:r>
-              <a:rPr lang="hu-HU" dirty="0" err="1"/>
-              <a:t>based</a:t>
-            </a:r>
-            <a:r>
-              <a:rPr lang="hu-HU" dirty="0"/>
-              <a:t> </a:t>
-            </a:r>
-            <a:r>
-              <a:rPr lang="hu-HU" dirty="0" err="1"/>
+            <a:pPr algn="ctr"/>
+            <a:r>
+              <a:rPr lang="hu-HU" sz="3200" dirty="0">
+                <a:solidFill>
+                  <a:schemeClr val="bg1"/>
+                </a:solidFill>
+              </a:rPr>
+              <a:t>Neural </a:t>
+            </a:r>
+            <a:r>
+              <a:rPr lang="hu-HU" sz="3200" dirty="0" err="1">
+                <a:solidFill>
+                  <a:schemeClr val="bg1"/>
+                </a:solidFill>
+              </a:rPr>
               <a:t>segmentation</a:t>
             </a:r>
-            <a:r>
-              <a:rPr lang="hu-HU" dirty="0"/>
-              <a:t> </a:t>
-            </a:r>
+            <a:endParaRPr lang="en-US" sz="3200" kern="1200" dirty="0">
+              <a:solidFill>
+                <a:schemeClr val="bg1"/>
+              </a:solidFill>
+              <a:latin typeface="+mj-lt"/>
+              <a:ea typeface="+mj-ea"/>
+              <a:cs typeface="+mj-cs"/>
+            </a:endParaRPr>
           </a:p>
         </p:txBody>
       </p:sp>
       <p:sp>
         <p:nvSpPr>
-          <p:cNvPr id="6" name="Tartalom helye 5"/>
-          <p:cNvSpPr>
-            <a:spLocks noGrp="1"/>
-          </p:cNvSpPr>
-          <p:nvPr>
-            <p:ph idx="1"/>
-          </p:nvPr>
+          <p:cNvPr id="10" name="Szövegdoboz 9"/>
+          <p:cNvSpPr txBox="1"/>
+          <p:nvPr/>
         </p:nvSpPr>
-        <p:spPr/>
+        <p:spPr>
+          <a:xfrm>
+            <a:off x="6841879" y="3603633"/>
+            <a:ext cx="2795955" cy="2308324"/>
+          </a:xfrm>
+          <a:prstGeom prst="rect">
+            <a:avLst/>
+          </a:prstGeom>
+          <a:noFill/>
+        </p:spPr>
         <p:txBody>
-          <a:bodyPr/>
+          <a:bodyPr wrap="square" rtlCol="0">
+            <a:spAutoFit/>
+          </a:bodyPr>
           <a:lstStyle/>
           <a:p>
-            <a:endParaRPr lang="hu-HU"/>
+            <a:r>
+              <a:rPr lang="hu-HU" dirty="0" err="1"/>
+              <a:t>Possible</a:t>
+            </a:r>
+            <a:r>
+              <a:rPr lang="hu-HU" dirty="0"/>
+              <a:t> </a:t>
+            </a:r>
+            <a:r>
+              <a:rPr lang="hu-HU" dirty="0" err="1"/>
+              <a:t>segmentations</a:t>
+            </a:r>
+            <a:r>
+              <a:rPr lang="hu-HU" dirty="0"/>
+              <a:t> </a:t>
+            </a:r>
+            <a:r>
+              <a:rPr lang="hu-HU" dirty="0" err="1"/>
+              <a:t>list</a:t>
+            </a:r>
+            <a:r>
+              <a:rPr lang="hu-HU" dirty="0"/>
+              <a:t>:</a:t>
+            </a:r>
+          </a:p>
+          <a:p>
+            <a:r>
+              <a:rPr lang="hu-HU" dirty="0" err="1"/>
+              <a:t>a+lmáról</a:t>
+            </a:r>
+            <a:r>
+              <a:rPr lang="hu-HU" dirty="0"/>
+              <a:t> </a:t>
+            </a:r>
+          </a:p>
+          <a:p>
+            <a:r>
+              <a:rPr lang="hu-HU" dirty="0" err="1"/>
+              <a:t>al+máról</a:t>
+            </a:r>
+            <a:r>
+              <a:rPr lang="hu-HU" dirty="0"/>
+              <a:t> </a:t>
+            </a:r>
+          </a:p>
+          <a:p>
+            <a:r>
+              <a:rPr lang="hu-HU" dirty="0" err="1"/>
+              <a:t>alm+áról</a:t>
+            </a:r>
+            <a:r>
+              <a:rPr lang="hu-HU" dirty="0"/>
+              <a:t> </a:t>
+            </a:r>
+          </a:p>
+          <a:p>
+            <a:r>
+              <a:rPr lang="hu-HU" dirty="0" err="1"/>
+              <a:t>almá+ról</a:t>
+            </a:r>
+            <a:r>
+              <a:rPr lang="hu-HU" dirty="0"/>
+              <a:t> </a:t>
+            </a:r>
+          </a:p>
+          <a:p>
+            <a:r>
+              <a:rPr lang="hu-HU" dirty="0" err="1"/>
+              <a:t>almár+ól</a:t>
+            </a:r>
+            <a:r>
+              <a:rPr lang="hu-HU" dirty="0"/>
+              <a:t> </a:t>
+            </a:r>
+          </a:p>
+          <a:p>
+            <a:r>
+              <a:rPr lang="hu-HU" dirty="0" err="1"/>
+              <a:t>almáró+l</a:t>
+            </a:r>
+            <a:r>
+              <a:rPr lang="hu-HU" dirty="0"/>
+              <a:t> </a:t>
+            </a:r>
+          </a:p>
+          <a:p>
+            <a:endParaRPr lang="hu-HU" dirty="0"/>
           </a:p>
         </p:txBody>
       </p:sp>
+      <p:sp>
+        <p:nvSpPr>
+          <p:cNvPr id="12" name="Szövegdoboz 11"/>
+          <p:cNvSpPr txBox="1"/>
+          <p:nvPr/>
+        </p:nvSpPr>
+        <p:spPr>
+          <a:xfrm>
+            <a:off x="2898531" y="2370272"/>
+            <a:ext cx="1204547" cy="369332"/>
+          </a:xfrm>
+          <a:prstGeom prst="rect">
+            <a:avLst/>
+          </a:prstGeom>
+          <a:noFill/>
+        </p:spPr>
+        <p:txBody>
+          <a:bodyPr wrap="square" rtlCol="0">
+            <a:spAutoFit/>
+          </a:bodyPr>
+          <a:lstStyle/>
+          <a:p>
+            <a:r>
+              <a:rPr lang="hu-HU" dirty="0"/>
+              <a:t>In: almáról</a:t>
+            </a:r>
+          </a:p>
+        </p:txBody>
+      </p:sp>
+      <p:cxnSp>
+        <p:nvCxnSpPr>
+          <p:cNvPr id="13" name="Egyenes összekötő nyíllal 12"/>
+          <p:cNvCxnSpPr>
+            <a:cxnSpLocks/>
+            <a:stCxn id="12" idx="3"/>
+            <a:endCxn id="14" idx="1"/>
+          </p:cNvCxnSpPr>
+          <p:nvPr/>
+        </p:nvCxnSpPr>
+        <p:spPr>
+          <a:xfrm flipV="1">
+            <a:off x="4103078" y="2519011"/>
+            <a:ext cx="3006968" cy="35927"/>
+          </a:xfrm>
+          <a:prstGeom prst="straightConnector1">
+            <a:avLst/>
+          </a:prstGeom>
+          <a:ln>
+            <a:tailEnd type="triangle"/>
+          </a:ln>
+        </p:spPr>
+        <p:style>
+          <a:lnRef idx="1">
+            <a:schemeClr val="accent1"/>
+          </a:lnRef>
+          <a:fillRef idx="0">
+            <a:schemeClr val="accent1"/>
+          </a:fillRef>
+          <a:effectRef idx="0">
+            <a:schemeClr val="accent1"/>
+          </a:effectRef>
+          <a:fontRef idx="minor">
+            <a:schemeClr val="tx1"/>
+          </a:fontRef>
+        </p:style>
+      </p:cxnSp>
+      <p:sp>
+        <p:nvSpPr>
+          <p:cNvPr id="14" name="Szövegdoboz 13"/>
+          <p:cNvSpPr txBox="1"/>
+          <p:nvPr/>
+        </p:nvSpPr>
+        <p:spPr>
+          <a:xfrm>
+            <a:off x="7110046" y="2334345"/>
+            <a:ext cx="2259623" cy="369332"/>
+          </a:xfrm>
+          <a:prstGeom prst="rect">
+            <a:avLst/>
+          </a:prstGeom>
+          <a:noFill/>
+        </p:spPr>
+        <p:txBody>
+          <a:bodyPr wrap="square" rtlCol="0">
+            <a:spAutoFit/>
+          </a:bodyPr>
+          <a:lstStyle/>
+          <a:p>
+            <a:r>
+              <a:rPr lang="hu-HU" dirty="0"/>
+              <a:t>   Out: </a:t>
+            </a:r>
+            <a:r>
+              <a:rPr lang="hu-HU" dirty="0" err="1"/>
+              <a:t>almá+ról</a:t>
+            </a:r>
+            <a:endParaRPr lang="hu-HU" dirty="0"/>
+          </a:p>
+        </p:txBody>
+      </p:sp>
+      <p:cxnSp>
+        <p:nvCxnSpPr>
+          <p:cNvPr id="15" name="Egyenes összekötő nyíllal 14"/>
+          <p:cNvCxnSpPr>
+            <a:cxnSpLocks/>
+            <a:stCxn id="14" idx="2"/>
+            <a:endCxn id="10" idx="0"/>
+          </p:cNvCxnSpPr>
+          <p:nvPr/>
+        </p:nvCxnSpPr>
+        <p:spPr>
+          <a:xfrm flipH="1">
+            <a:off x="8239857" y="2703677"/>
+            <a:ext cx="1" cy="899956"/>
+          </a:xfrm>
+          <a:prstGeom prst="straightConnector1">
+            <a:avLst/>
+          </a:prstGeom>
+          <a:ln>
+            <a:headEnd type="triangle"/>
+            <a:tailEnd type="triangle"/>
+          </a:ln>
+        </p:spPr>
+        <p:style>
+          <a:lnRef idx="1">
+            <a:schemeClr val="accent1"/>
+          </a:lnRef>
+          <a:fillRef idx="0">
+            <a:schemeClr val="accent1"/>
+          </a:fillRef>
+          <a:effectRef idx="0">
+            <a:schemeClr val="accent1"/>
+          </a:effectRef>
+          <a:fontRef idx="minor">
+            <a:schemeClr val="tx1"/>
+          </a:fontRef>
+        </p:style>
+      </p:cxnSp>
     </p:spTree>
     <p:extLst>
       <p:ext uri="{BB962C8B-B14F-4D97-AF65-F5344CB8AC3E}">
-        <p14:creationId xmlns:p14="http://schemas.microsoft.com/office/powerpoint/2010/main" val="1487783836"/>
+        <p14:creationId xmlns:p14="http://schemas.microsoft.com/office/powerpoint/2010/main" val="308074301"/>
       </p:ext>
     </p:extLst>
   </p:cSld>
@@ -3361,7 +3807,7 @@
                     <a:lumOff val="5000"/>
                   </a:schemeClr>
                 </a:solidFill>
-                <a:latin typeface="Bookman Old Style" panose="02050604050505020204" pitchFamily="18" charset="0"/>
+                <a:latin typeface="+mn-lt"/>
               </a:rPr>
               <a:t>Conclusion</a:t>
             </a:r>
@@ -3372,7 +3818,7 @@
                   <a:lumOff val="5000"/>
                 </a:schemeClr>
               </a:solidFill>
-              <a:latin typeface="Bookman Old Style" panose="02050604050505020204" pitchFamily="18" charset="0"/>
+              <a:latin typeface="+mn-lt"/>
             </a:endParaRPr>
           </a:p>
         </p:txBody>
@@ -3408,56 +3854,38 @@
               </a:spcAft>
             </a:pPr>
             <a:r>
-              <a:rPr lang="hu-HU" dirty="0">
-                <a:latin typeface="Bookman Old Style" panose="02050604050505020204" pitchFamily="18" charset="0"/>
-              </a:rPr>
+              <a:rPr lang="hu-HU" dirty="0"/>
               <a:t>Good </a:t>
             </a:r>
             <a:r>
-              <a:rPr lang="hu-HU" dirty="0" err="1">
-                <a:latin typeface="Bookman Old Style" panose="02050604050505020204" pitchFamily="18" charset="0"/>
-              </a:rPr>
+              <a:rPr lang="hu-HU" dirty="0" err="1"/>
               <a:t>for</a:t>
             </a:r>
             <a:r>
-              <a:rPr lang="hu-HU" dirty="0">
-                <a:latin typeface="Bookman Old Style" panose="02050604050505020204" pitchFamily="18" charset="0"/>
-              </a:rPr>
+              <a:rPr lang="hu-HU" dirty="0"/>
               <a:t> </a:t>
             </a:r>
             <a:r>
-              <a:rPr lang="hu-HU" dirty="0" err="1">
-                <a:latin typeface="Bookman Old Style" panose="02050604050505020204" pitchFamily="18" charset="0"/>
-              </a:rPr>
+              <a:rPr lang="hu-HU" dirty="0" err="1"/>
               <a:t>generative</a:t>
             </a:r>
             <a:r>
-              <a:rPr lang="hu-HU" dirty="0">
-                <a:latin typeface="Bookman Old Style" panose="02050604050505020204" pitchFamily="18" charset="0"/>
-              </a:rPr>
+              <a:rPr lang="hu-HU" dirty="0"/>
               <a:t> </a:t>
             </a:r>
             <a:r>
-              <a:rPr lang="hu-HU" dirty="0" err="1">
-                <a:latin typeface="Bookman Old Style" panose="02050604050505020204" pitchFamily="18" charset="0"/>
-              </a:rPr>
+              <a:rPr lang="hu-HU" dirty="0" err="1"/>
               <a:t>unsupervised</a:t>
             </a:r>
             <a:r>
-              <a:rPr lang="hu-HU" dirty="0">
-                <a:latin typeface="Bookman Old Style" panose="02050604050505020204" pitchFamily="18" charset="0"/>
-              </a:rPr>
+              <a:rPr lang="hu-HU" dirty="0"/>
               <a:t> </a:t>
             </a:r>
             <a:r>
-              <a:rPr lang="hu-HU" dirty="0" err="1">
-                <a:latin typeface="Bookman Old Style" panose="02050604050505020204" pitchFamily="18" charset="0"/>
-              </a:rPr>
+              <a:rPr lang="hu-HU" dirty="0" err="1"/>
               <a:t>learning</a:t>
             </a:r>
-            <a:endParaRPr lang="hu-HU" dirty="0">
-              <a:latin typeface="Bookman Old Style" panose="02050604050505020204" pitchFamily="18" charset="0"/>
-            </a:endParaRPr>
+            <a:endParaRPr lang="hu-HU" dirty="0"/>
           </a:p>
           <a:p>
             <a:pPr>
@@ -3469,62 +3897,42 @@
               </a:spcAft>
             </a:pPr>
             <a:r>
-              <a:rPr lang="hu-HU" dirty="0" err="1">
-                <a:latin typeface="Bookman Old Style" panose="02050604050505020204" pitchFamily="18" charset="0"/>
-              </a:rPr>
+              <a:rPr lang="hu-HU" dirty="0" err="1"/>
               <a:t>Seemingly</a:t>
             </a:r>
             <a:r>
-              <a:rPr lang="hu-HU" dirty="0">
-                <a:latin typeface="Bookman Old Style" panose="02050604050505020204" pitchFamily="18" charset="0"/>
-              </a:rPr>
+              <a:rPr lang="hu-HU" dirty="0"/>
               <a:t> </a:t>
             </a:r>
             <a:r>
-              <a:rPr lang="hu-HU" dirty="0" err="1">
-                <a:latin typeface="Bookman Old Style" panose="02050604050505020204" pitchFamily="18" charset="0"/>
-              </a:rPr>
+              <a:rPr lang="hu-HU" dirty="0" err="1"/>
               <a:t>useless</a:t>
             </a:r>
             <a:r>
-              <a:rPr lang="hu-HU" dirty="0">
-                <a:latin typeface="Bookman Old Style" panose="02050604050505020204" pitchFamily="18" charset="0"/>
-              </a:rPr>
+              <a:rPr lang="hu-HU" dirty="0"/>
               <a:t> </a:t>
             </a:r>
             <a:r>
-              <a:rPr lang="hu-HU" dirty="0" err="1">
-                <a:latin typeface="Bookman Old Style" panose="02050604050505020204" pitchFamily="18" charset="0"/>
-              </a:rPr>
+              <a:rPr lang="hu-HU" dirty="0" err="1"/>
               <a:t>for</a:t>
             </a:r>
             <a:r>
-              <a:rPr lang="hu-HU" dirty="0">
-                <a:latin typeface="Bookman Old Style" panose="02050604050505020204" pitchFamily="18" charset="0"/>
-              </a:rPr>
+              <a:rPr lang="hu-HU" dirty="0"/>
               <a:t> </a:t>
             </a:r>
             <a:r>
-              <a:rPr lang="hu-HU" dirty="0" err="1">
-                <a:latin typeface="Bookman Old Style" panose="02050604050505020204" pitchFamily="18" charset="0"/>
-              </a:rPr>
-              <a:t>data</a:t>
-            </a:r>
-            <a:r>
-              <a:rPr lang="hu-HU" dirty="0">
-                <a:latin typeface="Bookman Old Style" panose="02050604050505020204" pitchFamily="18" charset="0"/>
-              </a:rPr>
+              <a:rPr lang="hu-HU" dirty="0" err="1"/>
+              <a:t>word</a:t>
+            </a:r>
+            <a:r>
+              <a:rPr lang="hu-HU" dirty="0"/>
               <a:t> </a:t>
             </a:r>
             <a:r>
-              <a:rPr lang="hu-HU" dirty="0" err="1">
-                <a:latin typeface="Bookman Old Style" panose="02050604050505020204" pitchFamily="18" charset="0"/>
-              </a:rPr>
+              <a:rPr lang="hu-HU" dirty="0" err="1"/>
               <a:t>compression</a:t>
             </a:r>
-            <a:endParaRPr lang="hu-HU" dirty="0">
-              <a:latin typeface="Bookman Old Style" panose="02050604050505020204" pitchFamily="18" charset="0"/>
-            </a:endParaRPr>
+            <a:endParaRPr lang="hu-HU" dirty="0"/>
           </a:p>
           <a:p>
             <a:pPr>
@@ -3536,57 +3944,39 @@
               </a:spcAft>
             </a:pPr>
             <a:r>
-              <a:rPr lang="hu-HU" dirty="0">
-                <a:latin typeface="Bookman Old Style" panose="02050604050505020204" pitchFamily="18" charset="0"/>
-              </a:rPr>
+              <a:rPr lang="hu-HU" dirty="0"/>
               <a:t>Split-</a:t>
             </a:r>
             <a:r>
-              <a:rPr lang="hu-HU" dirty="0" err="1">
-                <a:latin typeface="Bookman Old Style" panose="02050604050505020204" pitchFamily="18" charset="0"/>
-              </a:rPr>
+              <a:rPr lang="hu-HU" dirty="0" err="1"/>
               <a:t>Brain</a:t>
             </a:r>
             <a:r>
-              <a:rPr lang="hu-HU" dirty="0">
-                <a:latin typeface="Bookman Old Style" panose="02050604050505020204" pitchFamily="18" charset="0"/>
-              </a:rPr>
+              <a:rPr lang="hu-HU" dirty="0"/>
               <a:t> </a:t>
             </a:r>
             <a:r>
-              <a:rPr lang="hu-HU" dirty="0" err="1">
-                <a:latin typeface="Bookman Old Style" panose="02050604050505020204" pitchFamily="18" charset="0"/>
-              </a:rPr>
+              <a:rPr lang="hu-HU" dirty="0" err="1"/>
               <a:t>autoencoders</a:t>
             </a:r>
             <a:r>
-              <a:rPr lang="hu-HU" dirty="0">
-                <a:latin typeface="Bookman Old Style" panose="02050604050505020204" pitchFamily="18" charset="0"/>
-              </a:rPr>
+              <a:rPr lang="hu-HU" dirty="0"/>
               <a:t> </a:t>
             </a:r>
             <a:r>
-              <a:rPr lang="hu-HU" dirty="0" err="1">
-                <a:latin typeface="Bookman Old Style" panose="02050604050505020204" pitchFamily="18" charset="0"/>
-              </a:rPr>
+              <a:rPr lang="hu-HU" dirty="0" err="1"/>
               <a:t>perform</a:t>
             </a:r>
             <a:r>
-              <a:rPr lang="hu-HU" dirty="0">
-                <a:latin typeface="Bookman Old Style" panose="02050604050505020204" pitchFamily="18" charset="0"/>
-              </a:rPr>
+              <a:rPr lang="hu-HU" dirty="0"/>
               <a:t> </a:t>
             </a:r>
             <a:r>
-              <a:rPr lang="hu-HU" dirty="0" err="1">
-                <a:latin typeface="Bookman Old Style" panose="02050604050505020204" pitchFamily="18" charset="0"/>
-              </a:rPr>
+              <a:rPr lang="hu-HU" dirty="0" err="1"/>
               <a:t>weakly</a:t>
             </a:r>
             <a:r>
-              <a:rPr lang="hu-HU" dirty="0">
-                <a:latin typeface="Bookman Old Style" panose="02050604050505020204" pitchFamily="18" charset="0"/>
-              </a:rPr>
+              <a:rPr lang="hu-HU" dirty="0"/>
               <a:t> in NLP</a:t>
             </a:r>
           </a:p>
@@ -3600,86 +3990,54 @@
               </a:spcAft>
             </a:pPr>
             <a:r>
-              <a:rPr lang="hu-HU" dirty="0" err="1">
-                <a:latin typeface="Bookman Old Style" panose="02050604050505020204" pitchFamily="18" charset="0"/>
-              </a:rPr>
-              <a:t>Neural</a:t>
-            </a:r>
-            <a:r>
-              <a:rPr lang="hu-HU" dirty="0">
-                <a:latin typeface="Bookman Old Style" panose="02050604050505020204" pitchFamily="18" charset="0"/>
-              </a:rPr>
-              <a:t> Network </a:t>
-            </a:r>
-            <a:r>
-              <a:rPr lang="hu-HU" dirty="0" err="1">
-                <a:latin typeface="Bookman Old Style" panose="02050604050505020204" pitchFamily="18" charset="0"/>
-              </a:rPr>
+              <a:rPr lang="hu-HU" dirty="0"/>
+              <a:t>Neural Network </a:t>
+            </a:r>
+            <a:r>
+              <a:rPr lang="hu-HU" dirty="0" err="1"/>
               <a:t>based</a:t>
             </a:r>
             <a:r>
-              <a:rPr lang="hu-HU" dirty="0">
-                <a:latin typeface="Bookman Old Style" panose="02050604050505020204" pitchFamily="18" charset="0"/>
-              </a:rPr>
+              <a:rPr lang="hu-HU" dirty="0"/>
               <a:t> </a:t>
             </a:r>
             <a:r>
-              <a:rPr lang="hu-HU" dirty="0" err="1">
-                <a:latin typeface="Bookman Old Style" panose="02050604050505020204" pitchFamily="18" charset="0"/>
-              </a:rPr>
+              <a:rPr lang="hu-HU" dirty="0" err="1"/>
               <a:t>segmentation</a:t>
             </a:r>
             <a:r>
-              <a:rPr lang="hu-HU" dirty="0">
-                <a:latin typeface="Bookman Old Style" panose="02050604050505020204" pitchFamily="18" charset="0"/>
-              </a:rPr>
+              <a:rPr lang="hu-HU" dirty="0"/>
               <a:t> </a:t>
             </a:r>
             <a:r>
-              <a:rPr lang="hu-HU" dirty="0" err="1">
-                <a:latin typeface="Bookman Old Style" panose="02050604050505020204" pitchFamily="18" charset="0"/>
-              </a:rPr>
+              <a:rPr lang="hu-HU" dirty="0" err="1"/>
               <a:t>could</a:t>
             </a:r>
             <a:r>
-              <a:rPr lang="hu-HU" dirty="0">
-                <a:latin typeface="Bookman Old Style" panose="02050604050505020204" pitchFamily="18" charset="0"/>
-              </a:rPr>
+              <a:rPr lang="hu-HU" dirty="0"/>
               <a:t> be </a:t>
             </a:r>
             <a:r>
-              <a:rPr lang="hu-HU" dirty="0" err="1">
-                <a:latin typeface="Bookman Old Style" panose="02050604050505020204" pitchFamily="18" charset="0"/>
-              </a:rPr>
+              <a:rPr lang="hu-HU" dirty="0" err="1"/>
               <a:t>used</a:t>
             </a:r>
             <a:r>
-              <a:rPr lang="hu-HU" dirty="0">
-                <a:latin typeface="Bookman Old Style" panose="02050604050505020204" pitchFamily="18" charset="0"/>
-              </a:rPr>
+              <a:rPr lang="hu-HU" dirty="0"/>
               <a:t> in </a:t>
             </a:r>
             <a:r>
-              <a:rPr lang="hu-HU" dirty="0" err="1">
-                <a:latin typeface="Bookman Old Style" panose="02050604050505020204" pitchFamily="18" charset="0"/>
-              </a:rPr>
+              <a:rPr lang="hu-HU" dirty="0" err="1"/>
               <a:t>later</a:t>
             </a:r>
             <a:r>
-              <a:rPr lang="hu-HU" dirty="0">
-                <a:latin typeface="Bookman Old Style" panose="02050604050505020204" pitchFamily="18" charset="0"/>
-              </a:rPr>
+              <a:rPr lang="hu-HU" dirty="0"/>
               <a:t> </a:t>
             </a:r>
             <a:r>
-              <a:rPr lang="hu-HU" dirty="0" err="1">
-                <a:latin typeface="Bookman Old Style" panose="02050604050505020204" pitchFamily="18" charset="0"/>
-              </a:rPr>
+              <a:rPr lang="hu-HU" dirty="0" err="1"/>
               <a:t>work</a:t>
             </a:r>
-            <a:endParaRPr lang="hu-HU" dirty="0">
-              <a:latin typeface="Bookman Old Style" panose="02050604050505020204" pitchFamily="18" charset="0"/>
-            </a:endParaRPr>
+            <a:endParaRPr lang="hu-HU" dirty="0"/>
           </a:p>
         </p:txBody>
       </p:sp>
@@ -3692,142 +4050,6 @@
   </p:cSld>
   <p:clrMapOvr>
     <a:overrideClrMapping bg1="dk1" tx1="lt1" bg2="dk2" tx2="lt2" accent1="accent1" accent2="accent2" accent3="accent3" accent4="accent4" accent5="accent5" accent6="accent6" hlink="hlink" folHlink="folHlink"/>
-  </p:clrMapOvr>
-</p:sld>
-</file>
-
-<file path=ppt/slides/slide12.xml><?xml version="1.0" encoding="utf-8"?>
-<p:sld xmlns:a="http://schemas.openxmlformats.org/drawingml/2006/main" xmlns:r="http://schemas.openxmlformats.org/officeDocument/2006/relationships" xmlns:p="http://schemas.openxmlformats.org/presentationml/2006/main">
-  <p:cSld>
-    <p:spTree>
-      <p:nvGrpSpPr>
-        <p:cNvPr id="1" name=""/>
-        <p:cNvGrpSpPr/>
-        <p:nvPr/>
-      </p:nvGrpSpPr>
-      <p:grpSpPr>
-        <a:xfrm>
-          <a:off x="0" y="0"/>
-          <a:ext cx="0" cy="0"/>
-          <a:chOff x="0" y="0"/>
-          <a:chExt cx="0" cy="0"/>
-        </a:xfrm>
-      </p:grpSpPr>
-      <p:sp>
-        <p:nvSpPr>
-          <p:cNvPr id="2" name="Cím 1"/>
-          <p:cNvSpPr>
-            <a:spLocks noGrp="1"/>
-          </p:cNvSpPr>
-          <p:nvPr>
-            <p:ph type="title"/>
-          </p:nvPr>
-        </p:nvSpPr>
-        <p:spPr/>
-        <p:txBody>
-          <a:bodyPr/>
-          <a:lstStyle/>
-          <a:p>
-            <a:endParaRPr lang="hu-HU"/>
-          </a:p>
-        </p:txBody>
-      </p:sp>
-      <p:sp>
-        <p:nvSpPr>
-          <p:cNvPr id="3" name="Tartalom helye 2"/>
-          <p:cNvSpPr>
-            <a:spLocks noGrp="1"/>
-          </p:cNvSpPr>
-          <p:nvPr>
-            <p:ph idx="1"/>
-          </p:nvPr>
-        </p:nvSpPr>
-        <p:spPr/>
-        <p:txBody>
-          <a:bodyPr/>
-          <a:lstStyle/>
-          <a:p>
-            <a:endParaRPr lang="hu-HU"/>
-          </a:p>
-        </p:txBody>
-      </p:sp>
-    </p:spTree>
-    <p:extLst>
-      <p:ext uri="{BB962C8B-B14F-4D97-AF65-F5344CB8AC3E}">
-        <p14:creationId xmlns:p14="http://schemas.microsoft.com/office/powerpoint/2010/main" val="1342004226"/>
-      </p:ext>
-    </p:extLst>
-  </p:cSld>
-  <p:clrMapOvr>
-    <a:masterClrMapping/>
-  </p:clrMapOvr>
-</p:sld>
-</file>
-
-<file path=ppt/slides/slide13.xml><?xml version="1.0" encoding="utf-8"?>
-<p:sld xmlns:a="http://schemas.openxmlformats.org/drawingml/2006/main" xmlns:r="http://schemas.openxmlformats.org/officeDocument/2006/relationships" xmlns:p="http://schemas.openxmlformats.org/presentationml/2006/main">
-  <p:cSld>
-    <p:spTree>
-      <p:nvGrpSpPr>
-        <p:cNvPr id="1" name=""/>
-        <p:cNvGrpSpPr/>
-        <p:nvPr/>
-      </p:nvGrpSpPr>
-      <p:grpSpPr>
-        <a:xfrm>
-          <a:off x="0" y="0"/>
-          <a:ext cx="0" cy="0"/>
-          <a:chOff x="0" y="0"/>
-          <a:chExt cx="0" cy="0"/>
-        </a:xfrm>
-      </p:grpSpPr>
-      <p:sp>
-        <p:nvSpPr>
-          <p:cNvPr id="2" name="Cím 1"/>
-          <p:cNvSpPr>
-            <a:spLocks noGrp="1"/>
-          </p:cNvSpPr>
-          <p:nvPr>
-            <p:ph type="title"/>
-          </p:nvPr>
-        </p:nvSpPr>
-        <p:spPr/>
-        <p:txBody>
-          <a:bodyPr/>
-          <a:lstStyle/>
-          <a:p>
-            <a:endParaRPr lang="hu-HU"/>
-          </a:p>
-        </p:txBody>
-      </p:sp>
-      <p:sp>
-        <p:nvSpPr>
-          <p:cNvPr id="3" name="Tartalom helye 2"/>
-          <p:cNvSpPr>
-            <a:spLocks noGrp="1"/>
-          </p:cNvSpPr>
-          <p:nvPr>
-            <p:ph idx="1"/>
-          </p:nvPr>
-        </p:nvSpPr>
-        <p:spPr/>
-        <p:txBody>
-          <a:bodyPr/>
-          <a:lstStyle/>
-          <a:p>
-            <a:endParaRPr lang="hu-HU"/>
-          </a:p>
-        </p:txBody>
-      </p:sp>
-    </p:spTree>
-    <p:extLst>
-      <p:ext uri="{BB962C8B-B14F-4D97-AF65-F5344CB8AC3E}">
-        <p14:creationId xmlns:p14="http://schemas.microsoft.com/office/powerpoint/2010/main" val="3382579875"/>
-      </p:ext>
-    </p:extLst>
-  </p:cSld>
-  <p:clrMapOvr>
-    <a:masterClrMapping/>
   </p:clrMapOvr>
 </p:sld>
 </file>
@@ -4318,6 +4540,119 @@
       </p:grpSpPr>
       <p:sp>
         <p:nvSpPr>
+          <p:cNvPr id="9" name="Rectangle 8"/>
+          <p:cNvSpPr>
+            <a:spLocks noGrp="1" noRot="1" noChangeAspect="1" noMove="1" noResize="1" noEditPoints="1" noAdjustHandles="1" noChangeArrowheads="1" noChangeShapeType="1" noTextEdit="1"/>
+          </p:cNvSpPr>
+          <p:nvPr>
+            <p:extLst>
+              <p:ext uri="{386F3935-93C4-4BCD-93E2-E3B085C9AB24}">
+                <p16:designElem xmlns:p16="http://schemas.microsoft.com/office/powerpoint/2015/main" val="1"/>
+              </p:ext>
+            </p:extLst>
+          </p:nvPr>
+        </p:nvSpPr>
+        <p:spPr bwMode="white">
+          <a:xfrm>
+            <a:off x="0" y="0"/>
+            <a:ext cx="12192000" cy="6858000"/>
+          </a:xfrm>
+          <a:prstGeom prst="rect">
+            <a:avLst/>
+          </a:prstGeom>
+          <a:solidFill>
+            <a:schemeClr val="bg1"/>
+          </a:solidFill>
+          <a:ln>
+            <a:noFill/>
+          </a:ln>
+          <a:effectLst/>
+        </p:spPr>
+      </p:sp>
+      <p:sp>
+        <p:nvSpPr>
+          <p:cNvPr id="11" name="Rectangle 10"/>
+          <p:cNvSpPr>
+            <a:spLocks noGrp="1" noRot="1" noChangeAspect="1" noMove="1" noResize="1" noEditPoints="1" noAdjustHandles="1" noChangeArrowheads="1" noChangeShapeType="1" noTextEdit="1"/>
+          </p:cNvSpPr>
+          <p:nvPr>
+            <p:extLst>
+              <p:ext uri="{386F3935-93C4-4BCD-93E2-E3B085C9AB24}">
+                <p16:designElem xmlns:p16="http://schemas.microsoft.com/office/powerpoint/2015/main" val="1"/>
+              </p:ext>
+            </p:extLst>
+          </p:nvPr>
+        </p:nvSpPr>
+        <p:spPr>
+          <a:xfrm>
+            <a:off x="0" y="651752"/>
+            <a:ext cx="12192000" cy="736551"/>
+          </a:xfrm>
+          <a:prstGeom prst="rect">
+            <a:avLst/>
+          </a:prstGeom>
+          <a:solidFill>
+            <a:schemeClr val="tx1">
+              <a:alpha val="75000"/>
+            </a:schemeClr>
+          </a:solidFill>
+          <a:ln>
+            <a:noFill/>
+          </a:ln>
+        </p:spPr>
+        <p:style>
+          <a:lnRef idx="2">
+            <a:schemeClr val="accent1">
+              <a:shade val="50000"/>
+            </a:schemeClr>
+          </a:lnRef>
+          <a:fillRef idx="1">
+            <a:schemeClr val="accent1"/>
+          </a:fillRef>
+          <a:effectRef idx="0">
+            <a:schemeClr val="accent1"/>
+          </a:effectRef>
+          <a:fontRef idx="minor">
+            <a:schemeClr val="lt1"/>
+          </a:fontRef>
+        </p:style>
+        <p:txBody>
+          <a:bodyPr rtlCol="0" anchor="ctr"/>
+          <a:lstStyle/>
+          <a:p>
+            <a:pPr algn="ctr"/>
+            <a:endParaRPr lang="en-US"/>
+          </a:p>
+        </p:txBody>
+      </p:sp>
+      <p:pic>
+        <p:nvPicPr>
+          <p:cNvPr id="4" name="Tartalom helye 3"/>
+          <p:cNvPicPr>
+            <a:picLocks noGrp="1" noChangeAspect="1"/>
+          </p:cNvPicPr>
+          <p:nvPr>
+            <p:ph idx="1"/>
+          </p:nvPr>
+        </p:nvPicPr>
+        <p:blipFill>
+          <a:blip r:embed="rId2"/>
+          <a:stretch>
+            <a:fillRect/>
+          </a:stretch>
+        </p:blipFill>
+        <p:spPr>
+          <a:xfrm>
+            <a:off x="556532" y="1644445"/>
+            <a:ext cx="5788581" cy="2647132"/>
+          </a:xfrm>
+          <a:prstGeom prst="rect">
+            <a:avLst/>
+          </a:prstGeom>
+        </p:spPr>
+      </p:pic>
+      <p:sp>
+        <p:nvSpPr>
           <p:cNvPr id="2" name="Cím 1"/>
           <p:cNvSpPr>
             <a:spLocks noGrp="1"/>
@@ -4326,18 +4661,192 @@
             <p:ph type="title"/>
           </p:nvPr>
         </p:nvSpPr>
-        <p:spPr/>
+        <p:spPr>
+          <a:xfrm>
+            <a:off x="556532" y="643467"/>
+            <a:ext cx="11210925" cy="744836"/>
+          </a:xfrm>
+        </p:spPr>
         <p:txBody>
-          <a:bodyPr/>
+          <a:bodyPr vert="horz" lIns="91440" tIns="45720" rIns="91440" bIns="45720" rtlCol="0" anchor="ctr">
+            <a:normAutofit/>
+          </a:bodyPr>
           <a:lstStyle/>
           <a:p>
+            <a:pPr algn="ctr"/>
+            <a:r>
+              <a:rPr lang="en-US" sz="3200" kern="1200" dirty="0">
+                <a:solidFill>
+                  <a:schemeClr val="bg1"/>
+                </a:solidFill>
+                <a:latin typeface="+mj-lt"/>
+                <a:ea typeface="+mj-ea"/>
+                <a:cs typeface="+mj-cs"/>
+              </a:rPr>
+              <a:t>Data and Preprocessing</a:t>
+            </a:r>
+          </a:p>
+        </p:txBody>
+      </p:sp>
+      <p:pic>
+        <p:nvPicPr>
+          <p:cNvPr id="5" name="Kép 4"/>
+          <p:cNvPicPr>
+            <a:picLocks noChangeAspect="1"/>
+          </p:cNvPicPr>
+          <p:nvPr/>
+        </p:nvPicPr>
+        <p:blipFill>
+          <a:blip r:embed="rId3"/>
+          <a:stretch>
+            <a:fillRect/>
+          </a:stretch>
+        </p:blipFill>
+        <p:spPr>
+          <a:xfrm>
+            <a:off x="5886450" y="4221239"/>
+            <a:ext cx="6242956" cy="2676419"/>
+          </a:xfrm>
+          <a:prstGeom prst="rect">
+            <a:avLst/>
+          </a:prstGeom>
+        </p:spPr>
+      </p:pic>
+      <p:sp>
+        <p:nvSpPr>
+          <p:cNvPr id="6" name="Szövegdoboz 5"/>
+          <p:cNvSpPr txBox="1"/>
+          <p:nvPr/>
+        </p:nvSpPr>
+        <p:spPr>
+          <a:xfrm>
+            <a:off x="474784" y="4765431"/>
+            <a:ext cx="5117124" cy="1508105"/>
+          </a:xfrm>
+          <a:prstGeom prst="rect">
+            <a:avLst/>
+          </a:prstGeom>
+          <a:noFill/>
+        </p:spPr>
+        <p:txBody>
+          <a:bodyPr wrap="square" rtlCol="0">
+            <a:spAutoFit/>
+          </a:bodyPr>
+          <a:lstStyle/>
+          <a:p>
+            <a:pPr marL="285750" indent="-285750">
+              <a:spcAft>
+                <a:spcPts val="1200"/>
+              </a:spcAft>
+              <a:buFont typeface="Arial" panose="020B0604020202020204" pitchFamily="34" charset="0"/>
+              <a:buChar char="•"/>
+            </a:pPr>
             <a:r>
               <a:rPr lang="hu-HU" dirty="0"/>
-              <a:t>Data and </a:t>
+              <a:t>Maximum </a:t>
             </a:r>
             <a:r>
               <a:rPr lang="hu-HU" dirty="0" err="1"/>
-              <a:t>Preprocessing</a:t>
+              <a:t>length</a:t>
+            </a:r>
+            <a:r>
+              <a:rPr lang="hu-HU" dirty="0"/>
+              <a:t>: 20 (</a:t>
+            </a:r>
+            <a:r>
+              <a:rPr lang="hu-HU" dirty="0" err="1"/>
+              <a:t>covers</a:t>
+            </a:r>
+            <a:r>
+              <a:rPr lang="hu-HU" dirty="0"/>
+              <a:t> 96% of </a:t>
+            </a:r>
+            <a:r>
+              <a:rPr lang="hu-HU" dirty="0" err="1"/>
+              <a:t>the</a:t>
+            </a:r>
+            <a:r>
+              <a:rPr lang="hu-HU" dirty="0"/>
+              <a:t> corpus)</a:t>
+            </a:r>
+          </a:p>
+          <a:p>
+            <a:pPr marL="285750" indent="-285750">
+              <a:spcAft>
+                <a:spcPts val="1200"/>
+              </a:spcAft>
+              <a:buFont typeface="Arial" panose="020B0604020202020204" pitchFamily="34" charset="0"/>
+              <a:buChar char="•"/>
+            </a:pPr>
+            <a:r>
+              <a:rPr lang="hu-HU" dirty="0" err="1"/>
+              <a:t>Digraph-based</a:t>
+            </a:r>
+            <a:r>
+              <a:rPr lang="hu-HU" dirty="0"/>
+              <a:t> </a:t>
+            </a:r>
+            <a:r>
+              <a:rPr lang="hu-HU" dirty="0" err="1"/>
+              <a:t>experiments</a:t>
+            </a:r>
+            <a:endParaRPr lang="hu-HU" dirty="0"/>
+          </a:p>
+          <a:p>
+            <a:pPr marL="285750" indent="-285750">
+              <a:spcAft>
+                <a:spcPts val="1200"/>
+              </a:spcAft>
+              <a:buFont typeface="Arial" panose="020B0604020202020204" pitchFamily="34" charset="0"/>
+              <a:buChar char="•"/>
+            </a:pPr>
+            <a:r>
+              <a:rPr lang="hu-HU" dirty="0"/>
+              <a:t>Input/Output </a:t>
+            </a:r>
+            <a:r>
+              <a:rPr lang="hu-HU" dirty="0" err="1"/>
+              <a:t>size</a:t>
+            </a:r>
+            <a:r>
+              <a:rPr lang="hu-HU" dirty="0"/>
+              <a:t> </a:t>
+            </a:r>
+            <a:r>
+              <a:rPr lang="hu-HU" dirty="0" err="1"/>
+              <a:t>depends</a:t>
+            </a:r>
+            <a:r>
+              <a:rPr lang="hu-HU" dirty="0"/>
+              <a:t> </a:t>
+            </a:r>
+            <a:r>
+              <a:rPr lang="hu-HU" dirty="0" err="1"/>
+              <a:t>on</a:t>
+            </a:r>
+            <a:r>
+              <a:rPr lang="hu-HU" dirty="0"/>
+              <a:t> </a:t>
+            </a:r>
+            <a:r>
+              <a:rPr lang="hu-HU" dirty="0" err="1"/>
+              <a:t>the</a:t>
+            </a:r>
+            <a:r>
+              <a:rPr lang="hu-HU" dirty="0"/>
+              <a:t> </a:t>
+            </a:r>
+            <a:r>
+              <a:rPr lang="hu-HU" dirty="0" err="1"/>
+              <a:t>alphabet</a:t>
+            </a:r>
+            <a:r>
+              <a:rPr lang="hu-HU" dirty="0"/>
+              <a:t> </a:t>
+            </a:r>
+            <a:r>
+              <a:rPr lang="hu-HU" dirty="0" err="1"/>
+              <a:t>length</a:t>
             </a:r>
             <a:endParaRPr lang="hu-HU" dirty="0"/>
           </a:p>
@@ -4345,20 +4854,58 @@
       </p:sp>
       <p:sp>
         <p:nvSpPr>
-          <p:cNvPr id="3" name="Tartalom helye 2"/>
-          <p:cNvSpPr>
-            <a:spLocks noGrp="1"/>
-          </p:cNvSpPr>
-          <p:nvPr>
-            <p:ph idx="1"/>
-          </p:nvPr>
+          <p:cNvPr id="7" name="Szövegdoboz 6"/>
+          <p:cNvSpPr txBox="1"/>
+          <p:nvPr/>
         </p:nvSpPr>
-        <p:spPr/>
+        <p:spPr>
+          <a:xfrm>
+            <a:off x="6444760" y="2778369"/>
+            <a:ext cx="5407269" cy="369332"/>
+          </a:xfrm>
+          <a:prstGeom prst="rect">
+            <a:avLst/>
+          </a:prstGeom>
+          <a:noFill/>
+        </p:spPr>
         <p:txBody>
-          <a:bodyPr/>
+          <a:bodyPr wrap="square" rtlCol="0">
+            <a:spAutoFit/>
+          </a:bodyPr>
           <a:lstStyle/>
           <a:p>
-            <a:endParaRPr lang="hu-HU" dirty="0"/>
+            <a:r>
+              <a:rPr lang="hu-HU" dirty="0"/>
+              <a:t>Input words: </a:t>
+            </a:r>
+            <a:r>
+              <a:rPr lang="hu-HU" b="1" dirty="0"/>
+              <a:t>MNSZ2</a:t>
+            </a:r>
+            <a:r>
+              <a:rPr lang="hu-HU" dirty="0"/>
+              <a:t> </a:t>
+            </a:r>
+            <a:r>
+              <a:rPr lang="hu-HU" i="1" dirty="0"/>
+              <a:t>(The </a:t>
+            </a:r>
+            <a:r>
+              <a:rPr lang="hu-HU" i="1" dirty="0" err="1"/>
+              <a:t>Hungarian</a:t>
+            </a:r>
+            <a:r>
+              <a:rPr lang="hu-HU" i="1" dirty="0"/>
+              <a:t> </a:t>
+            </a:r>
+            <a:r>
+              <a:rPr lang="hu-HU" i="1" dirty="0" err="1"/>
+              <a:t>Gigaword</a:t>
+            </a:r>
+            <a:r>
+              <a:rPr lang="hu-HU" i="1" dirty="0"/>
+              <a:t> Corpus)</a:t>
+            </a:r>
           </a:p>
         </p:txBody>
       </p:sp>
@@ -4394,6 +4941,134 @@
       </p:grpSpPr>
       <p:sp>
         <p:nvSpPr>
+          <p:cNvPr id="6151" name="Rectangle 6150"/>
+          <p:cNvSpPr>
+            <a:spLocks noGrp="1" noRot="1" noChangeAspect="1" noMove="1" noResize="1" noEditPoints="1" noAdjustHandles="1" noChangeArrowheads="1" noChangeShapeType="1" noTextEdit="1"/>
+          </p:cNvSpPr>
+          <p:nvPr>
+            <p:extLst>
+              <p:ext uri="{386F3935-93C4-4BCD-93E2-E3B085C9AB24}">
+                <p16:designElem xmlns:p16="http://schemas.microsoft.com/office/powerpoint/2015/main" val="1"/>
+              </p:ext>
+            </p:extLst>
+          </p:nvPr>
+        </p:nvSpPr>
+        <p:spPr bwMode="white">
+          <a:xfrm>
+            <a:off x="0" y="0"/>
+            <a:ext cx="12192000" cy="6858000"/>
+          </a:xfrm>
+          <a:prstGeom prst="rect">
+            <a:avLst/>
+          </a:prstGeom>
+          <a:solidFill>
+            <a:schemeClr val="bg1"/>
+          </a:solidFill>
+          <a:ln>
+            <a:noFill/>
+          </a:ln>
+          <a:effectLst/>
+        </p:spPr>
+      </p:sp>
+      <p:sp>
+        <p:nvSpPr>
+          <p:cNvPr id="73" name="Rectangle 72"/>
+          <p:cNvSpPr>
+            <a:spLocks noGrp="1" noRot="1" noChangeAspect="1" noMove="1" noResize="1" noEditPoints="1" noAdjustHandles="1" noChangeArrowheads="1" noChangeShapeType="1" noTextEdit="1"/>
+          </p:cNvSpPr>
+          <p:nvPr>
+            <p:extLst>
+              <p:ext uri="{386F3935-93C4-4BCD-93E2-E3B085C9AB24}">
+                <p16:designElem xmlns:p16="http://schemas.microsoft.com/office/powerpoint/2015/main" val="1"/>
+              </p:ext>
+            </p:extLst>
+          </p:nvPr>
+        </p:nvSpPr>
+        <p:spPr>
+          <a:xfrm>
+            <a:off x="0" y="651752"/>
+            <a:ext cx="12192000" cy="736551"/>
+          </a:xfrm>
+          <a:prstGeom prst="rect">
+            <a:avLst/>
+          </a:prstGeom>
+          <a:solidFill>
+            <a:schemeClr val="tx1">
+              <a:alpha val="75000"/>
+            </a:schemeClr>
+          </a:solidFill>
+          <a:ln>
+            <a:noFill/>
+          </a:ln>
+        </p:spPr>
+        <p:style>
+          <a:lnRef idx="2">
+            <a:schemeClr val="accent1">
+              <a:shade val="50000"/>
+            </a:schemeClr>
+          </a:lnRef>
+          <a:fillRef idx="1">
+            <a:schemeClr val="accent1"/>
+          </a:fillRef>
+          <a:effectRef idx="0">
+            <a:schemeClr val="accent1"/>
+          </a:effectRef>
+          <a:fontRef idx="minor">
+            <a:schemeClr val="lt1"/>
+          </a:fontRef>
+        </p:style>
+        <p:txBody>
+          <a:bodyPr rtlCol="0" anchor="ctr"/>
+          <a:lstStyle/>
+          <a:p>
+            <a:pPr algn="ctr"/>
+            <a:endParaRPr lang="en-US"/>
+          </a:p>
+        </p:txBody>
+      </p:sp>
+      <p:pic>
+        <p:nvPicPr>
+          <p:cNvPr id="6146" name="Picture 2" descr="http://az616578.vo.msecnd.net/files/2016/09/26/636104905812273029522410039_evolution-005.jpg"/>
+          <p:cNvPicPr>
+            <a:picLocks noGrp="1" noChangeAspect="1" noChangeArrowheads="1"/>
+          </p:cNvPicPr>
+          <p:nvPr>
+            <p:ph idx="1"/>
+          </p:nvPr>
+        </p:nvPicPr>
+        <p:blipFill rotWithShape="1">
+          <a:blip r:embed="rId2">
+            <a:extLst>
+              <a:ext uri="{28A0092B-C50C-407E-A947-70E740481C1C}">
+                <a14:useLocalDpi xmlns:a14="http://schemas.microsoft.com/office/drawing/2010/main" val="0"/>
+              </a:ext>
+            </a:extLst>
+          </a:blip>
+          <a:srcRect/>
+          <a:stretch/>
+        </p:blipFill>
+        <p:spPr bwMode="auto">
+          <a:xfrm>
+            <a:off x="441244" y="2266950"/>
+            <a:ext cx="6639777" cy="2456717"/>
+          </a:xfrm>
+          <a:prstGeom prst="rect">
+            <a:avLst/>
+          </a:prstGeom>
+          <a:noFill/>
+          <a:extLst>
+            <a:ext uri="{909E8E84-426E-40DD-AFC4-6F175D3DCCD1}">
+              <a14:hiddenFill xmlns:a14="http://schemas.microsoft.com/office/drawing/2010/main">
+                <a:solidFill>
+                  <a:srgbClr val="FFFFFF"/>
+                </a:solidFill>
+              </a14:hiddenFill>
+            </a:ext>
+          </a:extLst>
+        </p:spPr>
+      </p:pic>
+      <p:sp>
+        <p:nvSpPr>
           <p:cNvPr id="2" name="Cím 1"/>
           <p:cNvSpPr>
             <a:spLocks noGrp="1"/>
@@ -4402,43 +5077,415 @@
             <p:ph type="title"/>
           </p:nvPr>
         </p:nvSpPr>
-        <p:spPr/>
+        <p:spPr>
+          <a:xfrm>
+            <a:off x="556532" y="643467"/>
+            <a:ext cx="11210925" cy="744836"/>
+          </a:xfrm>
+        </p:spPr>
         <p:txBody>
-          <a:bodyPr/>
+          <a:bodyPr vert="horz" lIns="91440" tIns="45720" rIns="91440" bIns="45720" rtlCol="0" anchor="ctr">
+            <a:normAutofit/>
+          </a:bodyPr>
           <a:lstStyle/>
           <a:p>
-            <a:r>
-              <a:rPr lang="hu-HU" dirty="0" err="1"/>
-              <a:t>Experimental</a:t>
-            </a:r>
-            <a:r>
-              <a:rPr lang="hu-HU" dirty="0"/>
-              <a:t> </a:t>
-            </a:r>
-            <a:r>
-              <a:rPr lang="hu-HU" dirty="0" err="1"/>
-              <a:t>setup</a:t>
-            </a:r>
-            <a:endParaRPr lang="hu-HU" dirty="0"/>
+            <a:pPr algn="ctr"/>
+            <a:r>
+              <a:rPr lang="en-US" sz="3200" kern="1200" dirty="0">
+                <a:solidFill>
+                  <a:schemeClr val="bg1"/>
+                </a:solidFill>
+                <a:latin typeface="+mj-lt"/>
+                <a:ea typeface="+mj-ea"/>
+                <a:cs typeface="+mj-cs"/>
+              </a:rPr>
+              <a:t>Evolution algorithm</a:t>
+            </a:r>
           </a:p>
         </p:txBody>
       </p:sp>
       <p:sp>
         <p:nvSpPr>
-          <p:cNvPr id="3" name="Tartalom helye 2"/>
-          <p:cNvSpPr>
-            <a:spLocks noGrp="1"/>
-          </p:cNvSpPr>
-          <p:nvPr>
-            <p:ph idx="1"/>
-          </p:nvPr>
+          <p:cNvPr id="4" name="Szövegdoboz 3"/>
+          <p:cNvSpPr txBox="1"/>
+          <p:nvPr/>
         </p:nvSpPr>
-        <p:spPr/>
+        <p:spPr>
+          <a:xfrm>
+            <a:off x="7710121" y="2031770"/>
+            <a:ext cx="3860555" cy="3631763"/>
+          </a:xfrm>
+          <a:prstGeom prst="rect">
+            <a:avLst/>
+          </a:prstGeom>
+          <a:noFill/>
+        </p:spPr>
         <p:txBody>
-          <a:bodyPr/>
+          <a:bodyPr wrap="square" rtlCol="0">
+            <a:spAutoFit/>
+          </a:bodyPr>
           <a:lstStyle/>
           <a:p>
+            <a:pPr>
+              <a:spcAft>
+                <a:spcPts val="1200"/>
+              </a:spcAft>
+            </a:pPr>
+            <a:r>
+              <a:rPr lang="hu-HU" dirty="0"/>
+              <a:t>A </a:t>
+            </a:r>
+            <a:r>
+              <a:rPr lang="hu-HU" dirty="0" err="1"/>
+              <a:t>generation</a:t>
+            </a:r>
+            <a:r>
+              <a:rPr lang="hu-HU" dirty="0"/>
+              <a:t>:</a:t>
+            </a:r>
+          </a:p>
+          <a:p>
+            <a:pPr marL="285750" indent="-285750">
+              <a:spcAft>
+                <a:spcPts val="1200"/>
+              </a:spcAft>
+              <a:buFont typeface="Arial" panose="020B0604020202020204" pitchFamily="34" charset="0"/>
+              <a:buChar char="•"/>
+            </a:pPr>
+            <a:r>
+              <a:rPr lang="hu-HU" dirty="0" err="1"/>
+              <a:t>Select</a:t>
+            </a:r>
+            <a:r>
+              <a:rPr lang="hu-HU" dirty="0"/>
+              <a:t> </a:t>
+            </a:r>
+            <a:r>
+              <a:rPr lang="hu-HU" dirty="0" err="1"/>
+              <a:t>the</a:t>
+            </a:r>
+            <a:r>
+              <a:rPr lang="hu-HU" dirty="0"/>
+              <a:t> </a:t>
+            </a:r>
+            <a:r>
+              <a:rPr lang="hu-HU" dirty="0" err="1"/>
+              <a:t>best</a:t>
+            </a:r>
+            <a:r>
+              <a:rPr lang="hu-HU" dirty="0"/>
+              <a:t> </a:t>
+            </a:r>
+            <a:r>
+              <a:rPr lang="hu-HU" dirty="0" err="1"/>
+              <a:t>individuals</a:t>
+            </a:r>
             <a:endParaRPr lang="hu-HU" dirty="0"/>
+          </a:p>
+          <a:p>
+            <a:pPr marL="285750" indent="-285750">
+              <a:spcAft>
+                <a:spcPts val="1200"/>
+              </a:spcAft>
+              <a:buFont typeface="Arial" panose="020B0604020202020204" pitchFamily="34" charset="0"/>
+              <a:buChar char="•"/>
+            </a:pPr>
+            <a:r>
+              <a:rPr lang="hu-HU" dirty="0" err="1"/>
+              <a:t>Mutate</a:t>
+            </a:r>
+            <a:r>
+              <a:rPr lang="hu-HU" dirty="0"/>
+              <a:t> a </a:t>
+            </a:r>
+            <a:r>
+              <a:rPr lang="hu-HU" dirty="0" err="1"/>
+              <a:t>fraction</a:t>
+            </a:r>
+            <a:r>
+              <a:rPr lang="hu-HU" dirty="0"/>
+              <a:t> of </a:t>
+            </a:r>
+            <a:r>
+              <a:rPr lang="hu-HU" dirty="0" err="1"/>
+              <a:t>the</a:t>
+            </a:r>
+            <a:r>
+              <a:rPr lang="hu-HU" dirty="0"/>
+              <a:t> </a:t>
+            </a:r>
+            <a:r>
+              <a:rPr lang="hu-HU" dirty="0" err="1"/>
+              <a:t>population</a:t>
+            </a:r>
+            <a:endParaRPr lang="hu-HU" dirty="0"/>
+          </a:p>
+          <a:p>
+            <a:pPr marL="285750" indent="-285750">
+              <a:spcAft>
+                <a:spcPts val="1200"/>
+              </a:spcAft>
+              <a:buFont typeface="Arial" panose="020B0604020202020204" pitchFamily="34" charset="0"/>
+              <a:buChar char="•"/>
+            </a:pPr>
+            <a:r>
+              <a:rPr lang="hu-HU" dirty="0" err="1"/>
+              <a:t>Marry</a:t>
+            </a:r>
+            <a:r>
+              <a:rPr lang="hu-HU" dirty="0"/>
+              <a:t> random </a:t>
+            </a:r>
+            <a:r>
+              <a:rPr lang="hu-HU" dirty="0" err="1"/>
+              <a:t>pairs</a:t>
+            </a:r>
+            <a:r>
+              <a:rPr lang="hu-HU" dirty="0"/>
+              <a:t>, and </a:t>
+            </a:r>
+            <a:r>
+              <a:rPr lang="hu-HU" dirty="0" err="1"/>
+              <a:t>create</a:t>
+            </a:r>
+            <a:r>
+              <a:rPr lang="hu-HU" dirty="0"/>
+              <a:t> a </a:t>
+            </a:r>
+            <a:r>
+              <a:rPr lang="hu-HU" dirty="0" err="1"/>
+              <a:t>child</a:t>
+            </a:r>
+            <a:endParaRPr lang="hu-HU" dirty="0"/>
+          </a:p>
+          <a:p>
+            <a:pPr marL="285750" indent="-285750">
+              <a:spcAft>
+                <a:spcPts val="1200"/>
+              </a:spcAft>
+              <a:buFont typeface="Arial" panose="020B0604020202020204" pitchFamily="34" charset="0"/>
+              <a:buChar char="•"/>
+            </a:pPr>
+            <a:r>
+              <a:rPr lang="hu-HU" dirty="0" err="1"/>
+              <a:t>Randomly</a:t>
+            </a:r>
+            <a:r>
+              <a:rPr lang="hu-HU" dirty="0"/>
+              <a:t> </a:t>
+            </a:r>
+            <a:r>
+              <a:rPr lang="hu-HU" dirty="0" err="1"/>
+              <a:t>select</a:t>
+            </a:r>
+            <a:r>
+              <a:rPr lang="hu-HU" dirty="0"/>
+              <a:t> </a:t>
+            </a:r>
+            <a:r>
+              <a:rPr lang="hu-HU" dirty="0" err="1"/>
+              <a:t>from</a:t>
+            </a:r>
+            <a:r>
+              <a:rPr lang="hu-HU" dirty="0"/>
+              <a:t> </a:t>
+            </a:r>
+            <a:r>
+              <a:rPr lang="hu-HU" dirty="0" err="1"/>
+              <a:t>the</a:t>
+            </a:r>
+            <a:r>
+              <a:rPr lang="hu-HU" dirty="0"/>
+              <a:t> rest of </a:t>
+            </a:r>
+            <a:r>
+              <a:rPr lang="hu-HU" dirty="0" err="1"/>
+              <a:t>the</a:t>
+            </a:r>
+            <a:r>
+              <a:rPr lang="hu-HU" dirty="0"/>
+              <a:t> </a:t>
+            </a:r>
+            <a:r>
+              <a:rPr lang="hu-HU" dirty="0" err="1"/>
+              <a:t>population</a:t>
+            </a:r>
+            <a:endParaRPr lang="hu-HU" dirty="0"/>
+          </a:p>
+          <a:p>
+            <a:pPr marL="285750" indent="-285750">
+              <a:spcAft>
+                <a:spcPts val="1200"/>
+              </a:spcAft>
+              <a:buFont typeface="Arial" panose="020B0604020202020204" pitchFamily="34" charset="0"/>
+              <a:buChar char="•"/>
+            </a:pPr>
+            <a:r>
+              <a:rPr lang="hu-HU" dirty="0" err="1"/>
+              <a:t>Kill</a:t>
+            </a:r>
+            <a:r>
+              <a:rPr lang="hu-HU" dirty="0"/>
+              <a:t> </a:t>
+            </a:r>
+            <a:r>
+              <a:rPr lang="hu-HU" dirty="0" err="1"/>
+              <a:t>the</a:t>
+            </a:r>
+            <a:r>
+              <a:rPr lang="hu-HU" dirty="0"/>
+              <a:t> rest of </a:t>
+            </a:r>
+            <a:r>
+              <a:rPr lang="hu-HU" dirty="0" err="1"/>
+              <a:t>the</a:t>
+            </a:r>
+            <a:r>
+              <a:rPr lang="hu-HU" dirty="0"/>
+              <a:t> </a:t>
+            </a:r>
+            <a:r>
+              <a:rPr lang="hu-HU" dirty="0" err="1"/>
+              <a:t>population</a:t>
+            </a:r>
+            <a:r>
+              <a:rPr lang="hu-HU" dirty="0"/>
+              <a:t>, </a:t>
+            </a:r>
+            <a:r>
+              <a:rPr lang="hu-HU" dirty="0" err="1"/>
+              <a:t>keep</a:t>
+            </a:r>
+            <a:r>
+              <a:rPr lang="hu-HU" dirty="0"/>
+              <a:t> </a:t>
+            </a:r>
+            <a:r>
+              <a:rPr lang="hu-HU" dirty="0" err="1"/>
+              <a:t>only</a:t>
+            </a:r>
+            <a:r>
+              <a:rPr lang="hu-HU" dirty="0"/>
+              <a:t> </a:t>
+            </a:r>
+            <a:r>
+              <a:rPr lang="hu-HU" dirty="0" err="1"/>
+              <a:t>the</a:t>
+            </a:r>
+            <a:r>
+              <a:rPr lang="hu-HU" dirty="0"/>
+              <a:t> </a:t>
+            </a:r>
+            <a:r>
+              <a:rPr lang="hu-HU" dirty="0" err="1"/>
+              <a:t>previously</a:t>
+            </a:r>
+            <a:r>
+              <a:rPr lang="hu-HU" dirty="0"/>
+              <a:t> </a:t>
+            </a:r>
+            <a:r>
+              <a:rPr lang="hu-HU" dirty="0" err="1"/>
+              <a:t>mentioned</a:t>
+            </a:r>
+            <a:r>
+              <a:rPr lang="hu-HU" dirty="0"/>
+              <a:t> </a:t>
+            </a:r>
+            <a:r>
+              <a:rPr lang="hu-HU" dirty="0" err="1"/>
+              <a:t>individuals</a:t>
+            </a:r>
+            <a:r>
+              <a:rPr lang="hu-HU" dirty="0"/>
+              <a:t>, and </a:t>
+            </a:r>
+            <a:r>
+              <a:rPr lang="hu-HU" dirty="0" err="1"/>
+              <a:t>their</a:t>
+            </a:r>
+            <a:r>
+              <a:rPr lang="hu-HU" dirty="0"/>
+              <a:t> </a:t>
+            </a:r>
+            <a:r>
+              <a:rPr lang="hu-HU" dirty="0" err="1"/>
+              <a:t>children</a:t>
+            </a:r>
+            <a:endParaRPr lang="hu-HU" dirty="0"/>
+          </a:p>
+        </p:txBody>
+      </p:sp>
+      <p:sp>
+        <p:nvSpPr>
+          <p:cNvPr id="5" name="Szövegdoboz 4"/>
+          <p:cNvSpPr txBox="1"/>
+          <p:nvPr/>
+        </p:nvSpPr>
+        <p:spPr>
+          <a:xfrm>
+            <a:off x="1565031" y="5662246"/>
+            <a:ext cx="4264269" cy="369332"/>
+          </a:xfrm>
+          <a:prstGeom prst="rect">
+            <a:avLst/>
+          </a:prstGeom>
+          <a:noFill/>
+        </p:spPr>
+        <p:txBody>
+          <a:bodyPr wrap="square" rtlCol="0">
+            <a:spAutoFit/>
+          </a:bodyPr>
+          <a:lstStyle/>
+          <a:p>
+            <a:r>
+              <a:rPr lang="hu-HU" b="1" dirty="0" err="1"/>
+              <a:t>Much</a:t>
+            </a:r>
+            <a:r>
+              <a:rPr lang="hu-HU" b="1" dirty="0"/>
+              <a:t> </a:t>
+            </a:r>
+            <a:r>
+              <a:rPr lang="hu-HU" b="1" dirty="0" err="1"/>
+              <a:t>faster</a:t>
+            </a:r>
+            <a:r>
+              <a:rPr lang="hu-HU" b="1" dirty="0"/>
+              <a:t> </a:t>
+            </a:r>
+            <a:r>
+              <a:rPr lang="hu-HU" b="1" dirty="0" err="1"/>
+              <a:t>than</a:t>
+            </a:r>
+            <a:r>
+              <a:rPr lang="hu-HU" b="1" dirty="0"/>
+              <a:t> </a:t>
+            </a:r>
+            <a:r>
+              <a:rPr lang="hu-HU" b="1" dirty="0" err="1"/>
+              <a:t>the</a:t>
+            </a:r>
+            <a:r>
+              <a:rPr lang="hu-HU" b="1" dirty="0"/>
+              <a:t> </a:t>
+            </a:r>
+            <a:r>
+              <a:rPr lang="hu-HU" b="1" dirty="0" err="1"/>
+              <a:t>exhaustive</a:t>
+            </a:r>
+            <a:r>
+              <a:rPr lang="hu-HU" b="1" dirty="0"/>
+              <a:t> </a:t>
+            </a:r>
+            <a:r>
+              <a:rPr lang="hu-HU" b="1" dirty="0" err="1"/>
+              <a:t>search</a:t>
+            </a:r>
+            <a:r>
+              <a:rPr lang="hu-HU" b="1" dirty="0"/>
+              <a:t>!</a:t>
+            </a:r>
           </a:p>
         </p:txBody>
       </p:sp>
@@ -4482,38 +5529,74 @@
             <p:ph type="title"/>
           </p:nvPr>
         </p:nvSpPr>
-        <p:spPr/>
+        <p:spPr>
+          <a:xfrm>
+            <a:off x="1533525" y="717550"/>
+            <a:ext cx="1971675" cy="1325563"/>
+          </a:xfrm>
+        </p:spPr>
         <p:txBody>
           <a:bodyPr/>
           <a:lstStyle/>
           <a:p>
             <a:r>
-              <a:rPr lang="hu-HU" dirty="0" err="1"/>
+              <a:rPr lang="hu-HU" b="1" dirty="0" err="1"/>
               <a:t>Results</a:t>
             </a:r>
-            <a:endParaRPr lang="hu-HU" dirty="0"/>
+            <a:endParaRPr lang="hu-HU" b="1" dirty="0"/>
           </a:p>
         </p:txBody>
       </p:sp>
-      <p:sp>
-        <p:nvSpPr>
-          <p:cNvPr id="3" name="Tartalom helye 2"/>
-          <p:cNvSpPr>
-            <a:spLocks noGrp="1"/>
-          </p:cNvSpPr>
+      <p:pic>
+        <p:nvPicPr>
+          <p:cNvPr id="4" name="Tartalom helye 3"/>
+          <p:cNvPicPr>
+            <a:picLocks noGrp="1" noChangeAspect="1"/>
+          </p:cNvPicPr>
           <p:nvPr>
             <p:ph idx="1"/>
           </p:nvPr>
-        </p:nvSpPr>
-        <p:spPr/>
-        <p:txBody>
-          <a:bodyPr/>
-          <a:lstStyle/>
-          <a:p>
-            <a:endParaRPr lang="hu-HU" dirty="0"/>
-          </a:p>
-        </p:txBody>
-      </p:sp>
+        </p:nvPicPr>
+        <p:blipFill>
+          <a:blip r:embed="rId2"/>
+          <a:stretch>
+            <a:fillRect/>
+          </a:stretch>
+        </p:blipFill>
+        <p:spPr>
+          <a:xfrm>
+            <a:off x="4568400" y="0"/>
+            <a:ext cx="7623600" cy="3157857"/>
+          </a:xfrm>
+          <a:prstGeom prst="rect">
+            <a:avLst/>
+          </a:prstGeom>
+        </p:spPr>
+      </p:pic>
+      <p:pic>
+        <p:nvPicPr>
+          <p:cNvPr id="5" name="Kép 4"/>
+          <p:cNvPicPr>
+            <a:picLocks noChangeAspect="1"/>
+          </p:cNvPicPr>
+          <p:nvPr/>
+        </p:nvPicPr>
+        <p:blipFill>
+          <a:blip r:embed="rId3"/>
+          <a:stretch>
+            <a:fillRect/>
+          </a:stretch>
+        </p:blipFill>
+        <p:spPr>
+          <a:xfrm>
+            <a:off x="-1" y="2938688"/>
+            <a:ext cx="7972425" cy="3919312"/>
+          </a:xfrm>
+          <a:prstGeom prst="rect">
+            <a:avLst/>
+          </a:prstGeom>
+        </p:spPr>
+      </p:pic>
     </p:spTree>
     <p:extLst>
       <p:ext uri="{BB962C8B-B14F-4D97-AF65-F5344CB8AC3E}">
@@ -4741,6 +5824,93 @@
       </p:grpSpPr>
       <p:sp>
         <p:nvSpPr>
+          <p:cNvPr id="9" name="Rectangle 8"/>
+          <p:cNvSpPr>
+            <a:spLocks noGrp="1" noRot="1" noChangeAspect="1" noMove="1" noResize="1" noEditPoints="1" noAdjustHandles="1" noChangeArrowheads="1" noChangeShapeType="1" noTextEdit="1"/>
+          </p:cNvSpPr>
+          <p:nvPr>
+            <p:extLst>
+              <p:ext uri="{386F3935-93C4-4BCD-93E2-E3B085C9AB24}">
+                <p16:designElem xmlns:p16="http://schemas.microsoft.com/office/powerpoint/2015/main" val="1"/>
+              </p:ext>
+            </p:extLst>
+          </p:nvPr>
+        </p:nvSpPr>
+        <p:spPr bwMode="white">
+          <a:xfrm>
+            <a:off x="0" y="0"/>
+            <a:ext cx="12192000" cy="6858000"/>
+          </a:xfrm>
+          <a:prstGeom prst="rect">
+            <a:avLst/>
+          </a:prstGeom>
+          <a:solidFill>
+            <a:schemeClr val="bg1"/>
+          </a:solidFill>
+          <a:ln>
+            <a:noFill/>
+          </a:ln>
+          <a:effectLst/>
+        </p:spPr>
+      </p:sp>
+      <p:sp>
+        <p:nvSpPr>
+          <p:cNvPr id="11" name="Rectangle 10"/>
+          <p:cNvSpPr>
+            <a:spLocks noGrp="1" noRot="1" noChangeAspect="1" noMove="1" noResize="1" noEditPoints="1" noAdjustHandles="1" noChangeArrowheads="1" noChangeShapeType="1" noTextEdit="1"/>
+          </p:cNvSpPr>
+          <p:nvPr>
+            <p:extLst>
+              <p:ext uri="{386F3935-93C4-4BCD-93E2-E3B085C9AB24}">
+                <p16:designElem xmlns:p16="http://schemas.microsoft.com/office/powerpoint/2015/main" val="1"/>
+              </p:ext>
+            </p:extLst>
+          </p:nvPr>
+        </p:nvSpPr>
+        <p:spPr>
+          <a:xfrm>
+            <a:off x="0" y="651752"/>
+            <a:ext cx="12192000" cy="736551"/>
+          </a:xfrm>
+          <a:prstGeom prst="rect">
+            <a:avLst/>
+          </a:prstGeom>
+          <a:solidFill>
+            <a:schemeClr val="tx1">
+              <a:alpha val="75000"/>
+            </a:schemeClr>
+          </a:solidFill>
+          <a:ln>
+            <a:noFill/>
+          </a:ln>
+        </p:spPr>
+        <p:style>
+          <a:lnRef idx="2">
+            <a:schemeClr val="accent1">
+              <a:shade val="50000"/>
+            </a:schemeClr>
+          </a:lnRef>
+          <a:fillRef idx="1">
+            <a:schemeClr val="accent1"/>
+          </a:fillRef>
+          <a:effectRef idx="0">
+            <a:schemeClr val="accent1"/>
+          </a:effectRef>
+          <a:fontRef idx="minor">
+            <a:schemeClr val="lt1"/>
+          </a:fontRef>
+        </p:style>
+        <p:txBody>
+          <a:bodyPr rtlCol="0" anchor="ctr"/>
+          <a:lstStyle/>
+          <a:p>
+            <a:pPr algn="ctr"/>
+            <a:endParaRPr lang="en-US"/>
+          </a:p>
+        </p:txBody>
+      </p:sp>
+      <p:sp>
+        <p:nvSpPr>
           <p:cNvPr id="2" name="Cím 1"/>
           <p:cNvSpPr>
             <a:spLocks noGrp="1"/>
@@ -4749,62 +5919,3057 @@
             <p:ph type="title"/>
           </p:nvPr>
         </p:nvSpPr>
-        <p:spPr/>
+        <p:spPr>
+          <a:xfrm>
+            <a:off x="556532" y="643467"/>
+            <a:ext cx="11210925" cy="744836"/>
+          </a:xfrm>
+        </p:spPr>
         <p:txBody>
-          <a:bodyPr/>
+          <a:bodyPr vert="horz" lIns="91440" tIns="45720" rIns="91440" bIns="45720" rtlCol="0" anchor="ctr">
+            <a:normAutofit/>
+          </a:bodyPr>
           <a:lstStyle/>
           <a:p>
-            <a:r>
-              <a:rPr lang="hu-HU" dirty="0" err="1"/>
+            <a:pPr algn="ctr"/>
+            <a:r>
+              <a:rPr lang="en-US" sz="3200" kern="1200" dirty="0">
+                <a:solidFill>
+                  <a:schemeClr val="bg1"/>
+                </a:solidFill>
+                <a:latin typeface="+mj-lt"/>
+                <a:ea typeface="+mj-ea"/>
+                <a:cs typeface="+mj-cs"/>
+              </a:rPr>
               <a:t>Even-odd</a:t>
             </a:r>
             <a:r>
-              <a:rPr lang="hu-HU" dirty="0"/>
+              <a:rPr lang="hu-HU" sz="3200" dirty="0">
+                <a:solidFill>
+                  <a:schemeClr val="bg1"/>
+                </a:solidFill>
+              </a:rPr>
               <a:t> </a:t>
             </a:r>
             <a:r>
-              <a:rPr lang="hu-HU" dirty="0" err="1"/>
+              <a:rPr lang="en-US" sz="3200" kern="1200" dirty="0">
+                <a:solidFill>
+                  <a:schemeClr val="bg1"/>
+                </a:solidFill>
+                <a:latin typeface="+mj-lt"/>
+                <a:ea typeface="+mj-ea"/>
+                <a:cs typeface="+mj-cs"/>
+              </a:rPr>
               <a:t>position</a:t>
             </a:r>
             <a:r>
-              <a:rPr lang="hu-HU" dirty="0"/>
-              <a:t> </a:t>
-            </a:r>
-            <a:r>
-              <a:rPr lang="hu-HU" dirty="0" err="1"/>
-              <a:t>segmented</a:t>
-            </a:r>
-            <a:r>
-              <a:rPr lang="hu-HU" dirty="0"/>
-              <a:t> </a:t>
-            </a:r>
-            <a:r>
-              <a:rPr lang="hu-HU" dirty="0" err="1"/>
-              <a:t>words</a:t>
-            </a:r>
-            <a:endParaRPr lang="hu-HU" dirty="0"/>
+              <a:rPr lang="hu-HU" sz="3200" kern="1200" dirty="0">
+                <a:solidFill>
+                  <a:schemeClr val="bg1"/>
+                </a:solidFill>
+                <a:latin typeface="+mj-lt"/>
+                <a:ea typeface="+mj-ea"/>
+                <a:cs typeface="+mj-cs"/>
+              </a:rPr>
+              <a:t>-</a:t>
+            </a:r>
+            <a:r>
+              <a:rPr lang="en-US" sz="3200" kern="1200" dirty="0">
+                <a:solidFill>
+                  <a:schemeClr val="bg1"/>
+                </a:solidFill>
+                <a:latin typeface="+mj-lt"/>
+                <a:ea typeface="+mj-ea"/>
+                <a:cs typeface="+mj-cs"/>
+              </a:rPr>
+              <a:t>segmented words</a:t>
+            </a:r>
           </a:p>
         </p:txBody>
       </p:sp>
-      <p:sp>
-        <p:nvSpPr>
-          <p:cNvPr id="3" name="Tartalom helye 2"/>
-          <p:cNvSpPr>
-            <a:spLocks noGrp="1"/>
-          </p:cNvSpPr>
+      <p:graphicFrame>
+        <p:nvGraphicFramePr>
+          <p:cNvPr id="7" name="Tartalom helye 6"/>
+          <p:cNvGraphicFramePr>
+            <a:graphicFrameLocks noGrp="1"/>
+          </p:cNvGraphicFramePr>
           <p:nvPr>
             <p:ph idx="1"/>
+            <p:extLst>
+              <p:ext uri="{D42A27DB-BD31-4B8C-83A1-F6EECF244321}">
+                <p14:modId xmlns:p14="http://schemas.microsoft.com/office/powerpoint/2010/main" val="2028016217"/>
+              </p:ext>
+            </p:extLst>
           </p:nvPr>
-        </p:nvSpPr>
-        <p:spPr/>
-        <p:txBody>
-          <a:bodyPr/>
-          <a:lstStyle/>
-          <a:p>
-            <a:endParaRPr lang="hu-HU" dirty="0"/>
-          </a:p>
-        </p:txBody>
-      </p:sp>
+        </p:nvGraphicFramePr>
+        <p:xfrm>
+          <a:off x="6096000" y="1855166"/>
+          <a:ext cx="4889096" cy="4535970"/>
+        </p:xfrm>
+        <a:graphic>
+          <a:graphicData uri="http://schemas.openxmlformats.org/drawingml/2006/table">
+            <a:tbl>
+              <a:tblPr/>
+              <a:tblGrid>
+                <a:gridCol w="2444548">
+                  <a:extLst>
+                    <a:ext uri="{9D8B030D-6E8A-4147-A177-3AD203B41FA5}">
+                      <a16:colId xmlns:a16="http://schemas.microsoft.com/office/drawing/2014/main" val="758851394"/>
+                    </a:ext>
+                  </a:extLst>
+                </a:gridCol>
+                <a:gridCol w="2444548">
+                  <a:extLst>
+                    <a:ext uri="{9D8B030D-6E8A-4147-A177-3AD203B41FA5}">
+                      <a16:colId xmlns:a16="http://schemas.microsoft.com/office/drawing/2014/main" val="1284069316"/>
+                    </a:ext>
+                  </a:extLst>
+                </a:gridCol>
+              </a:tblGrid>
+              <a:tr h="302398">
+                <a:tc>
+                  <a:txBody>
+                    <a:bodyPr/>
+                    <a:lstStyle/>
+                    <a:p>
+                      <a:pPr algn="l" fontAlgn="ctr"/>
+                      <a:r>
+                        <a:rPr lang="hu-HU" sz="1600" b="1" dirty="0">
+                          <a:effectLst/>
+                        </a:rPr>
+                        <a:t>original (merged)</a:t>
+                      </a:r>
+                    </a:p>
+                  </a:txBody>
+                  <a:tcPr marL="26372" marR="26372" marT="26372" marB="26372" anchor="ctr">
+                    <a:lnL w="7620" cap="flat" cmpd="sng" algn="ctr">
+                      <a:solidFill>
+                        <a:srgbClr val="000000"/>
+                      </a:solidFill>
+                      <a:prstDash val="solid"/>
+                      <a:round/>
+                      <a:headEnd type="none" w="med" len="med"/>
+                      <a:tailEnd type="none" w="med" len="med"/>
+                    </a:lnL>
+                    <a:lnR w="7620" cap="flat" cmpd="sng" algn="ctr">
+                      <a:solidFill>
+                        <a:srgbClr val="000000"/>
+                      </a:solidFill>
+                      <a:prstDash val="solid"/>
+                      <a:round/>
+                      <a:headEnd type="none" w="med" len="med"/>
+                      <a:tailEnd type="none" w="med" len="med"/>
+                    </a:lnR>
+                    <a:lnT w="7620" cap="flat" cmpd="sng" algn="ctr">
+                      <a:solidFill>
+                        <a:srgbClr val="000000"/>
+                      </a:solidFill>
+                      <a:prstDash val="solid"/>
+                      <a:round/>
+                      <a:headEnd type="none" w="med" len="med"/>
+                      <a:tailEnd type="none" w="med" len="med"/>
+                    </a:lnT>
+                    <a:lnB w="7620" cap="flat" cmpd="sng" algn="ctr">
+                      <a:solidFill>
+                        <a:srgbClr val="000000"/>
+                      </a:solidFill>
+                      <a:prstDash val="solid"/>
+                      <a:round/>
+                      <a:headEnd type="none" w="med" len="med"/>
+                      <a:tailEnd type="none" w="med" len="med"/>
+                    </a:lnB>
+                    <a:solidFill>
+                      <a:srgbClr val="FFFFFF"/>
+                    </a:solidFill>
+                  </a:tcPr>
+                </a:tc>
+                <a:tc>
+                  <a:txBody>
+                    <a:bodyPr/>
+                    <a:lstStyle/>
+                    <a:p>
+                      <a:pPr algn="l" fontAlgn="ctr"/>
+                      <a:r>
+                        <a:rPr lang="hu-HU" sz="1600" b="1">
+                          <a:effectLst/>
+                        </a:rPr>
+                        <a:t>reconstructed</a:t>
+                      </a:r>
+                    </a:p>
+                  </a:txBody>
+                  <a:tcPr marL="26372" marR="26372" marT="26372" marB="26372" anchor="ctr">
+                    <a:lnL w="7620" cap="flat" cmpd="sng" algn="ctr">
+                      <a:solidFill>
+                        <a:srgbClr val="000000"/>
+                      </a:solidFill>
+                      <a:prstDash val="solid"/>
+                      <a:round/>
+                      <a:headEnd type="none" w="med" len="med"/>
+                      <a:tailEnd type="none" w="med" len="med"/>
+                    </a:lnL>
+                    <a:lnR w="7620" cap="flat" cmpd="sng" algn="ctr">
+                      <a:solidFill>
+                        <a:srgbClr val="000000"/>
+                      </a:solidFill>
+                      <a:prstDash val="solid"/>
+                      <a:round/>
+                      <a:headEnd type="none" w="med" len="med"/>
+                      <a:tailEnd type="none" w="med" len="med"/>
+                    </a:lnR>
+                    <a:lnT w="7620" cap="flat" cmpd="sng" algn="ctr">
+                      <a:solidFill>
+                        <a:srgbClr val="000000"/>
+                      </a:solidFill>
+                      <a:prstDash val="solid"/>
+                      <a:round/>
+                      <a:headEnd type="none" w="med" len="med"/>
+                      <a:tailEnd type="none" w="med" len="med"/>
+                    </a:lnT>
+                    <a:lnB w="7620" cap="flat" cmpd="sng" algn="ctr">
+                      <a:solidFill>
+                        <a:srgbClr val="000000"/>
+                      </a:solidFill>
+                      <a:prstDash val="solid"/>
+                      <a:round/>
+                      <a:headEnd type="none" w="med" len="med"/>
+                      <a:tailEnd type="none" w="med" len="med"/>
+                    </a:lnB>
+                    <a:solidFill>
+                      <a:srgbClr val="FFFFFF"/>
+                    </a:solidFill>
+                  </a:tcPr>
+                </a:tc>
+                <a:extLst>
+                  <a:ext uri="{0D108BD9-81ED-4DB2-BD59-A6C34878D82A}">
+                    <a16:rowId xmlns:a16="http://schemas.microsoft.com/office/drawing/2014/main" val="3205155587"/>
+                  </a:ext>
+                </a:extLst>
+              </a:tr>
+              <a:tr h="302398">
+                <a:tc>
+                  <a:txBody>
+                    <a:bodyPr/>
+                    <a:lstStyle/>
+                    <a:p>
+                      <a:pPr algn="l" fontAlgn="ctr"/>
+                      <a:r>
+                        <a:rPr lang="hu-HU" sz="1600">
+                          <a:effectLst/>
+                        </a:rPr>
+                        <a:t>túlhaladt</a:t>
+                      </a:r>
+                    </a:p>
+                  </a:txBody>
+                  <a:tcPr marL="26372" marR="26372" marT="26372" marB="26372" anchor="ctr">
+                    <a:lnL w="7620" cap="flat" cmpd="sng" algn="ctr">
+                      <a:solidFill>
+                        <a:srgbClr val="000000"/>
+                      </a:solidFill>
+                      <a:prstDash val="solid"/>
+                      <a:round/>
+                      <a:headEnd type="none" w="med" len="med"/>
+                      <a:tailEnd type="none" w="med" len="med"/>
+                    </a:lnL>
+                    <a:lnR w="7620" cap="flat" cmpd="sng" algn="ctr">
+                      <a:solidFill>
+                        <a:srgbClr val="000000"/>
+                      </a:solidFill>
+                      <a:prstDash val="solid"/>
+                      <a:round/>
+                      <a:headEnd type="none" w="med" len="med"/>
+                      <a:tailEnd type="none" w="med" len="med"/>
+                    </a:lnR>
+                    <a:lnT w="7620" cap="flat" cmpd="sng" algn="ctr">
+                      <a:solidFill>
+                        <a:srgbClr val="000000"/>
+                      </a:solidFill>
+                      <a:prstDash val="solid"/>
+                      <a:round/>
+                      <a:headEnd type="none" w="med" len="med"/>
+                      <a:tailEnd type="none" w="med" len="med"/>
+                    </a:lnT>
+                    <a:lnB w="7620" cap="flat" cmpd="sng" algn="ctr">
+                      <a:solidFill>
+                        <a:srgbClr val="000000"/>
+                      </a:solidFill>
+                      <a:prstDash val="solid"/>
+                      <a:round/>
+                      <a:headEnd type="none" w="med" len="med"/>
+                      <a:tailEnd type="none" w="med" len="med"/>
+                    </a:lnB>
+                    <a:solidFill>
+                      <a:srgbClr val="FFFFFF"/>
+                    </a:solidFill>
+                  </a:tcPr>
+                </a:tc>
+                <a:tc>
+                  <a:txBody>
+                    <a:bodyPr/>
+                    <a:lstStyle/>
+                    <a:p>
+                      <a:pPr algn="l" fontAlgn="ctr"/>
+                      <a:r>
+                        <a:rPr lang="hu-HU" sz="1600" dirty="0" err="1">
+                          <a:effectLst/>
+                        </a:rPr>
+                        <a:t>talhatatt</a:t>
+                      </a:r>
+                      <a:endParaRPr lang="hu-HU" sz="1600" dirty="0">
+                        <a:effectLst/>
+                      </a:endParaRPr>
+                    </a:p>
+                  </a:txBody>
+                  <a:tcPr marL="26372" marR="26372" marT="26372" marB="26372" anchor="ctr">
+                    <a:lnL w="7620" cap="flat" cmpd="sng" algn="ctr">
+                      <a:solidFill>
+                        <a:srgbClr val="000000"/>
+                      </a:solidFill>
+                      <a:prstDash val="solid"/>
+                      <a:round/>
+                      <a:headEnd type="none" w="med" len="med"/>
+                      <a:tailEnd type="none" w="med" len="med"/>
+                    </a:lnL>
+                    <a:lnR w="7620" cap="flat" cmpd="sng" algn="ctr">
+                      <a:solidFill>
+                        <a:srgbClr val="000000"/>
+                      </a:solidFill>
+                      <a:prstDash val="solid"/>
+                      <a:round/>
+                      <a:headEnd type="none" w="med" len="med"/>
+                      <a:tailEnd type="none" w="med" len="med"/>
+                    </a:lnR>
+                    <a:lnT w="7620" cap="flat" cmpd="sng" algn="ctr">
+                      <a:solidFill>
+                        <a:srgbClr val="000000"/>
+                      </a:solidFill>
+                      <a:prstDash val="solid"/>
+                      <a:round/>
+                      <a:headEnd type="none" w="med" len="med"/>
+                      <a:tailEnd type="none" w="med" len="med"/>
+                    </a:lnT>
+                    <a:lnB w="7620" cap="flat" cmpd="sng" algn="ctr">
+                      <a:solidFill>
+                        <a:srgbClr val="000000"/>
+                      </a:solidFill>
+                      <a:prstDash val="solid"/>
+                      <a:round/>
+                      <a:headEnd type="none" w="med" len="med"/>
+                      <a:tailEnd type="none" w="med" len="med"/>
+                    </a:lnB>
+                    <a:solidFill>
+                      <a:srgbClr val="FFFFFF"/>
+                    </a:solidFill>
+                  </a:tcPr>
+                </a:tc>
+                <a:extLst>
+                  <a:ext uri="{0D108BD9-81ED-4DB2-BD59-A6C34878D82A}">
+                    <a16:rowId xmlns:a16="http://schemas.microsoft.com/office/drawing/2014/main" val="4015928765"/>
+                  </a:ext>
+                </a:extLst>
+              </a:tr>
+              <a:tr h="302398">
+                <a:tc>
+                  <a:txBody>
+                    <a:bodyPr/>
+                    <a:lstStyle/>
+                    <a:p>
+                      <a:pPr algn="l" fontAlgn="ctr"/>
+                      <a:r>
+                        <a:rPr lang="hu-HU" sz="1600">
+                          <a:effectLst/>
+                        </a:rPr>
+                        <a:t>túlhaladt</a:t>
+                      </a:r>
+                    </a:p>
+                  </a:txBody>
+                  <a:tcPr marL="26372" marR="26372" marT="26372" marB="26372" anchor="ctr">
+                    <a:lnL w="7620" cap="flat" cmpd="sng" algn="ctr">
+                      <a:solidFill>
+                        <a:srgbClr val="000000"/>
+                      </a:solidFill>
+                      <a:prstDash val="solid"/>
+                      <a:round/>
+                      <a:headEnd type="none" w="med" len="med"/>
+                      <a:tailEnd type="none" w="med" len="med"/>
+                    </a:lnL>
+                    <a:lnR w="7620" cap="flat" cmpd="sng" algn="ctr">
+                      <a:solidFill>
+                        <a:srgbClr val="000000"/>
+                      </a:solidFill>
+                      <a:prstDash val="solid"/>
+                      <a:round/>
+                      <a:headEnd type="none" w="med" len="med"/>
+                      <a:tailEnd type="none" w="med" len="med"/>
+                    </a:lnR>
+                    <a:lnT w="7620" cap="flat" cmpd="sng" algn="ctr">
+                      <a:solidFill>
+                        <a:srgbClr val="000000"/>
+                      </a:solidFill>
+                      <a:prstDash val="solid"/>
+                      <a:round/>
+                      <a:headEnd type="none" w="med" len="med"/>
+                      <a:tailEnd type="none" w="med" len="med"/>
+                    </a:lnT>
+                    <a:lnB w="7620" cap="flat" cmpd="sng" algn="ctr">
+                      <a:solidFill>
+                        <a:srgbClr val="000000"/>
+                      </a:solidFill>
+                      <a:prstDash val="solid"/>
+                      <a:round/>
+                      <a:headEnd type="none" w="med" len="med"/>
+                      <a:tailEnd type="none" w="med" len="med"/>
+                    </a:lnB>
+                    <a:solidFill>
+                      <a:srgbClr val="FFFFFF"/>
+                    </a:solidFill>
+                  </a:tcPr>
+                </a:tc>
+                <a:tc>
+                  <a:txBody>
+                    <a:bodyPr/>
+                    <a:lstStyle/>
+                    <a:p>
+                      <a:pPr algn="l" fontAlgn="ctr"/>
+                      <a:r>
+                        <a:rPr lang="hu-HU" sz="1600">
+                          <a:effectLst/>
+                        </a:rPr>
+                        <a:t>súlhaladó</a:t>
+                      </a:r>
+                    </a:p>
+                  </a:txBody>
+                  <a:tcPr marL="26372" marR="26372" marT="26372" marB="26372" anchor="ctr">
+                    <a:lnL w="7620" cap="flat" cmpd="sng" algn="ctr">
+                      <a:solidFill>
+                        <a:srgbClr val="000000"/>
+                      </a:solidFill>
+                      <a:prstDash val="solid"/>
+                      <a:round/>
+                      <a:headEnd type="none" w="med" len="med"/>
+                      <a:tailEnd type="none" w="med" len="med"/>
+                    </a:lnL>
+                    <a:lnR w="7620" cap="flat" cmpd="sng" algn="ctr">
+                      <a:solidFill>
+                        <a:srgbClr val="000000"/>
+                      </a:solidFill>
+                      <a:prstDash val="solid"/>
+                      <a:round/>
+                      <a:headEnd type="none" w="med" len="med"/>
+                      <a:tailEnd type="none" w="med" len="med"/>
+                    </a:lnR>
+                    <a:lnT w="7620" cap="flat" cmpd="sng" algn="ctr">
+                      <a:solidFill>
+                        <a:srgbClr val="000000"/>
+                      </a:solidFill>
+                      <a:prstDash val="solid"/>
+                      <a:round/>
+                      <a:headEnd type="none" w="med" len="med"/>
+                      <a:tailEnd type="none" w="med" len="med"/>
+                    </a:lnT>
+                    <a:lnB w="7620" cap="flat" cmpd="sng" algn="ctr">
+                      <a:solidFill>
+                        <a:srgbClr val="000000"/>
+                      </a:solidFill>
+                      <a:prstDash val="solid"/>
+                      <a:round/>
+                      <a:headEnd type="none" w="med" len="med"/>
+                      <a:tailEnd type="none" w="med" len="med"/>
+                    </a:lnB>
+                    <a:solidFill>
+                      <a:srgbClr val="FFFFFF"/>
+                    </a:solidFill>
+                  </a:tcPr>
+                </a:tc>
+                <a:extLst>
+                  <a:ext uri="{0D108BD9-81ED-4DB2-BD59-A6C34878D82A}">
+                    <a16:rowId xmlns:a16="http://schemas.microsoft.com/office/drawing/2014/main" val="276420760"/>
+                  </a:ext>
+                </a:extLst>
+              </a:tr>
+              <a:tr h="302398">
+                <a:tc>
+                  <a:txBody>
+                    <a:bodyPr/>
+                    <a:lstStyle/>
+                    <a:p>
+                      <a:pPr algn="l" fontAlgn="ctr"/>
+                      <a:r>
+                        <a:rPr lang="hu-HU" sz="1600" dirty="0">
+                          <a:effectLst/>
+                        </a:rPr>
+                        <a:t>újdonságának</a:t>
+                      </a:r>
+                    </a:p>
+                  </a:txBody>
+                  <a:tcPr marL="26372" marR="26372" marT="26372" marB="26372" anchor="ctr">
+                    <a:lnL w="7620" cap="flat" cmpd="sng" algn="ctr">
+                      <a:solidFill>
+                        <a:srgbClr val="000000"/>
+                      </a:solidFill>
+                      <a:prstDash val="solid"/>
+                      <a:round/>
+                      <a:headEnd type="none" w="med" len="med"/>
+                      <a:tailEnd type="none" w="med" len="med"/>
+                    </a:lnL>
+                    <a:lnR w="7620" cap="flat" cmpd="sng" algn="ctr">
+                      <a:solidFill>
+                        <a:srgbClr val="000000"/>
+                      </a:solidFill>
+                      <a:prstDash val="solid"/>
+                      <a:round/>
+                      <a:headEnd type="none" w="med" len="med"/>
+                      <a:tailEnd type="none" w="med" len="med"/>
+                    </a:lnR>
+                    <a:lnT w="7620" cap="flat" cmpd="sng" algn="ctr">
+                      <a:solidFill>
+                        <a:srgbClr val="000000"/>
+                      </a:solidFill>
+                      <a:prstDash val="solid"/>
+                      <a:round/>
+                      <a:headEnd type="none" w="med" len="med"/>
+                      <a:tailEnd type="none" w="med" len="med"/>
+                    </a:lnT>
+                    <a:lnB w="7620" cap="flat" cmpd="sng" algn="ctr">
+                      <a:solidFill>
+                        <a:srgbClr val="000000"/>
+                      </a:solidFill>
+                      <a:prstDash val="solid"/>
+                      <a:round/>
+                      <a:headEnd type="none" w="med" len="med"/>
+                      <a:tailEnd type="none" w="med" len="med"/>
+                    </a:lnB>
+                    <a:solidFill>
+                      <a:srgbClr val="FFFFFF"/>
+                    </a:solidFill>
+                  </a:tcPr>
+                </a:tc>
+                <a:tc>
+                  <a:txBody>
+                    <a:bodyPr/>
+                    <a:lstStyle/>
+                    <a:p>
+                      <a:pPr algn="l" fontAlgn="ctr"/>
+                      <a:r>
+                        <a:rPr lang="hu-HU" sz="1600">
+                          <a:effectLst/>
+                        </a:rPr>
+                        <a:t>úldontásában</a:t>
+                      </a:r>
+                    </a:p>
+                  </a:txBody>
+                  <a:tcPr marL="26372" marR="26372" marT="26372" marB="26372" anchor="ctr">
+                    <a:lnL w="7620" cap="flat" cmpd="sng" algn="ctr">
+                      <a:solidFill>
+                        <a:srgbClr val="000000"/>
+                      </a:solidFill>
+                      <a:prstDash val="solid"/>
+                      <a:round/>
+                      <a:headEnd type="none" w="med" len="med"/>
+                      <a:tailEnd type="none" w="med" len="med"/>
+                    </a:lnL>
+                    <a:lnR w="7620" cap="flat" cmpd="sng" algn="ctr">
+                      <a:solidFill>
+                        <a:srgbClr val="000000"/>
+                      </a:solidFill>
+                      <a:prstDash val="solid"/>
+                      <a:round/>
+                      <a:headEnd type="none" w="med" len="med"/>
+                      <a:tailEnd type="none" w="med" len="med"/>
+                    </a:lnR>
+                    <a:lnT w="7620" cap="flat" cmpd="sng" algn="ctr">
+                      <a:solidFill>
+                        <a:srgbClr val="000000"/>
+                      </a:solidFill>
+                      <a:prstDash val="solid"/>
+                      <a:round/>
+                      <a:headEnd type="none" w="med" len="med"/>
+                      <a:tailEnd type="none" w="med" len="med"/>
+                    </a:lnT>
+                    <a:lnB w="7620" cap="flat" cmpd="sng" algn="ctr">
+                      <a:solidFill>
+                        <a:srgbClr val="000000"/>
+                      </a:solidFill>
+                      <a:prstDash val="solid"/>
+                      <a:round/>
+                      <a:headEnd type="none" w="med" len="med"/>
+                      <a:tailEnd type="none" w="med" len="med"/>
+                    </a:lnB>
+                    <a:solidFill>
+                      <a:srgbClr val="FFFFFF"/>
+                    </a:solidFill>
+                  </a:tcPr>
+                </a:tc>
+                <a:extLst>
+                  <a:ext uri="{0D108BD9-81ED-4DB2-BD59-A6C34878D82A}">
+                    <a16:rowId xmlns:a16="http://schemas.microsoft.com/office/drawing/2014/main" val="3811328691"/>
+                  </a:ext>
+                </a:extLst>
+              </a:tr>
+              <a:tr h="302398">
+                <a:tc>
+                  <a:txBody>
+                    <a:bodyPr/>
+                    <a:lstStyle/>
+                    <a:p>
+                      <a:pPr algn="l" fontAlgn="ctr"/>
+                      <a:r>
+                        <a:rPr lang="hu-HU" sz="1600">
+                          <a:effectLst/>
+                        </a:rPr>
+                        <a:t>újdonságának</a:t>
+                      </a:r>
+                    </a:p>
+                  </a:txBody>
+                  <a:tcPr marL="26372" marR="26372" marT="26372" marB="26372" anchor="ctr">
+                    <a:lnL w="7620" cap="flat" cmpd="sng" algn="ctr">
+                      <a:solidFill>
+                        <a:srgbClr val="000000"/>
+                      </a:solidFill>
+                      <a:prstDash val="solid"/>
+                      <a:round/>
+                      <a:headEnd type="none" w="med" len="med"/>
+                      <a:tailEnd type="none" w="med" len="med"/>
+                    </a:lnL>
+                    <a:lnR w="7620" cap="flat" cmpd="sng" algn="ctr">
+                      <a:solidFill>
+                        <a:srgbClr val="000000"/>
+                      </a:solidFill>
+                      <a:prstDash val="solid"/>
+                      <a:round/>
+                      <a:headEnd type="none" w="med" len="med"/>
+                      <a:tailEnd type="none" w="med" len="med"/>
+                    </a:lnR>
+                    <a:lnT w="7620" cap="flat" cmpd="sng" algn="ctr">
+                      <a:solidFill>
+                        <a:srgbClr val="000000"/>
+                      </a:solidFill>
+                      <a:prstDash val="solid"/>
+                      <a:round/>
+                      <a:headEnd type="none" w="med" len="med"/>
+                      <a:tailEnd type="none" w="med" len="med"/>
+                    </a:lnT>
+                    <a:lnB w="7620" cap="flat" cmpd="sng" algn="ctr">
+                      <a:solidFill>
+                        <a:srgbClr val="000000"/>
+                      </a:solidFill>
+                      <a:prstDash val="solid"/>
+                      <a:round/>
+                      <a:headEnd type="none" w="med" len="med"/>
+                      <a:tailEnd type="none" w="med" len="med"/>
+                    </a:lnB>
+                    <a:solidFill>
+                      <a:srgbClr val="FFFFFF"/>
+                    </a:solidFill>
+                  </a:tcPr>
+                </a:tc>
+                <a:tc>
+                  <a:txBody>
+                    <a:bodyPr/>
+                    <a:lstStyle/>
+                    <a:p>
+                      <a:pPr algn="l" fontAlgn="ctr"/>
+                      <a:r>
+                        <a:rPr lang="hu-HU" sz="1600">
+                          <a:effectLst/>
+                        </a:rPr>
+                        <a:t>ajkosságának</a:t>
+                      </a:r>
+                    </a:p>
+                  </a:txBody>
+                  <a:tcPr marL="26372" marR="26372" marT="26372" marB="26372" anchor="ctr">
+                    <a:lnL w="7620" cap="flat" cmpd="sng" algn="ctr">
+                      <a:solidFill>
+                        <a:srgbClr val="000000"/>
+                      </a:solidFill>
+                      <a:prstDash val="solid"/>
+                      <a:round/>
+                      <a:headEnd type="none" w="med" len="med"/>
+                      <a:tailEnd type="none" w="med" len="med"/>
+                    </a:lnL>
+                    <a:lnR w="7620" cap="flat" cmpd="sng" algn="ctr">
+                      <a:solidFill>
+                        <a:srgbClr val="000000"/>
+                      </a:solidFill>
+                      <a:prstDash val="solid"/>
+                      <a:round/>
+                      <a:headEnd type="none" w="med" len="med"/>
+                      <a:tailEnd type="none" w="med" len="med"/>
+                    </a:lnR>
+                    <a:lnT w="7620" cap="flat" cmpd="sng" algn="ctr">
+                      <a:solidFill>
+                        <a:srgbClr val="000000"/>
+                      </a:solidFill>
+                      <a:prstDash val="solid"/>
+                      <a:round/>
+                      <a:headEnd type="none" w="med" len="med"/>
+                      <a:tailEnd type="none" w="med" len="med"/>
+                    </a:lnT>
+                    <a:lnB w="7620" cap="flat" cmpd="sng" algn="ctr">
+                      <a:solidFill>
+                        <a:srgbClr val="000000"/>
+                      </a:solidFill>
+                      <a:prstDash val="solid"/>
+                      <a:round/>
+                      <a:headEnd type="none" w="med" len="med"/>
+                      <a:tailEnd type="none" w="med" len="med"/>
+                    </a:lnB>
+                    <a:solidFill>
+                      <a:srgbClr val="FFFFFF"/>
+                    </a:solidFill>
+                  </a:tcPr>
+                </a:tc>
+                <a:extLst>
+                  <a:ext uri="{0D108BD9-81ED-4DB2-BD59-A6C34878D82A}">
+                    <a16:rowId xmlns:a16="http://schemas.microsoft.com/office/drawing/2014/main" val="814303654"/>
+                  </a:ext>
+                </a:extLst>
+              </a:tr>
+              <a:tr h="302398">
+                <a:tc>
+                  <a:txBody>
+                    <a:bodyPr/>
+                    <a:lstStyle/>
+                    <a:p>
+                      <a:pPr algn="l" fontAlgn="ctr"/>
+                      <a:r>
+                        <a:rPr lang="hu-HU" sz="1600">
+                          <a:effectLst/>
+                        </a:rPr>
+                        <a:t>akkus</a:t>
+                      </a:r>
+                    </a:p>
+                  </a:txBody>
+                  <a:tcPr marL="26372" marR="26372" marT="26372" marB="26372" anchor="ctr">
+                    <a:lnL w="7620" cap="flat" cmpd="sng" algn="ctr">
+                      <a:solidFill>
+                        <a:srgbClr val="000000"/>
+                      </a:solidFill>
+                      <a:prstDash val="solid"/>
+                      <a:round/>
+                      <a:headEnd type="none" w="med" len="med"/>
+                      <a:tailEnd type="none" w="med" len="med"/>
+                    </a:lnL>
+                    <a:lnR w="7620" cap="flat" cmpd="sng" algn="ctr">
+                      <a:solidFill>
+                        <a:srgbClr val="000000"/>
+                      </a:solidFill>
+                      <a:prstDash val="solid"/>
+                      <a:round/>
+                      <a:headEnd type="none" w="med" len="med"/>
+                      <a:tailEnd type="none" w="med" len="med"/>
+                    </a:lnR>
+                    <a:lnT w="7620" cap="flat" cmpd="sng" algn="ctr">
+                      <a:solidFill>
+                        <a:srgbClr val="000000"/>
+                      </a:solidFill>
+                      <a:prstDash val="solid"/>
+                      <a:round/>
+                      <a:headEnd type="none" w="med" len="med"/>
+                      <a:tailEnd type="none" w="med" len="med"/>
+                    </a:lnT>
+                    <a:lnB w="7620" cap="flat" cmpd="sng" algn="ctr">
+                      <a:solidFill>
+                        <a:srgbClr val="000000"/>
+                      </a:solidFill>
+                      <a:prstDash val="solid"/>
+                      <a:round/>
+                      <a:headEnd type="none" w="med" len="med"/>
+                      <a:tailEnd type="none" w="med" len="med"/>
+                    </a:lnB>
+                    <a:solidFill>
+                      <a:srgbClr val="FFFFFF"/>
+                    </a:solidFill>
+                  </a:tcPr>
+                </a:tc>
+                <a:tc>
+                  <a:txBody>
+                    <a:bodyPr/>
+                    <a:lstStyle/>
+                    <a:p>
+                      <a:pPr algn="l" fontAlgn="ctr"/>
+                      <a:r>
+                        <a:rPr lang="hu-HU" sz="1600">
+                          <a:effectLst/>
+                        </a:rPr>
+                        <a:t>aikos</a:t>
+                      </a:r>
+                    </a:p>
+                  </a:txBody>
+                  <a:tcPr marL="26372" marR="26372" marT="26372" marB="26372" anchor="ctr">
+                    <a:lnL w="7620" cap="flat" cmpd="sng" algn="ctr">
+                      <a:solidFill>
+                        <a:srgbClr val="000000"/>
+                      </a:solidFill>
+                      <a:prstDash val="solid"/>
+                      <a:round/>
+                      <a:headEnd type="none" w="med" len="med"/>
+                      <a:tailEnd type="none" w="med" len="med"/>
+                    </a:lnL>
+                    <a:lnR w="7620" cap="flat" cmpd="sng" algn="ctr">
+                      <a:solidFill>
+                        <a:srgbClr val="000000"/>
+                      </a:solidFill>
+                      <a:prstDash val="solid"/>
+                      <a:round/>
+                      <a:headEnd type="none" w="med" len="med"/>
+                      <a:tailEnd type="none" w="med" len="med"/>
+                    </a:lnR>
+                    <a:lnT w="7620" cap="flat" cmpd="sng" algn="ctr">
+                      <a:solidFill>
+                        <a:srgbClr val="000000"/>
+                      </a:solidFill>
+                      <a:prstDash val="solid"/>
+                      <a:round/>
+                      <a:headEnd type="none" w="med" len="med"/>
+                      <a:tailEnd type="none" w="med" len="med"/>
+                    </a:lnT>
+                    <a:lnB w="7620" cap="flat" cmpd="sng" algn="ctr">
+                      <a:solidFill>
+                        <a:srgbClr val="000000"/>
+                      </a:solidFill>
+                      <a:prstDash val="solid"/>
+                      <a:round/>
+                      <a:headEnd type="none" w="med" len="med"/>
+                      <a:tailEnd type="none" w="med" len="med"/>
+                    </a:lnB>
+                    <a:solidFill>
+                      <a:srgbClr val="FFFFFF"/>
+                    </a:solidFill>
+                  </a:tcPr>
+                </a:tc>
+                <a:extLst>
+                  <a:ext uri="{0D108BD9-81ED-4DB2-BD59-A6C34878D82A}">
+                    <a16:rowId xmlns:a16="http://schemas.microsoft.com/office/drawing/2014/main" val="3192890661"/>
+                  </a:ext>
+                </a:extLst>
+              </a:tr>
+              <a:tr h="302398">
+                <a:tc>
+                  <a:txBody>
+                    <a:bodyPr/>
+                    <a:lstStyle/>
+                    <a:p>
+                      <a:pPr algn="l" fontAlgn="ctr"/>
+                      <a:r>
+                        <a:rPr lang="hu-HU" sz="1600" dirty="0">
+                          <a:effectLst/>
+                        </a:rPr>
+                        <a:t>akkus</a:t>
+                      </a:r>
+                    </a:p>
+                  </a:txBody>
+                  <a:tcPr marL="26372" marR="26372" marT="26372" marB="26372" anchor="ctr">
+                    <a:lnL w="7620" cap="flat" cmpd="sng" algn="ctr">
+                      <a:solidFill>
+                        <a:srgbClr val="000000"/>
+                      </a:solidFill>
+                      <a:prstDash val="solid"/>
+                      <a:round/>
+                      <a:headEnd type="none" w="med" len="med"/>
+                      <a:tailEnd type="none" w="med" len="med"/>
+                    </a:lnL>
+                    <a:lnR w="7620" cap="flat" cmpd="sng" algn="ctr">
+                      <a:solidFill>
+                        <a:srgbClr val="000000"/>
+                      </a:solidFill>
+                      <a:prstDash val="solid"/>
+                      <a:round/>
+                      <a:headEnd type="none" w="med" len="med"/>
+                      <a:tailEnd type="none" w="med" len="med"/>
+                    </a:lnR>
+                    <a:lnT w="7620" cap="flat" cmpd="sng" algn="ctr">
+                      <a:solidFill>
+                        <a:srgbClr val="000000"/>
+                      </a:solidFill>
+                      <a:prstDash val="solid"/>
+                      <a:round/>
+                      <a:headEnd type="none" w="med" len="med"/>
+                      <a:tailEnd type="none" w="med" len="med"/>
+                    </a:lnT>
+                    <a:lnB w="7620" cap="flat" cmpd="sng" algn="ctr">
+                      <a:solidFill>
+                        <a:srgbClr val="000000"/>
+                      </a:solidFill>
+                      <a:prstDash val="solid"/>
+                      <a:round/>
+                      <a:headEnd type="none" w="med" len="med"/>
+                      <a:tailEnd type="none" w="med" len="med"/>
+                    </a:lnB>
+                    <a:solidFill>
+                      <a:srgbClr val="FFFFFF"/>
+                    </a:solidFill>
+                  </a:tcPr>
+                </a:tc>
+                <a:tc>
+                  <a:txBody>
+                    <a:bodyPr/>
+                    <a:lstStyle/>
+                    <a:p>
+                      <a:pPr algn="l" fontAlgn="ctr"/>
+                      <a:r>
+                        <a:rPr lang="hu-HU" sz="1600">
+                          <a:effectLst/>
+                        </a:rPr>
+                        <a:t>okjuk</a:t>
+                      </a:r>
+                    </a:p>
+                  </a:txBody>
+                  <a:tcPr marL="26372" marR="26372" marT="26372" marB="26372" anchor="ctr">
+                    <a:lnL w="7620" cap="flat" cmpd="sng" algn="ctr">
+                      <a:solidFill>
+                        <a:srgbClr val="000000"/>
+                      </a:solidFill>
+                      <a:prstDash val="solid"/>
+                      <a:round/>
+                      <a:headEnd type="none" w="med" len="med"/>
+                      <a:tailEnd type="none" w="med" len="med"/>
+                    </a:lnL>
+                    <a:lnR w="7620" cap="flat" cmpd="sng" algn="ctr">
+                      <a:solidFill>
+                        <a:srgbClr val="000000"/>
+                      </a:solidFill>
+                      <a:prstDash val="solid"/>
+                      <a:round/>
+                      <a:headEnd type="none" w="med" len="med"/>
+                      <a:tailEnd type="none" w="med" len="med"/>
+                    </a:lnR>
+                    <a:lnT w="7620" cap="flat" cmpd="sng" algn="ctr">
+                      <a:solidFill>
+                        <a:srgbClr val="000000"/>
+                      </a:solidFill>
+                      <a:prstDash val="solid"/>
+                      <a:round/>
+                      <a:headEnd type="none" w="med" len="med"/>
+                      <a:tailEnd type="none" w="med" len="med"/>
+                    </a:lnT>
+                    <a:lnB w="7620" cap="flat" cmpd="sng" algn="ctr">
+                      <a:solidFill>
+                        <a:srgbClr val="000000"/>
+                      </a:solidFill>
+                      <a:prstDash val="solid"/>
+                      <a:round/>
+                      <a:headEnd type="none" w="med" len="med"/>
+                      <a:tailEnd type="none" w="med" len="med"/>
+                    </a:lnB>
+                    <a:solidFill>
+                      <a:srgbClr val="FFFFFF"/>
+                    </a:solidFill>
+                  </a:tcPr>
+                </a:tc>
+                <a:extLst>
+                  <a:ext uri="{0D108BD9-81ED-4DB2-BD59-A6C34878D82A}">
+                    <a16:rowId xmlns:a16="http://schemas.microsoft.com/office/drawing/2014/main" val="201773531"/>
+                  </a:ext>
+                </a:extLst>
+              </a:tr>
+              <a:tr h="302398">
+                <a:tc>
+                  <a:txBody>
+                    <a:bodyPr/>
+                    <a:lstStyle/>
+                    <a:p>
+                      <a:pPr algn="l" fontAlgn="ctr"/>
+                      <a:r>
+                        <a:rPr lang="hu-HU" sz="1600">
+                          <a:effectLst/>
+                        </a:rPr>
+                        <a:t>tokozásban</a:t>
+                      </a:r>
+                    </a:p>
+                  </a:txBody>
+                  <a:tcPr marL="26372" marR="26372" marT="26372" marB="26372" anchor="ctr">
+                    <a:lnL w="7620" cap="flat" cmpd="sng" algn="ctr">
+                      <a:solidFill>
+                        <a:srgbClr val="000000"/>
+                      </a:solidFill>
+                      <a:prstDash val="solid"/>
+                      <a:round/>
+                      <a:headEnd type="none" w="med" len="med"/>
+                      <a:tailEnd type="none" w="med" len="med"/>
+                    </a:lnL>
+                    <a:lnR w="7620" cap="flat" cmpd="sng" algn="ctr">
+                      <a:solidFill>
+                        <a:srgbClr val="000000"/>
+                      </a:solidFill>
+                      <a:prstDash val="solid"/>
+                      <a:round/>
+                      <a:headEnd type="none" w="med" len="med"/>
+                      <a:tailEnd type="none" w="med" len="med"/>
+                    </a:lnR>
+                    <a:lnT w="7620" cap="flat" cmpd="sng" algn="ctr">
+                      <a:solidFill>
+                        <a:srgbClr val="000000"/>
+                      </a:solidFill>
+                      <a:prstDash val="solid"/>
+                      <a:round/>
+                      <a:headEnd type="none" w="med" len="med"/>
+                      <a:tailEnd type="none" w="med" len="med"/>
+                    </a:lnT>
+                    <a:lnB w="7620" cap="flat" cmpd="sng" algn="ctr">
+                      <a:solidFill>
+                        <a:srgbClr val="000000"/>
+                      </a:solidFill>
+                      <a:prstDash val="solid"/>
+                      <a:round/>
+                      <a:headEnd type="none" w="med" len="med"/>
+                      <a:tailEnd type="none" w="med" len="med"/>
+                    </a:lnB>
+                    <a:solidFill>
+                      <a:srgbClr val="FFFFFF"/>
+                    </a:solidFill>
+                  </a:tcPr>
+                </a:tc>
+                <a:tc>
+                  <a:txBody>
+                    <a:bodyPr/>
+                    <a:lstStyle/>
+                    <a:p>
+                      <a:pPr algn="l" fontAlgn="ctr"/>
+                      <a:r>
+                        <a:rPr lang="hu-HU" sz="1600">
+                          <a:effectLst/>
+                        </a:rPr>
+                        <a:t>takozással</a:t>
+                      </a:r>
+                    </a:p>
+                  </a:txBody>
+                  <a:tcPr marL="26372" marR="26372" marT="26372" marB="26372" anchor="ctr">
+                    <a:lnL w="7620" cap="flat" cmpd="sng" algn="ctr">
+                      <a:solidFill>
+                        <a:srgbClr val="000000"/>
+                      </a:solidFill>
+                      <a:prstDash val="solid"/>
+                      <a:round/>
+                      <a:headEnd type="none" w="med" len="med"/>
+                      <a:tailEnd type="none" w="med" len="med"/>
+                    </a:lnL>
+                    <a:lnR w="7620" cap="flat" cmpd="sng" algn="ctr">
+                      <a:solidFill>
+                        <a:srgbClr val="000000"/>
+                      </a:solidFill>
+                      <a:prstDash val="solid"/>
+                      <a:round/>
+                      <a:headEnd type="none" w="med" len="med"/>
+                      <a:tailEnd type="none" w="med" len="med"/>
+                    </a:lnR>
+                    <a:lnT w="7620" cap="flat" cmpd="sng" algn="ctr">
+                      <a:solidFill>
+                        <a:srgbClr val="000000"/>
+                      </a:solidFill>
+                      <a:prstDash val="solid"/>
+                      <a:round/>
+                      <a:headEnd type="none" w="med" len="med"/>
+                      <a:tailEnd type="none" w="med" len="med"/>
+                    </a:lnT>
+                    <a:lnB w="7620" cap="flat" cmpd="sng" algn="ctr">
+                      <a:solidFill>
+                        <a:srgbClr val="000000"/>
+                      </a:solidFill>
+                      <a:prstDash val="solid"/>
+                      <a:round/>
+                      <a:headEnd type="none" w="med" len="med"/>
+                      <a:tailEnd type="none" w="med" len="med"/>
+                    </a:lnB>
+                    <a:solidFill>
+                      <a:srgbClr val="FFFFFF"/>
+                    </a:solidFill>
+                  </a:tcPr>
+                </a:tc>
+                <a:extLst>
+                  <a:ext uri="{0D108BD9-81ED-4DB2-BD59-A6C34878D82A}">
+                    <a16:rowId xmlns:a16="http://schemas.microsoft.com/office/drawing/2014/main" val="4057899406"/>
+                  </a:ext>
+                </a:extLst>
+              </a:tr>
+              <a:tr h="302398">
+                <a:tc>
+                  <a:txBody>
+                    <a:bodyPr/>
+                    <a:lstStyle/>
+                    <a:p>
+                      <a:pPr algn="l" fontAlgn="ctr"/>
+                      <a:r>
+                        <a:rPr lang="hu-HU" sz="1600">
+                          <a:effectLst/>
+                        </a:rPr>
+                        <a:t>tokozásban</a:t>
+                      </a:r>
+                    </a:p>
+                  </a:txBody>
+                  <a:tcPr marL="26372" marR="26372" marT="26372" marB="26372" anchor="ctr">
+                    <a:lnL w="7620" cap="flat" cmpd="sng" algn="ctr">
+                      <a:solidFill>
+                        <a:srgbClr val="000000"/>
+                      </a:solidFill>
+                      <a:prstDash val="solid"/>
+                      <a:round/>
+                      <a:headEnd type="none" w="med" len="med"/>
+                      <a:tailEnd type="none" w="med" len="med"/>
+                    </a:lnL>
+                    <a:lnR w="7620" cap="flat" cmpd="sng" algn="ctr">
+                      <a:solidFill>
+                        <a:srgbClr val="000000"/>
+                      </a:solidFill>
+                      <a:prstDash val="solid"/>
+                      <a:round/>
+                      <a:headEnd type="none" w="med" len="med"/>
+                      <a:tailEnd type="none" w="med" len="med"/>
+                    </a:lnR>
+                    <a:lnT w="7620" cap="flat" cmpd="sng" algn="ctr">
+                      <a:solidFill>
+                        <a:srgbClr val="000000"/>
+                      </a:solidFill>
+                      <a:prstDash val="solid"/>
+                      <a:round/>
+                      <a:headEnd type="none" w="med" len="med"/>
+                      <a:tailEnd type="none" w="med" len="med"/>
+                    </a:lnT>
+                    <a:lnB w="7620" cap="flat" cmpd="sng" algn="ctr">
+                      <a:solidFill>
+                        <a:srgbClr val="000000"/>
+                      </a:solidFill>
+                      <a:prstDash val="solid"/>
+                      <a:round/>
+                      <a:headEnd type="none" w="med" len="med"/>
+                      <a:tailEnd type="none" w="med" len="med"/>
+                    </a:lnB>
+                    <a:solidFill>
+                      <a:srgbClr val="FFFFFF"/>
+                    </a:solidFill>
+                  </a:tcPr>
+                </a:tc>
+                <a:tc>
+                  <a:txBody>
+                    <a:bodyPr/>
+                    <a:lstStyle/>
+                    <a:p>
+                      <a:pPr algn="l" fontAlgn="ctr"/>
+                      <a:r>
+                        <a:rPr lang="hu-HU" sz="1600">
+                          <a:effectLst/>
+                        </a:rPr>
+                        <a:t>korolásban</a:t>
+                      </a:r>
+                    </a:p>
+                  </a:txBody>
+                  <a:tcPr marL="26372" marR="26372" marT="26372" marB="26372" anchor="ctr">
+                    <a:lnL w="7620" cap="flat" cmpd="sng" algn="ctr">
+                      <a:solidFill>
+                        <a:srgbClr val="000000"/>
+                      </a:solidFill>
+                      <a:prstDash val="solid"/>
+                      <a:round/>
+                      <a:headEnd type="none" w="med" len="med"/>
+                      <a:tailEnd type="none" w="med" len="med"/>
+                    </a:lnL>
+                    <a:lnR w="7620" cap="flat" cmpd="sng" algn="ctr">
+                      <a:solidFill>
+                        <a:srgbClr val="000000"/>
+                      </a:solidFill>
+                      <a:prstDash val="solid"/>
+                      <a:round/>
+                      <a:headEnd type="none" w="med" len="med"/>
+                      <a:tailEnd type="none" w="med" len="med"/>
+                    </a:lnR>
+                    <a:lnT w="7620" cap="flat" cmpd="sng" algn="ctr">
+                      <a:solidFill>
+                        <a:srgbClr val="000000"/>
+                      </a:solidFill>
+                      <a:prstDash val="solid"/>
+                      <a:round/>
+                      <a:headEnd type="none" w="med" len="med"/>
+                      <a:tailEnd type="none" w="med" len="med"/>
+                    </a:lnT>
+                    <a:lnB w="7620" cap="flat" cmpd="sng" algn="ctr">
+                      <a:solidFill>
+                        <a:srgbClr val="000000"/>
+                      </a:solidFill>
+                      <a:prstDash val="solid"/>
+                      <a:round/>
+                      <a:headEnd type="none" w="med" len="med"/>
+                      <a:tailEnd type="none" w="med" len="med"/>
+                    </a:lnB>
+                    <a:solidFill>
+                      <a:srgbClr val="FFFFFF"/>
+                    </a:solidFill>
+                  </a:tcPr>
+                </a:tc>
+                <a:extLst>
+                  <a:ext uri="{0D108BD9-81ED-4DB2-BD59-A6C34878D82A}">
+                    <a16:rowId xmlns:a16="http://schemas.microsoft.com/office/drawing/2014/main" val="1444938329"/>
+                  </a:ext>
+                </a:extLst>
+              </a:tr>
+              <a:tr h="302398">
+                <a:tc>
+                  <a:txBody>
+                    <a:bodyPr/>
+                    <a:lstStyle/>
+                    <a:p>
+                      <a:pPr algn="l" fontAlgn="ctr"/>
+                      <a:r>
+                        <a:rPr lang="hu-HU" sz="1600">
+                          <a:effectLst/>
+                        </a:rPr>
+                        <a:t>kezdhettem</a:t>
+                      </a:r>
+                    </a:p>
+                  </a:txBody>
+                  <a:tcPr marL="26372" marR="26372" marT="26372" marB="26372" anchor="ctr">
+                    <a:lnL w="7620" cap="flat" cmpd="sng" algn="ctr">
+                      <a:solidFill>
+                        <a:srgbClr val="000000"/>
+                      </a:solidFill>
+                      <a:prstDash val="solid"/>
+                      <a:round/>
+                      <a:headEnd type="none" w="med" len="med"/>
+                      <a:tailEnd type="none" w="med" len="med"/>
+                    </a:lnL>
+                    <a:lnR w="7620" cap="flat" cmpd="sng" algn="ctr">
+                      <a:solidFill>
+                        <a:srgbClr val="000000"/>
+                      </a:solidFill>
+                      <a:prstDash val="solid"/>
+                      <a:round/>
+                      <a:headEnd type="none" w="med" len="med"/>
+                      <a:tailEnd type="none" w="med" len="med"/>
+                    </a:lnR>
+                    <a:lnT w="7620" cap="flat" cmpd="sng" algn="ctr">
+                      <a:solidFill>
+                        <a:srgbClr val="000000"/>
+                      </a:solidFill>
+                      <a:prstDash val="solid"/>
+                      <a:round/>
+                      <a:headEnd type="none" w="med" len="med"/>
+                      <a:tailEnd type="none" w="med" len="med"/>
+                    </a:lnT>
+                    <a:lnB w="7620" cap="flat" cmpd="sng" algn="ctr">
+                      <a:solidFill>
+                        <a:srgbClr val="000000"/>
+                      </a:solidFill>
+                      <a:prstDash val="solid"/>
+                      <a:round/>
+                      <a:headEnd type="none" w="med" len="med"/>
+                      <a:tailEnd type="none" w="med" len="med"/>
+                    </a:lnB>
+                    <a:solidFill>
+                      <a:srgbClr val="FFFFFF"/>
+                    </a:solidFill>
+                  </a:tcPr>
+                </a:tc>
+                <a:tc>
+                  <a:txBody>
+                    <a:bodyPr/>
+                    <a:lstStyle/>
+                    <a:p>
+                      <a:pPr algn="l" fontAlgn="ctr"/>
+                      <a:r>
+                        <a:rPr lang="hu-HU" sz="1600" dirty="0" err="1">
+                          <a:effectLst/>
+                        </a:rPr>
+                        <a:t>kszehettek</a:t>
+                      </a:r>
+                      <a:endParaRPr lang="hu-HU" sz="1600" dirty="0">
+                        <a:effectLst/>
+                      </a:endParaRPr>
+                    </a:p>
+                  </a:txBody>
+                  <a:tcPr marL="26372" marR="26372" marT="26372" marB="26372" anchor="ctr">
+                    <a:lnL w="7620" cap="flat" cmpd="sng" algn="ctr">
+                      <a:solidFill>
+                        <a:srgbClr val="000000"/>
+                      </a:solidFill>
+                      <a:prstDash val="solid"/>
+                      <a:round/>
+                      <a:headEnd type="none" w="med" len="med"/>
+                      <a:tailEnd type="none" w="med" len="med"/>
+                    </a:lnL>
+                    <a:lnR w="7620" cap="flat" cmpd="sng" algn="ctr">
+                      <a:solidFill>
+                        <a:srgbClr val="000000"/>
+                      </a:solidFill>
+                      <a:prstDash val="solid"/>
+                      <a:round/>
+                      <a:headEnd type="none" w="med" len="med"/>
+                      <a:tailEnd type="none" w="med" len="med"/>
+                    </a:lnR>
+                    <a:lnT w="7620" cap="flat" cmpd="sng" algn="ctr">
+                      <a:solidFill>
+                        <a:srgbClr val="000000"/>
+                      </a:solidFill>
+                      <a:prstDash val="solid"/>
+                      <a:round/>
+                      <a:headEnd type="none" w="med" len="med"/>
+                      <a:tailEnd type="none" w="med" len="med"/>
+                    </a:lnT>
+                    <a:lnB w="7620" cap="flat" cmpd="sng" algn="ctr">
+                      <a:solidFill>
+                        <a:srgbClr val="000000"/>
+                      </a:solidFill>
+                      <a:prstDash val="solid"/>
+                      <a:round/>
+                      <a:headEnd type="none" w="med" len="med"/>
+                      <a:tailEnd type="none" w="med" len="med"/>
+                    </a:lnB>
+                    <a:solidFill>
+                      <a:srgbClr val="FFFFFF"/>
+                    </a:solidFill>
+                  </a:tcPr>
+                </a:tc>
+                <a:extLst>
+                  <a:ext uri="{0D108BD9-81ED-4DB2-BD59-A6C34878D82A}">
+                    <a16:rowId xmlns:a16="http://schemas.microsoft.com/office/drawing/2014/main" val="57960545"/>
+                  </a:ext>
+                </a:extLst>
+              </a:tr>
+              <a:tr h="302398">
+                <a:tc>
+                  <a:txBody>
+                    <a:bodyPr/>
+                    <a:lstStyle/>
+                    <a:p>
+                      <a:pPr algn="l" fontAlgn="ctr"/>
+                      <a:r>
+                        <a:rPr lang="hu-HU" sz="1600">
+                          <a:effectLst/>
+                        </a:rPr>
+                        <a:t>kezdhettem</a:t>
+                      </a:r>
+                    </a:p>
+                  </a:txBody>
+                  <a:tcPr marL="26372" marR="26372" marT="26372" marB="26372" anchor="ctr">
+                    <a:lnL w="7620" cap="flat" cmpd="sng" algn="ctr">
+                      <a:solidFill>
+                        <a:srgbClr val="000000"/>
+                      </a:solidFill>
+                      <a:prstDash val="solid"/>
+                      <a:round/>
+                      <a:headEnd type="none" w="med" len="med"/>
+                      <a:tailEnd type="none" w="med" len="med"/>
+                    </a:lnL>
+                    <a:lnR w="7620" cap="flat" cmpd="sng" algn="ctr">
+                      <a:solidFill>
+                        <a:srgbClr val="000000"/>
+                      </a:solidFill>
+                      <a:prstDash val="solid"/>
+                      <a:round/>
+                      <a:headEnd type="none" w="med" len="med"/>
+                      <a:tailEnd type="none" w="med" len="med"/>
+                    </a:lnR>
+                    <a:lnT w="7620" cap="flat" cmpd="sng" algn="ctr">
+                      <a:solidFill>
+                        <a:srgbClr val="000000"/>
+                      </a:solidFill>
+                      <a:prstDash val="solid"/>
+                      <a:round/>
+                      <a:headEnd type="none" w="med" len="med"/>
+                      <a:tailEnd type="none" w="med" len="med"/>
+                    </a:lnT>
+                    <a:lnB w="7620" cap="flat" cmpd="sng" algn="ctr">
+                      <a:solidFill>
+                        <a:srgbClr val="000000"/>
+                      </a:solidFill>
+                      <a:prstDash val="solid"/>
+                      <a:round/>
+                      <a:headEnd type="none" w="med" len="med"/>
+                      <a:tailEnd type="none" w="med" len="med"/>
+                    </a:lnB>
+                    <a:solidFill>
+                      <a:srgbClr val="FFFFFF"/>
+                    </a:solidFill>
+                  </a:tcPr>
+                </a:tc>
+                <a:tc>
+                  <a:txBody>
+                    <a:bodyPr/>
+                    <a:lstStyle/>
+                    <a:p>
+                      <a:pPr algn="l" fontAlgn="ctr"/>
+                      <a:r>
+                        <a:rPr lang="hu-HU" sz="1600" dirty="0" err="1">
+                          <a:effectLst/>
+                        </a:rPr>
+                        <a:t>mendtettem</a:t>
+                      </a:r>
+                      <a:endParaRPr lang="hu-HU" sz="1600" dirty="0">
+                        <a:effectLst/>
+                      </a:endParaRPr>
+                    </a:p>
+                  </a:txBody>
+                  <a:tcPr marL="26372" marR="26372" marT="26372" marB="26372" anchor="ctr">
+                    <a:lnL w="7620" cap="flat" cmpd="sng" algn="ctr">
+                      <a:solidFill>
+                        <a:srgbClr val="000000"/>
+                      </a:solidFill>
+                      <a:prstDash val="solid"/>
+                      <a:round/>
+                      <a:headEnd type="none" w="med" len="med"/>
+                      <a:tailEnd type="none" w="med" len="med"/>
+                    </a:lnL>
+                    <a:lnR w="7620" cap="flat" cmpd="sng" algn="ctr">
+                      <a:solidFill>
+                        <a:srgbClr val="000000"/>
+                      </a:solidFill>
+                      <a:prstDash val="solid"/>
+                      <a:round/>
+                      <a:headEnd type="none" w="med" len="med"/>
+                      <a:tailEnd type="none" w="med" len="med"/>
+                    </a:lnR>
+                    <a:lnT w="7620" cap="flat" cmpd="sng" algn="ctr">
+                      <a:solidFill>
+                        <a:srgbClr val="000000"/>
+                      </a:solidFill>
+                      <a:prstDash val="solid"/>
+                      <a:round/>
+                      <a:headEnd type="none" w="med" len="med"/>
+                      <a:tailEnd type="none" w="med" len="med"/>
+                    </a:lnT>
+                    <a:lnB w="7620" cap="flat" cmpd="sng" algn="ctr">
+                      <a:solidFill>
+                        <a:srgbClr val="000000"/>
+                      </a:solidFill>
+                      <a:prstDash val="solid"/>
+                      <a:round/>
+                      <a:headEnd type="none" w="med" len="med"/>
+                      <a:tailEnd type="none" w="med" len="med"/>
+                    </a:lnB>
+                    <a:solidFill>
+                      <a:srgbClr val="FFFFFF"/>
+                    </a:solidFill>
+                  </a:tcPr>
+                </a:tc>
+                <a:extLst>
+                  <a:ext uri="{0D108BD9-81ED-4DB2-BD59-A6C34878D82A}">
+                    <a16:rowId xmlns:a16="http://schemas.microsoft.com/office/drawing/2014/main" val="2785987847"/>
+                  </a:ext>
+                </a:extLst>
+              </a:tr>
+              <a:tr h="302398">
+                <a:tc>
+                  <a:txBody>
+                    <a:bodyPr/>
+                    <a:lstStyle/>
+                    <a:p>
+                      <a:pPr algn="l" fontAlgn="ctr"/>
+                      <a:r>
+                        <a:rPr lang="hu-HU" sz="1600">
+                          <a:effectLst/>
+                        </a:rPr>
+                        <a:t>vásárnak</a:t>
+                      </a:r>
+                    </a:p>
+                  </a:txBody>
+                  <a:tcPr marL="26372" marR="26372" marT="26372" marB="26372" anchor="ctr">
+                    <a:lnL w="7620" cap="flat" cmpd="sng" algn="ctr">
+                      <a:solidFill>
+                        <a:srgbClr val="000000"/>
+                      </a:solidFill>
+                      <a:prstDash val="solid"/>
+                      <a:round/>
+                      <a:headEnd type="none" w="med" len="med"/>
+                      <a:tailEnd type="none" w="med" len="med"/>
+                    </a:lnL>
+                    <a:lnR w="7620" cap="flat" cmpd="sng" algn="ctr">
+                      <a:solidFill>
+                        <a:srgbClr val="000000"/>
+                      </a:solidFill>
+                      <a:prstDash val="solid"/>
+                      <a:round/>
+                      <a:headEnd type="none" w="med" len="med"/>
+                      <a:tailEnd type="none" w="med" len="med"/>
+                    </a:lnR>
+                    <a:lnT w="7620" cap="flat" cmpd="sng" algn="ctr">
+                      <a:solidFill>
+                        <a:srgbClr val="000000"/>
+                      </a:solidFill>
+                      <a:prstDash val="solid"/>
+                      <a:round/>
+                      <a:headEnd type="none" w="med" len="med"/>
+                      <a:tailEnd type="none" w="med" len="med"/>
+                    </a:lnT>
+                    <a:lnB w="7620" cap="flat" cmpd="sng" algn="ctr">
+                      <a:solidFill>
+                        <a:srgbClr val="000000"/>
+                      </a:solidFill>
+                      <a:prstDash val="solid"/>
+                      <a:round/>
+                      <a:headEnd type="none" w="med" len="med"/>
+                      <a:tailEnd type="none" w="med" len="med"/>
+                    </a:lnB>
+                    <a:solidFill>
+                      <a:srgbClr val="FFFFFF"/>
+                    </a:solidFill>
+                  </a:tcPr>
+                </a:tc>
+                <a:tc>
+                  <a:txBody>
+                    <a:bodyPr/>
+                    <a:lstStyle/>
+                    <a:p>
+                      <a:pPr algn="l" fontAlgn="ctr"/>
+                      <a:r>
+                        <a:rPr lang="hu-HU" sz="1600">
+                          <a:effectLst/>
+                        </a:rPr>
+                        <a:t>vasárbak</a:t>
+                      </a:r>
+                    </a:p>
+                  </a:txBody>
+                  <a:tcPr marL="26372" marR="26372" marT="26372" marB="26372" anchor="ctr">
+                    <a:lnL w="7620" cap="flat" cmpd="sng" algn="ctr">
+                      <a:solidFill>
+                        <a:srgbClr val="000000"/>
+                      </a:solidFill>
+                      <a:prstDash val="solid"/>
+                      <a:round/>
+                      <a:headEnd type="none" w="med" len="med"/>
+                      <a:tailEnd type="none" w="med" len="med"/>
+                    </a:lnL>
+                    <a:lnR w="7620" cap="flat" cmpd="sng" algn="ctr">
+                      <a:solidFill>
+                        <a:srgbClr val="000000"/>
+                      </a:solidFill>
+                      <a:prstDash val="solid"/>
+                      <a:round/>
+                      <a:headEnd type="none" w="med" len="med"/>
+                      <a:tailEnd type="none" w="med" len="med"/>
+                    </a:lnR>
+                    <a:lnT w="7620" cap="flat" cmpd="sng" algn="ctr">
+                      <a:solidFill>
+                        <a:srgbClr val="000000"/>
+                      </a:solidFill>
+                      <a:prstDash val="solid"/>
+                      <a:round/>
+                      <a:headEnd type="none" w="med" len="med"/>
+                      <a:tailEnd type="none" w="med" len="med"/>
+                    </a:lnT>
+                    <a:lnB w="7620" cap="flat" cmpd="sng" algn="ctr">
+                      <a:solidFill>
+                        <a:srgbClr val="000000"/>
+                      </a:solidFill>
+                      <a:prstDash val="solid"/>
+                      <a:round/>
+                      <a:headEnd type="none" w="med" len="med"/>
+                      <a:tailEnd type="none" w="med" len="med"/>
+                    </a:lnB>
+                    <a:solidFill>
+                      <a:srgbClr val="FFFFFF"/>
+                    </a:solidFill>
+                  </a:tcPr>
+                </a:tc>
+                <a:extLst>
+                  <a:ext uri="{0D108BD9-81ED-4DB2-BD59-A6C34878D82A}">
+                    <a16:rowId xmlns:a16="http://schemas.microsoft.com/office/drawing/2014/main" val="1694533648"/>
+                  </a:ext>
+                </a:extLst>
+              </a:tr>
+              <a:tr h="302398">
+                <a:tc>
+                  <a:txBody>
+                    <a:bodyPr/>
+                    <a:lstStyle/>
+                    <a:p>
+                      <a:pPr algn="l" fontAlgn="ctr"/>
+                      <a:r>
+                        <a:rPr lang="hu-HU" sz="1600">
+                          <a:effectLst/>
+                        </a:rPr>
+                        <a:t>vásárnak</a:t>
+                      </a:r>
+                    </a:p>
+                  </a:txBody>
+                  <a:tcPr marL="26372" marR="26372" marT="26372" marB="26372" anchor="ctr">
+                    <a:lnL w="7620" cap="flat" cmpd="sng" algn="ctr">
+                      <a:solidFill>
+                        <a:srgbClr val="000000"/>
+                      </a:solidFill>
+                      <a:prstDash val="solid"/>
+                      <a:round/>
+                      <a:headEnd type="none" w="med" len="med"/>
+                      <a:tailEnd type="none" w="med" len="med"/>
+                    </a:lnL>
+                    <a:lnR w="7620" cap="flat" cmpd="sng" algn="ctr">
+                      <a:solidFill>
+                        <a:srgbClr val="000000"/>
+                      </a:solidFill>
+                      <a:prstDash val="solid"/>
+                      <a:round/>
+                      <a:headEnd type="none" w="med" len="med"/>
+                      <a:tailEnd type="none" w="med" len="med"/>
+                    </a:lnR>
+                    <a:lnT w="7620" cap="flat" cmpd="sng" algn="ctr">
+                      <a:solidFill>
+                        <a:srgbClr val="000000"/>
+                      </a:solidFill>
+                      <a:prstDash val="solid"/>
+                      <a:round/>
+                      <a:headEnd type="none" w="med" len="med"/>
+                      <a:tailEnd type="none" w="med" len="med"/>
+                    </a:lnT>
+                    <a:lnB w="7620" cap="flat" cmpd="sng" algn="ctr">
+                      <a:solidFill>
+                        <a:srgbClr val="000000"/>
+                      </a:solidFill>
+                      <a:prstDash val="solid"/>
+                      <a:round/>
+                      <a:headEnd type="none" w="med" len="med"/>
+                      <a:tailEnd type="none" w="med" len="med"/>
+                    </a:lnB>
+                    <a:solidFill>
+                      <a:srgbClr val="FFFFFF"/>
+                    </a:solidFill>
+                  </a:tcPr>
+                </a:tc>
+                <a:tc>
+                  <a:txBody>
+                    <a:bodyPr/>
+                    <a:lstStyle/>
+                    <a:p>
+                      <a:pPr algn="l" fontAlgn="ctr"/>
+                      <a:r>
+                        <a:rPr lang="hu-HU" sz="1600">
+                          <a:effectLst/>
+                        </a:rPr>
+                        <a:t>tárásnak</a:t>
+                      </a:r>
+                    </a:p>
+                  </a:txBody>
+                  <a:tcPr marL="26372" marR="26372" marT="26372" marB="26372" anchor="ctr">
+                    <a:lnL w="7620" cap="flat" cmpd="sng" algn="ctr">
+                      <a:solidFill>
+                        <a:srgbClr val="000000"/>
+                      </a:solidFill>
+                      <a:prstDash val="solid"/>
+                      <a:round/>
+                      <a:headEnd type="none" w="med" len="med"/>
+                      <a:tailEnd type="none" w="med" len="med"/>
+                    </a:lnL>
+                    <a:lnR w="7620" cap="flat" cmpd="sng" algn="ctr">
+                      <a:solidFill>
+                        <a:srgbClr val="000000"/>
+                      </a:solidFill>
+                      <a:prstDash val="solid"/>
+                      <a:round/>
+                      <a:headEnd type="none" w="med" len="med"/>
+                      <a:tailEnd type="none" w="med" len="med"/>
+                    </a:lnR>
+                    <a:lnT w="7620" cap="flat" cmpd="sng" algn="ctr">
+                      <a:solidFill>
+                        <a:srgbClr val="000000"/>
+                      </a:solidFill>
+                      <a:prstDash val="solid"/>
+                      <a:round/>
+                      <a:headEnd type="none" w="med" len="med"/>
+                      <a:tailEnd type="none" w="med" len="med"/>
+                    </a:lnT>
+                    <a:lnB w="7620" cap="flat" cmpd="sng" algn="ctr">
+                      <a:solidFill>
+                        <a:srgbClr val="000000"/>
+                      </a:solidFill>
+                      <a:prstDash val="solid"/>
+                      <a:round/>
+                      <a:headEnd type="none" w="med" len="med"/>
+                      <a:tailEnd type="none" w="med" len="med"/>
+                    </a:lnB>
+                    <a:solidFill>
+                      <a:srgbClr val="FFFFFF"/>
+                    </a:solidFill>
+                  </a:tcPr>
+                </a:tc>
+                <a:extLst>
+                  <a:ext uri="{0D108BD9-81ED-4DB2-BD59-A6C34878D82A}">
+                    <a16:rowId xmlns:a16="http://schemas.microsoft.com/office/drawing/2014/main" val="1808316123"/>
+                  </a:ext>
+                </a:extLst>
+              </a:tr>
+              <a:tr h="302398">
+                <a:tc>
+                  <a:txBody>
+                    <a:bodyPr/>
+                    <a:lstStyle/>
+                    <a:p>
+                      <a:pPr algn="l" fontAlgn="ctr"/>
+                      <a:r>
+                        <a:rPr lang="hu-HU" sz="1600">
+                          <a:effectLst/>
+                        </a:rPr>
+                        <a:t>járnak-kelnek</a:t>
+                      </a:r>
+                    </a:p>
+                  </a:txBody>
+                  <a:tcPr marL="26372" marR="26372" marT="26372" marB="26372" anchor="ctr">
+                    <a:lnL w="7620" cap="flat" cmpd="sng" algn="ctr">
+                      <a:solidFill>
+                        <a:srgbClr val="000000"/>
+                      </a:solidFill>
+                      <a:prstDash val="solid"/>
+                      <a:round/>
+                      <a:headEnd type="none" w="med" len="med"/>
+                      <a:tailEnd type="none" w="med" len="med"/>
+                    </a:lnL>
+                    <a:lnR w="7620" cap="flat" cmpd="sng" algn="ctr">
+                      <a:solidFill>
+                        <a:srgbClr val="000000"/>
+                      </a:solidFill>
+                      <a:prstDash val="solid"/>
+                      <a:round/>
+                      <a:headEnd type="none" w="med" len="med"/>
+                      <a:tailEnd type="none" w="med" len="med"/>
+                    </a:lnR>
+                    <a:lnT w="7620" cap="flat" cmpd="sng" algn="ctr">
+                      <a:solidFill>
+                        <a:srgbClr val="000000"/>
+                      </a:solidFill>
+                      <a:prstDash val="solid"/>
+                      <a:round/>
+                      <a:headEnd type="none" w="med" len="med"/>
+                      <a:tailEnd type="none" w="med" len="med"/>
+                    </a:lnT>
+                    <a:lnB w="7620" cap="flat" cmpd="sng" algn="ctr">
+                      <a:solidFill>
+                        <a:srgbClr val="000000"/>
+                      </a:solidFill>
+                      <a:prstDash val="solid"/>
+                      <a:round/>
+                      <a:headEnd type="none" w="med" len="med"/>
+                      <a:tailEnd type="none" w="med" len="med"/>
+                    </a:lnB>
+                    <a:solidFill>
+                      <a:srgbClr val="FFFFFF"/>
+                    </a:solidFill>
+                  </a:tcPr>
+                </a:tc>
+                <a:tc>
+                  <a:txBody>
+                    <a:bodyPr/>
+                    <a:lstStyle/>
+                    <a:p>
+                      <a:pPr algn="l" fontAlgn="ctr"/>
+                      <a:r>
+                        <a:rPr lang="hu-HU" sz="1600">
+                          <a:effectLst/>
+                        </a:rPr>
+                        <a:t>jereat-meknek</a:t>
+                      </a:r>
+                    </a:p>
+                  </a:txBody>
+                  <a:tcPr marL="26372" marR="26372" marT="26372" marB="26372" anchor="ctr">
+                    <a:lnL w="7620" cap="flat" cmpd="sng" algn="ctr">
+                      <a:solidFill>
+                        <a:srgbClr val="000000"/>
+                      </a:solidFill>
+                      <a:prstDash val="solid"/>
+                      <a:round/>
+                      <a:headEnd type="none" w="med" len="med"/>
+                      <a:tailEnd type="none" w="med" len="med"/>
+                    </a:lnL>
+                    <a:lnR w="7620" cap="flat" cmpd="sng" algn="ctr">
+                      <a:solidFill>
+                        <a:srgbClr val="000000"/>
+                      </a:solidFill>
+                      <a:prstDash val="solid"/>
+                      <a:round/>
+                      <a:headEnd type="none" w="med" len="med"/>
+                      <a:tailEnd type="none" w="med" len="med"/>
+                    </a:lnR>
+                    <a:lnT w="7620" cap="flat" cmpd="sng" algn="ctr">
+                      <a:solidFill>
+                        <a:srgbClr val="000000"/>
+                      </a:solidFill>
+                      <a:prstDash val="solid"/>
+                      <a:round/>
+                      <a:headEnd type="none" w="med" len="med"/>
+                      <a:tailEnd type="none" w="med" len="med"/>
+                    </a:lnT>
+                    <a:lnB w="7620" cap="flat" cmpd="sng" algn="ctr">
+                      <a:solidFill>
+                        <a:srgbClr val="000000"/>
+                      </a:solidFill>
+                      <a:prstDash val="solid"/>
+                      <a:round/>
+                      <a:headEnd type="none" w="med" len="med"/>
+                      <a:tailEnd type="none" w="med" len="med"/>
+                    </a:lnB>
+                    <a:solidFill>
+                      <a:srgbClr val="FFFFFF"/>
+                    </a:solidFill>
+                  </a:tcPr>
+                </a:tc>
+                <a:extLst>
+                  <a:ext uri="{0D108BD9-81ED-4DB2-BD59-A6C34878D82A}">
+                    <a16:rowId xmlns:a16="http://schemas.microsoft.com/office/drawing/2014/main" val="2703482095"/>
+                  </a:ext>
+                </a:extLst>
+              </a:tr>
+              <a:tr h="302398">
+                <a:tc>
+                  <a:txBody>
+                    <a:bodyPr/>
+                    <a:lstStyle/>
+                    <a:p>
+                      <a:pPr algn="l" fontAlgn="ctr"/>
+                      <a:r>
+                        <a:rPr lang="hu-HU" sz="1600">
+                          <a:effectLst/>
+                        </a:rPr>
+                        <a:t>járnak-kelnek</a:t>
+                      </a:r>
+                    </a:p>
+                  </a:txBody>
+                  <a:tcPr marL="26372" marR="26372" marT="26372" marB="26372" anchor="ctr">
+                    <a:lnL w="7620" cap="flat" cmpd="sng" algn="ctr">
+                      <a:solidFill>
+                        <a:srgbClr val="000000"/>
+                      </a:solidFill>
+                      <a:prstDash val="solid"/>
+                      <a:round/>
+                      <a:headEnd type="none" w="med" len="med"/>
+                      <a:tailEnd type="none" w="med" len="med"/>
+                    </a:lnL>
+                    <a:lnR w="7620" cap="flat" cmpd="sng" algn="ctr">
+                      <a:solidFill>
+                        <a:srgbClr val="000000"/>
+                      </a:solidFill>
+                      <a:prstDash val="solid"/>
+                      <a:round/>
+                      <a:headEnd type="none" w="med" len="med"/>
+                      <a:tailEnd type="none" w="med" len="med"/>
+                    </a:lnR>
+                    <a:lnT w="7620" cap="flat" cmpd="sng" algn="ctr">
+                      <a:solidFill>
+                        <a:srgbClr val="000000"/>
+                      </a:solidFill>
+                      <a:prstDash val="solid"/>
+                      <a:round/>
+                      <a:headEnd type="none" w="med" len="med"/>
+                      <a:tailEnd type="none" w="med" len="med"/>
+                    </a:lnT>
+                    <a:lnB w="7620" cap="flat" cmpd="sng" algn="ctr">
+                      <a:solidFill>
+                        <a:srgbClr val="000000"/>
+                      </a:solidFill>
+                      <a:prstDash val="solid"/>
+                      <a:round/>
+                      <a:headEnd type="none" w="med" len="med"/>
+                      <a:tailEnd type="none" w="med" len="med"/>
+                    </a:lnB>
+                    <a:solidFill>
+                      <a:srgbClr val="FFFFFF"/>
+                    </a:solidFill>
+                  </a:tcPr>
+                </a:tc>
+                <a:tc>
+                  <a:txBody>
+                    <a:bodyPr/>
+                    <a:lstStyle/>
+                    <a:p>
+                      <a:pPr algn="l" fontAlgn="ctr"/>
+                      <a:r>
+                        <a:rPr lang="hu-HU" sz="1600" dirty="0" err="1">
+                          <a:effectLst/>
+                        </a:rPr>
+                        <a:t>válnakekeltek</a:t>
+                      </a:r>
+                      <a:endParaRPr lang="hu-HU" sz="1600" dirty="0">
+                        <a:effectLst/>
+                      </a:endParaRPr>
+                    </a:p>
+                  </a:txBody>
+                  <a:tcPr marL="26372" marR="26372" marT="26372" marB="26372" anchor="ctr">
+                    <a:lnL w="7620" cap="flat" cmpd="sng" algn="ctr">
+                      <a:solidFill>
+                        <a:srgbClr val="000000"/>
+                      </a:solidFill>
+                      <a:prstDash val="solid"/>
+                      <a:round/>
+                      <a:headEnd type="none" w="med" len="med"/>
+                      <a:tailEnd type="none" w="med" len="med"/>
+                    </a:lnL>
+                    <a:lnR w="7620" cap="flat" cmpd="sng" algn="ctr">
+                      <a:solidFill>
+                        <a:srgbClr val="000000"/>
+                      </a:solidFill>
+                      <a:prstDash val="solid"/>
+                      <a:round/>
+                      <a:headEnd type="none" w="med" len="med"/>
+                      <a:tailEnd type="none" w="med" len="med"/>
+                    </a:lnR>
+                    <a:lnT w="7620" cap="flat" cmpd="sng" algn="ctr">
+                      <a:solidFill>
+                        <a:srgbClr val="000000"/>
+                      </a:solidFill>
+                      <a:prstDash val="solid"/>
+                      <a:round/>
+                      <a:headEnd type="none" w="med" len="med"/>
+                      <a:tailEnd type="none" w="med" len="med"/>
+                    </a:lnT>
+                    <a:lnB w="7620" cap="flat" cmpd="sng" algn="ctr">
+                      <a:solidFill>
+                        <a:srgbClr val="000000"/>
+                      </a:solidFill>
+                      <a:prstDash val="solid"/>
+                      <a:round/>
+                      <a:headEnd type="none" w="med" len="med"/>
+                      <a:tailEnd type="none" w="med" len="med"/>
+                    </a:lnB>
+                    <a:solidFill>
+                      <a:srgbClr val="FFFFFF"/>
+                    </a:solidFill>
+                  </a:tcPr>
+                </a:tc>
+                <a:extLst>
+                  <a:ext uri="{0D108BD9-81ED-4DB2-BD59-A6C34878D82A}">
+                    <a16:rowId xmlns:a16="http://schemas.microsoft.com/office/drawing/2014/main" val="60196939"/>
+                  </a:ext>
+                </a:extLst>
+              </a:tr>
+            </a:tbl>
+          </a:graphicData>
+        </a:graphic>
+      </p:graphicFrame>
+      <p:graphicFrame>
+        <p:nvGraphicFramePr>
+          <p:cNvPr id="8" name="Táblázat 7"/>
+          <p:cNvGraphicFramePr>
+            <a:graphicFrameLocks noGrp="1"/>
+          </p:cNvGraphicFramePr>
+          <p:nvPr>
+            <p:extLst>
+              <p:ext uri="{D42A27DB-BD31-4B8C-83A1-F6EECF244321}">
+                <p14:modId xmlns:p14="http://schemas.microsoft.com/office/powerpoint/2010/main" val="3832213691"/>
+              </p:ext>
+            </p:extLst>
+          </p:nvPr>
+        </p:nvGraphicFramePr>
+        <p:xfrm>
+          <a:off x="1603131" y="2751551"/>
+          <a:ext cx="2828192" cy="2743200"/>
+        </p:xfrm>
+        <a:graphic>
+          <a:graphicData uri="http://schemas.openxmlformats.org/drawingml/2006/table">
+            <a:tbl>
+              <a:tblPr/>
+              <a:tblGrid>
+                <a:gridCol w="1414096">
+                  <a:extLst>
+                    <a:ext uri="{9D8B030D-6E8A-4147-A177-3AD203B41FA5}">
+                      <a16:colId xmlns:a16="http://schemas.microsoft.com/office/drawing/2014/main" val="1919970201"/>
+                    </a:ext>
+                  </a:extLst>
+                </a:gridCol>
+                <a:gridCol w="1414096">
+                  <a:extLst>
+                    <a:ext uri="{9D8B030D-6E8A-4147-A177-3AD203B41FA5}">
+                      <a16:colId xmlns:a16="http://schemas.microsoft.com/office/drawing/2014/main" val="945751482"/>
+                    </a:ext>
+                  </a:extLst>
+                </a:gridCol>
+              </a:tblGrid>
+              <a:tr h="0">
+                <a:tc>
+                  <a:txBody>
+                    <a:bodyPr/>
+                    <a:lstStyle/>
+                    <a:p>
+                      <a:pPr algn="l" fontAlgn="ctr"/>
+                      <a:r>
+                        <a:rPr lang="hu-HU" sz="1600" b="1">
+                          <a:effectLst/>
+                        </a:rPr>
+                        <a:t>source</a:t>
+                      </a:r>
+                    </a:p>
+                  </a:txBody>
+                  <a:tcPr marL="30480" marR="30480" marT="30480" marB="30480" anchor="ctr">
+                    <a:lnL w="7620" cap="flat" cmpd="sng" algn="ctr">
+                      <a:solidFill>
+                        <a:srgbClr val="000000"/>
+                      </a:solidFill>
+                      <a:prstDash val="solid"/>
+                      <a:round/>
+                      <a:headEnd type="none" w="med" len="med"/>
+                      <a:tailEnd type="none" w="med" len="med"/>
+                    </a:lnL>
+                    <a:lnR w="7620" cap="flat" cmpd="sng" algn="ctr">
+                      <a:solidFill>
+                        <a:srgbClr val="000000"/>
+                      </a:solidFill>
+                      <a:prstDash val="solid"/>
+                      <a:round/>
+                      <a:headEnd type="none" w="med" len="med"/>
+                      <a:tailEnd type="none" w="med" len="med"/>
+                    </a:lnR>
+                    <a:lnT w="7620" cap="flat" cmpd="sng" algn="ctr">
+                      <a:solidFill>
+                        <a:srgbClr val="000000"/>
+                      </a:solidFill>
+                      <a:prstDash val="solid"/>
+                      <a:round/>
+                      <a:headEnd type="none" w="med" len="med"/>
+                      <a:tailEnd type="none" w="med" len="med"/>
+                    </a:lnT>
+                    <a:lnB w="7620" cap="flat" cmpd="sng" algn="ctr">
+                      <a:solidFill>
+                        <a:srgbClr val="000000"/>
+                      </a:solidFill>
+                      <a:prstDash val="solid"/>
+                      <a:round/>
+                      <a:headEnd type="none" w="med" len="med"/>
+                      <a:tailEnd type="none" w="med" len="med"/>
+                    </a:lnB>
+                    <a:solidFill>
+                      <a:srgbClr val="FFFFFF"/>
+                    </a:solidFill>
+                  </a:tcPr>
+                </a:tc>
+                <a:tc>
+                  <a:txBody>
+                    <a:bodyPr/>
+                    <a:lstStyle/>
+                    <a:p>
+                      <a:pPr algn="l" fontAlgn="ctr"/>
+                      <a:r>
+                        <a:rPr lang="hu-HU" sz="1600" b="1" dirty="0" err="1">
+                          <a:effectLst/>
+                        </a:rPr>
+                        <a:t>target</a:t>
+                      </a:r>
+                      <a:endParaRPr lang="hu-HU" sz="1600" b="1" dirty="0">
+                        <a:effectLst/>
+                      </a:endParaRPr>
+                    </a:p>
+                  </a:txBody>
+                  <a:tcPr marL="30480" marR="30480" marT="30480" marB="30480" anchor="ctr">
+                    <a:lnL w="7620" cap="flat" cmpd="sng" algn="ctr">
+                      <a:solidFill>
+                        <a:srgbClr val="000000"/>
+                      </a:solidFill>
+                      <a:prstDash val="solid"/>
+                      <a:round/>
+                      <a:headEnd type="none" w="med" len="med"/>
+                      <a:tailEnd type="none" w="med" len="med"/>
+                    </a:lnL>
+                    <a:lnR w="7620" cap="flat" cmpd="sng" algn="ctr">
+                      <a:solidFill>
+                        <a:srgbClr val="000000"/>
+                      </a:solidFill>
+                      <a:prstDash val="solid"/>
+                      <a:round/>
+                      <a:headEnd type="none" w="med" len="med"/>
+                      <a:tailEnd type="none" w="med" len="med"/>
+                    </a:lnR>
+                    <a:lnT w="7620" cap="flat" cmpd="sng" algn="ctr">
+                      <a:solidFill>
+                        <a:srgbClr val="000000"/>
+                      </a:solidFill>
+                      <a:prstDash val="solid"/>
+                      <a:round/>
+                      <a:headEnd type="none" w="med" len="med"/>
+                      <a:tailEnd type="none" w="med" len="med"/>
+                    </a:lnT>
+                    <a:lnB w="7620" cap="flat" cmpd="sng" algn="ctr">
+                      <a:solidFill>
+                        <a:srgbClr val="000000"/>
+                      </a:solidFill>
+                      <a:prstDash val="solid"/>
+                      <a:round/>
+                      <a:headEnd type="none" w="med" len="med"/>
+                      <a:tailEnd type="none" w="med" len="med"/>
+                    </a:lnB>
+                    <a:solidFill>
+                      <a:srgbClr val="FFFFFF"/>
+                    </a:solidFill>
+                  </a:tcPr>
+                </a:tc>
+                <a:extLst>
+                  <a:ext uri="{0D108BD9-81ED-4DB2-BD59-A6C34878D82A}">
+                    <a16:rowId xmlns:a16="http://schemas.microsoft.com/office/drawing/2014/main" val="650678770"/>
+                  </a:ext>
+                </a:extLst>
+              </a:tr>
+              <a:tr h="0">
+                <a:tc>
+                  <a:txBody>
+                    <a:bodyPr/>
+                    <a:lstStyle/>
+                    <a:p>
+                      <a:pPr algn="l" fontAlgn="ctr"/>
+                      <a:r>
+                        <a:rPr lang="hu-HU" sz="1600">
+                          <a:effectLst/>
+                        </a:rPr>
+                        <a:t>f_r_i</a:t>
+                      </a:r>
+                    </a:p>
+                  </a:txBody>
+                  <a:tcPr marL="30480" marR="30480" marT="30480" marB="30480" anchor="ctr">
+                    <a:lnL w="7620" cap="flat" cmpd="sng" algn="ctr">
+                      <a:solidFill>
+                        <a:srgbClr val="000000"/>
+                      </a:solidFill>
+                      <a:prstDash val="solid"/>
+                      <a:round/>
+                      <a:headEnd type="none" w="med" len="med"/>
+                      <a:tailEnd type="none" w="med" len="med"/>
+                    </a:lnL>
+                    <a:lnR w="7620" cap="flat" cmpd="sng" algn="ctr">
+                      <a:solidFill>
+                        <a:srgbClr val="000000"/>
+                      </a:solidFill>
+                      <a:prstDash val="solid"/>
+                      <a:round/>
+                      <a:headEnd type="none" w="med" len="med"/>
+                      <a:tailEnd type="none" w="med" len="med"/>
+                    </a:lnR>
+                    <a:lnT w="7620" cap="flat" cmpd="sng" algn="ctr">
+                      <a:solidFill>
+                        <a:srgbClr val="000000"/>
+                      </a:solidFill>
+                      <a:prstDash val="solid"/>
+                      <a:round/>
+                      <a:headEnd type="none" w="med" len="med"/>
+                      <a:tailEnd type="none" w="med" len="med"/>
+                    </a:lnT>
+                    <a:lnB w="7620" cap="flat" cmpd="sng" algn="ctr">
+                      <a:solidFill>
+                        <a:srgbClr val="000000"/>
+                      </a:solidFill>
+                      <a:prstDash val="solid"/>
+                      <a:round/>
+                      <a:headEnd type="none" w="med" len="med"/>
+                      <a:tailEnd type="none" w="med" len="med"/>
+                    </a:lnB>
+                    <a:solidFill>
+                      <a:srgbClr val="FFFFFF"/>
+                    </a:solidFill>
+                  </a:tcPr>
+                </a:tc>
+                <a:tc>
+                  <a:txBody>
+                    <a:bodyPr/>
+                    <a:lstStyle/>
+                    <a:p>
+                      <a:pPr algn="l" fontAlgn="ctr"/>
+                      <a:r>
+                        <a:rPr lang="hu-HU" sz="1600" dirty="0">
+                          <a:effectLst/>
+                        </a:rPr>
+                        <a:t>_</a:t>
+                      </a:r>
+                      <a:r>
+                        <a:rPr lang="hu-HU" sz="1600" dirty="0" err="1">
+                          <a:effectLst/>
+                        </a:rPr>
+                        <a:t>é_f</a:t>
+                      </a:r>
+                      <a:r>
+                        <a:rPr lang="hu-HU" sz="1600" dirty="0">
+                          <a:effectLst/>
+                        </a:rPr>
+                        <a:t>_</a:t>
+                      </a:r>
+                    </a:p>
+                  </a:txBody>
+                  <a:tcPr marL="30480" marR="30480" marT="30480" marB="30480" anchor="ctr">
+                    <a:lnL w="7620" cap="flat" cmpd="sng" algn="ctr">
+                      <a:solidFill>
+                        <a:srgbClr val="000000"/>
+                      </a:solidFill>
+                      <a:prstDash val="solid"/>
+                      <a:round/>
+                      <a:headEnd type="none" w="med" len="med"/>
+                      <a:tailEnd type="none" w="med" len="med"/>
+                    </a:lnL>
+                    <a:lnR w="7620" cap="flat" cmpd="sng" algn="ctr">
+                      <a:solidFill>
+                        <a:srgbClr val="000000"/>
+                      </a:solidFill>
+                      <a:prstDash val="solid"/>
+                      <a:round/>
+                      <a:headEnd type="none" w="med" len="med"/>
+                      <a:tailEnd type="none" w="med" len="med"/>
+                    </a:lnR>
+                    <a:lnT w="7620" cap="flat" cmpd="sng" algn="ctr">
+                      <a:solidFill>
+                        <a:srgbClr val="000000"/>
+                      </a:solidFill>
+                      <a:prstDash val="solid"/>
+                      <a:round/>
+                      <a:headEnd type="none" w="med" len="med"/>
+                      <a:tailEnd type="none" w="med" len="med"/>
+                    </a:lnT>
+                    <a:lnB w="7620" cap="flat" cmpd="sng" algn="ctr">
+                      <a:solidFill>
+                        <a:srgbClr val="000000"/>
+                      </a:solidFill>
+                      <a:prstDash val="solid"/>
+                      <a:round/>
+                      <a:headEnd type="none" w="med" len="med"/>
+                      <a:tailEnd type="none" w="med" len="med"/>
+                    </a:lnB>
+                    <a:solidFill>
+                      <a:srgbClr val="FFFFFF"/>
+                    </a:solidFill>
+                  </a:tcPr>
+                </a:tc>
+                <a:extLst>
+                  <a:ext uri="{0D108BD9-81ED-4DB2-BD59-A6C34878D82A}">
+                    <a16:rowId xmlns:a16="http://schemas.microsoft.com/office/drawing/2014/main" val="1839863395"/>
+                  </a:ext>
+                </a:extLst>
+              </a:tr>
+              <a:tr h="0">
+                <a:tc>
+                  <a:txBody>
+                    <a:bodyPr/>
+                    <a:lstStyle/>
+                    <a:p>
+                      <a:pPr algn="l" fontAlgn="ctr"/>
+                      <a:r>
+                        <a:rPr lang="hu-HU" sz="1600">
+                          <a:effectLst/>
+                        </a:rPr>
+                        <a:t>_é_f_</a:t>
+                      </a:r>
+                    </a:p>
+                  </a:txBody>
+                  <a:tcPr marL="30480" marR="30480" marT="30480" marB="30480" anchor="ctr">
+                    <a:lnL w="7620" cap="flat" cmpd="sng" algn="ctr">
+                      <a:solidFill>
+                        <a:srgbClr val="000000"/>
+                      </a:solidFill>
+                      <a:prstDash val="solid"/>
+                      <a:round/>
+                      <a:headEnd type="none" w="med" len="med"/>
+                      <a:tailEnd type="none" w="med" len="med"/>
+                    </a:lnL>
+                    <a:lnR w="7620" cap="flat" cmpd="sng" algn="ctr">
+                      <a:solidFill>
+                        <a:srgbClr val="000000"/>
+                      </a:solidFill>
+                      <a:prstDash val="solid"/>
+                      <a:round/>
+                      <a:headEnd type="none" w="med" len="med"/>
+                      <a:tailEnd type="none" w="med" len="med"/>
+                    </a:lnR>
+                    <a:lnT w="7620" cap="flat" cmpd="sng" algn="ctr">
+                      <a:solidFill>
+                        <a:srgbClr val="000000"/>
+                      </a:solidFill>
+                      <a:prstDash val="solid"/>
+                      <a:round/>
+                      <a:headEnd type="none" w="med" len="med"/>
+                      <a:tailEnd type="none" w="med" len="med"/>
+                    </a:lnT>
+                    <a:lnB w="7620" cap="flat" cmpd="sng" algn="ctr">
+                      <a:solidFill>
+                        <a:srgbClr val="000000"/>
+                      </a:solidFill>
+                      <a:prstDash val="solid"/>
+                      <a:round/>
+                      <a:headEnd type="none" w="med" len="med"/>
+                      <a:tailEnd type="none" w="med" len="med"/>
+                    </a:lnB>
+                    <a:solidFill>
+                      <a:srgbClr val="FFFFFF"/>
+                    </a:solidFill>
+                  </a:tcPr>
+                </a:tc>
+                <a:tc>
+                  <a:txBody>
+                    <a:bodyPr/>
+                    <a:lstStyle/>
+                    <a:p>
+                      <a:pPr algn="l" fontAlgn="ctr"/>
+                      <a:r>
+                        <a:rPr lang="hu-HU" sz="1600">
+                          <a:effectLst/>
+                        </a:rPr>
+                        <a:t>f_r_i</a:t>
+                      </a:r>
+                    </a:p>
+                  </a:txBody>
+                  <a:tcPr marL="30480" marR="30480" marT="30480" marB="30480" anchor="ctr">
+                    <a:lnL w="7620" cap="flat" cmpd="sng" algn="ctr">
+                      <a:solidFill>
+                        <a:srgbClr val="000000"/>
+                      </a:solidFill>
+                      <a:prstDash val="solid"/>
+                      <a:round/>
+                      <a:headEnd type="none" w="med" len="med"/>
+                      <a:tailEnd type="none" w="med" len="med"/>
+                    </a:lnL>
+                    <a:lnR w="7620" cap="flat" cmpd="sng" algn="ctr">
+                      <a:solidFill>
+                        <a:srgbClr val="000000"/>
+                      </a:solidFill>
+                      <a:prstDash val="solid"/>
+                      <a:round/>
+                      <a:headEnd type="none" w="med" len="med"/>
+                      <a:tailEnd type="none" w="med" len="med"/>
+                    </a:lnR>
+                    <a:lnT w="7620" cap="flat" cmpd="sng" algn="ctr">
+                      <a:solidFill>
+                        <a:srgbClr val="000000"/>
+                      </a:solidFill>
+                      <a:prstDash val="solid"/>
+                      <a:round/>
+                      <a:headEnd type="none" w="med" len="med"/>
+                      <a:tailEnd type="none" w="med" len="med"/>
+                    </a:lnT>
+                    <a:lnB w="7620" cap="flat" cmpd="sng" algn="ctr">
+                      <a:solidFill>
+                        <a:srgbClr val="000000"/>
+                      </a:solidFill>
+                      <a:prstDash val="solid"/>
+                      <a:round/>
+                      <a:headEnd type="none" w="med" len="med"/>
+                      <a:tailEnd type="none" w="med" len="med"/>
+                    </a:lnB>
+                    <a:solidFill>
+                      <a:srgbClr val="FFFFFF"/>
+                    </a:solidFill>
+                  </a:tcPr>
+                </a:tc>
+                <a:extLst>
+                  <a:ext uri="{0D108BD9-81ED-4DB2-BD59-A6C34878D82A}">
+                    <a16:rowId xmlns:a16="http://schemas.microsoft.com/office/drawing/2014/main" val="2496384149"/>
+                  </a:ext>
+                </a:extLst>
+              </a:tr>
+              <a:tr h="0">
+                <a:tc>
+                  <a:txBody>
+                    <a:bodyPr/>
+                    <a:lstStyle/>
+                    <a:p>
+                      <a:pPr algn="l" fontAlgn="ctr"/>
+                      <a:r>
+                        <a:rPr lang="hu-HU" sz="1600">
+                          <a:effectLst/>
+                        </a:rPr>
+                        <a:t>m_n_e_k_</a:t>
+                      </a:r>
+                    </a:p>
+                  </a:txBody>
+                  <a:tcPr marL="30480" marR="30480" marT="30480" marB="30480" anchor="ctr">
+                    <a:lnL w="7620" cap="flat" cmpd="sng" algn="ctr">
+                      <a:solidFill>
+                        <a:srgbClr val="000000"/>
+                      </a:solidFill>
+                      <a:prstDash val="solid"/>
+                      <a:round/>
+                      <a:headEnd type="none" w="med" len="med"/>
+                      <a:tailEnd type="none" w="med" len="med"/>
+                    </a:lnL>
+                    <a:lnR w="7620" cap="flat" cmpd="sng" algn="ctr">
+                      <a:solidFill>
+                        <a:srgbClr val="000000"/>
+                      </a:solidFill>
+                      <a:prstDash val="solid"/>
+                      <a:round/>
+                      <a:headEnd type="none" w="med" len="med"/>
+                      <a:tailEnd type="none" w="med" len="med"/>
+                    </a:lnR>
+                    <a:lnT w="7620" cap="flat" cmpd="sng" algn="ctr">
+                      <a:solidFill>
+                        <a:srgbClr val="000000"/>
+                      </a:solidFill>
+                      <a:prstDash val="solid"/>
+                      <a:round/>
+                      <a:headEnd type="none" w="med" len="med"/>
+                      <a:tailEnd type="none" w="med" len="med"/>
+                    </a:lnT>
+                    <a:lnB w="7620" cap="flat" cmpd="sng" algn="ctr">
+                      <a:solidFill>
+                        <a:srgbClr val="000000"/>
+                      </a:solidFill>
+                      <a:prstDash val="solid"/>
+                      <a:round/>
+                      <a:headEnd type="none" w="med" len="med"/>
+                      <a:tailEnd type="none" w="med" len="med"/>
+                    </a:lnB>
+                    <a:solidFill>
+                      <a:srgbClr val="FFFFFF"/>
+                    </a:solidFill>
+                  </a:tcPr>
+                </a:tc>
+                <a:tc>
+                  <a:txBody>
+                    <a:bodyPr/>
+                    <a:lstStyle/>
+                    <a:p>
+                      <a:pPr algn="l" fontAlgn="ctr"/>
+                      <a:r>
+                        <a:rPr lang="hu-HU" sz="1600" dirty="0">
+                          <a:effectLst/>
+                        </a:rPr>
+                        <a:t>_</a:t>
+                      </a:r>
+                      <a:r>
+                        <a:rPr lang="hu-HU" sz="1600" dirty="0" err="1">
+                          <a:effectLst/>
+                        </a:rPr>
+                        <a:t>i_d_n_i</a:t>
+                      </a:r>
+                      <a:endParaRPr lang="hu-HU" sz="1600" dirty="0">
+                        <a:effectLst/>
+                      </a:endParaRPr>
+                    </a:p>
+                  </a:txBody>
+                  <a:tcPr marL="30480" marR="30480" marT="30480" marB="30480" anchor="ctr">
+                    <a:lnL w="7620" cap="flat" cmpd="sng" algn="ctr">
+                      <a:solidFill>
+                        <a:srgbClr val="000000"/>
+                      </a:solidFill>
+                      <a:prstDash val="solid"/>
+                      <a:round/>
+                      <a:headEnd type="none" w="med" len="med"/>
+                      <a:tailEnd type="none" w="med" len="med"/>
+                    </a:lnL>
+                    <a:lnR w="7620" cap="flat" cmpd="sng" algn="ctr">
+                      <a:solidFill>
+                        <a:srgbClr val="000000"/>
+                      </a:solidFill>
+                      <a:prstDash val="solid"/>
+                      <a:round/>
+                      <a:headEnd type="none" w="med" len="med"/>
+                      <a:tailEnd type="none" w="med" len="med"/>
+                    </a:lnR>
+                    <a:lnT w="7620" cap="flat" cmpd="sng" algn="ctr">
+                      <a:solidFill>
+                        <a:srgbClr val="000000"/>
+                      </a:solidFill>
+                      <a:prstDash val="solid"/>
+                      <a:round/>
+                      <a:headEnd type="none" w="med" len="med"/>
+                      <a:tailEnd type="none" w="med" len="med"/>
+                    </a:lnT>
+                    <a:lnB w="7620" cap="flat" cmpd="sng" algn="ctr">
+                      <a:solidFill>
+                        <a:srgbClr val="000000"/>
+                      </a:solidFill>
+                      <a:prstDash val="solid"/>
+                      <a:round/>
+                      <a:headEnd type="none" w="med" len="med"/>
+                      <a:tailEnd type="none" w="med" len="med"/>
+                    </a:lnB>
+                    <a:solidFill>
+                      <a:srgbClr val="FFFFFF"/>
+                    </a:solidFill>
+                  </a:tcPr>
+                </a:tc>
+                <a:extLst>
+                  <a:ext uri="{0D108BD9-81ED-4DB2-BD59-A6C34878D82A}">
+                    <a16:rowId xmlns:a16="http://schemas.microsoft.com/office/drawing/2014/main" val="578291723"/>
+                  </a:ext>
+                </a:extLst>
+              </a:tr>
+              <a:tr h="0">
+                <a:tc>
+                  <a:txBody>
+                    <a:bodyPr/>
+                    <a:lstStyle/>
+                    <a:p>
+                      <a:pPr algn="l" fontAlgn="ctr"/>
+                      <a:r>
+                        <a:rPr lang="hu-HU" sz="1600">
+                          <a:effectLst/>
+                        </a:rPr>
+                        <a:t>_i_d_n_i</a:t>
+                      </a:r>
+                    </a:p>
+                  </a:txBody>
+                  <a:tcPr marL="30480" marR="30480" marT="30480" marB="30480" anchor="ctr">
+                    <a:lnL w="7620" cap="flat" cmpd="sng" algn="ctr">
+                      <a:solidFill>
+                        <a:srgbClr val="000000"/>
+                      </a:solidFill>
+                      <a:prstDash val="solid"/>
+                      <a:round/>
+                      <a:headEnd type="none" w="med" len="med"/>
+                      <a:tailEnd type="none" w="med" len="med"/>
+                    </a:lnL>
+                    <a:lnR w="7620" cap="flat" cmpd="sng" algn="ctr">
+                      <a:solidFill>
+                        <a:srgbClr val="000000"/>
+                      </a:solidFill>
+                      <a:prstDash val="solid"/>
+                      <a:round/>
+                      <a:headEnd type="none" w="med" len="med"/>
+                      <a:tailEnd type="none" w="med" len="med"/>
+                    </a:lnR>
+                    <a:lnT w="7620" cap="flat" cmpd="sng" algn="ctr">
+                      <a:solidFill>
+                        <a:srgbClr val="000000"/>
+                      </a:solidFill>
+                      <a:prstDash val="solid"/>
+                      <a:round/>
+                      <a:headEnd type="none" w="med" len="med"/>
+                      <a:tailEnd type="none" w="med" len="med"/>
+                    </a:lnT>
+                    <a:lnB w="7620" cap="flat" cmpd="sng" algn="ctr">
+                      <a:solidFill>
+                        <a:srgbClr val="000000"/>
+                      </a:solidFill>
+                      <a:prstDash val="solid"/>
+                      <a:round/>
+                      <a:headEnd type="none" w="med" len="med"/>
+                      <a:tailEnd type="none" w="med" len="med"/>
+                    </a:lnB>
+                    <a:solidFill>
+                      <a:srgbClr val="FFFFFF"/>
+                    </a:solidFill>
+                  </a:tcPr>
+                </a:tc>
+                <a:tc>
+                  <a:txBody>
+                    <a:bodyPr/>
+                    <a:lstStyle/>
+                    <a:p>
+                      <a:pPr algn="l" fontAlgn="ctr"/>
+                      <a:r>
+                        <a:rPr lang="hu-HU" sz="1600">
+                          <a:effectLst/>
+                        </a:rPr>
+                        <a:t>m_n_e_k_</a:t>
+                      </a:r>
+                    </a:p>
+                  </a:txBody>
+                  <a:tcPr marL="30480" marR="30480" marT="30480" marB="30480" anchor="ctr">
+                    <a:lnL w="7620" cap="flat" cmpd="sng" algn="ctr">
+                      <a:solidFill>
+                        <a:srgbClr val="000000"/>
+                      </a:solidFill>
+                      <a:prstDash val="solid"/>
+                      <a:round/>
+                      <a:headEnd type="none" w="med" len="med"/>
+                      <a:tailEnd type="none" w="med" len="med"/>
+                    </a:lnL>
+                    <a:lnR w="7620" cap="flat" cmpd="sng" algn="ctr">
+                      <a:solidFill>
+                        <a:srgbClr val="000000"/>
+                      </a:solidFill>
+                      <a:prstDash val="solid"/>
+                      <a:round/>
+                      <a:headEnd type="none" w="med" len="med"/>
+                      <a:tailEnd type="none" w="med" len="med"/>
+                    </a:lnR>
+                    <a:lnT w="7620" cap="flat" cmpd="sng" algn="ctr">
+                      <a:solidFill>
+                        <a:srgbClr val="000000"/>
+                      </a:solidFill>
+                      <a:prstDash val="solid"/>
+                      <a:round/>
+                      <a:headEnd type="none" w="med" len="med"/>
+                      <a:tailEnd type="none" w="med" len="med"/>
+                    </a:lnT>
+                    <a:lnB w="7620" cap="flat" cmpd="sng" algn="ctr">
+                      <a:solidFill>
+                        <a:srgbClr val="000000"/>
+                      </a:solidFill>
+                      <a:prstDash val="solid"/>
+                      <a:round/>
+                      <a:headEnd type="none" w="med" len="med"/>
+                      <a:tailEnd type="none" w="med" len="med"/>
+                    </a:lnB>
+                    <a:solidFill>
+                      <a:srgbClr val="FFFFFF"/>
+                    </a:solidFill>
+                  </a:tcPr>
+                </a:tc>
+                <a:extLst>
+                  <a:ext uri="{0D108BD9-81ED-4DB2-BD59-A6C34878D82A}">
+                    <a16:rowId xmlns:a16="http://schemas.microsoft.com/office/drawing/2014/main" val="27156550"/>
+                  </a:ext>
+                </a:extLst>
+              </a:tr>
+              <a:tr h="0">
+                <a:tc>
+                  <a:txBody>
+                    <a:bodyPr/>
+                    <a:lstStyle/>
+                    <a:p>
+                      <a:pPr algn="l" fontAlgn="ctr"/>
+                      <a:r>
+                        <a:rPr lang="pt-BR" sz="1600">
+                          <a:effectLst/>
+                        </a:rPr>
+                        <a:t>e_s_s_r_a_</a:t>
+                      </a:r>
+                    </a:p>
+                  </a:txBody>
+                  <a:tcPr marL="30480" marR="30480" marT="30480" marB="30480" anchor="ctr">
+                    <a:lnL w="7620" cap="flat" cmpd="sng" algn="ctr">
+                      <a:solidFill>
+                        <a:srgbClr val="000000"/>
+                      </a:solidFill>
+                      <a:prstDash val="solid"/>
+                      <a:round/>
+                      <a:headEnd type="none" w="med" len="med"/>
+                      <a:tailEnd type="none" w="med" len="med"/>
+                    </a:lnL>
+                    <a:lnR w="7620" cap="flat" cmpd="sng" algn="ctr">
+                      <a:solidFill>
+                        <a:srgbClr val="000000"/>
+                      </a:solidFill>
+                      <a:prstDash val="solid"/>
+                      <a:round/>
+                      <a:headEnd type="none" w="med" len="med"/>
+                      <a:tailEnd type="none" w="med" len="med"/>
+                    </a:lnR>
+                    <a:lnT w="7620" cap="flat" cmpd="sng" algn="ctr">
+                      <a:solidFill>
+                        <a:srgbClr val="000000"/>
+                      </a:solidFill>
+                      <a:prstDash val="solid"/>
+                      <a:round/>
+                      <a:headEnd type="none" w="med" len="med"/>
+                      <a:tailEnd type="none" w="med" len="med"/>
+                    </a:lnT>
+                    <a:lnB w="7620" cap="flat" cmpd="sng" algn="ctr">
+                      <a:solidFill>
+                        <a:srgbClr val="000000"/>
+                      </a:solidFill>
+                      <a:prstDash val="solid"/>
+                      <a:round/>
+                      <a:headEnd type="none" w="med" len="med"/>
+                      <a:tailEnd type="none" w="med" len="med"/>
+                    </a:lnB>
+                    <a:solidFill>
+                      <a:srgbClr val="FFFFFF"/>
+                    </a:solidFill>
+                  </a:tcPr>
+                </a:tc>
+                <a:tc>
+                  <a:txBody>
+                    <a:bodyPr/>
+                    <a:lstStyle/>
+                    <a:p>
+                      <a:pPr algn="l" fontAlgn="ctr"/>
+                      <a:r>
+                        <a:rPr lang="pt-BR" sz="1600">
+                          <a:effectLst/>
+                        </a:rPr>
+                        <a:t>_l_ő_o_b_n</a:t>
+                      </a:r>
+                    </a:p>
+                  </a:txBody>
+                  <a:tcPr marL="30480" marR="30480" marT="30480" marB="30480" anchor="ctr">
+                    <a:lnL w="7620" cap="flat" cmpd="sng" algn="ctr">
+                      <a:solidFill>
+                        <a:srgbClr val="000000"/>
+                      </a:solidFill>
+                      <a:prstDash val="solid"/>
+                      <a:round/>
+                      <a:headEnd type="none" w="med" len="med"/>
+                      <a:tailEnd type="none" w="med" len="med"/>
+                    </a:lnL>
+                    <a:lnR w="7620" cap="flat" cmpd="sng" algn="ctr">
+                      <a:solidFill>
+                        <a:srgbClr val="000000"/>
+                      </a:solidFill>
+                      <a:prstDash val="solid"/>
+                      <a:round/>
+                      <a:headEnd type="none" w="med" len="med"/>
+                      <a:tailEnd type="none" w="med" len="med"/>
+                    </a:lnR>
+                    <a:lnT w="7620" cap="flat" cmpd="sng" algn="ctr">
+                      <a:solidFill>
+                        <a:srgbClr val="000000"/>
+                      </a:solidFill>
+                      <a:prstDash val="solid"/>
+                      <a:round/>
+                      <a:headEnd type="none" w="med" len="med"/>
+                      <a:tailEnd type="none" w="med" len="med"/>
+                    </a:lnT>
+                    <a:lnB w="7620" cap="flat" cmpd="sng" algn="ctr">
+                      <a:solidFill>
+                        <a:srgbClr val="000000"/>
+                      </a:solidFill>
+                      <a:prstDash val="solid"/>
+                      <a:round/>
+                      <a:headEnd type="none" w="med" len="med"/>
+                      <a:tailEnd type="none" w="med" len="med"/>
+                    </a:lnB>
+                    <a:solidFill>
+                      <a:srgbClr val="FFFFFF"/>
+                    </a:solidFill>
+                  </a:tcPr>
+                </a:tc>
+                <a:extLst>
+                  <a:ext uri="{0D108BD9-81ED-4DB2-BD59-A6C34878D82A}">
+                    <a16:rowId xmlns:a16="http://schemas.microsoft.com/office/drawing/2014/main" val="1901751619"/>
+                  </a:ext>
+                </a:extLst>
+              </a:tr>
+              <a:tr h="0">
+                <a:tc>
+                  <a:txBody>
+                    <a:bodyPr/>
+                    <a:lstStyle/>
+                    <a:p>
+                      <a:pPr algn="l" fontAlgn="ctr"/>
+                      <a:r>
+                        <a:rPr lang="pt-BR" sz="1600">
+                          <a:effectLst/>
+                        </a:rPr>
+                        <a:t>_l_ő_o_b_n</a:t>
+                      </a:r>
+                    </a:p>
+                  </a:txBody>
+                  <a:tcPr marL="30480" marR="30480" marT="30480" marB="30480" anchor="ctr">
+                    <a:lnL w="7620" cap="flat" cmpd="sng" algn="ctr">
+                      <a:solidFill>
+                        <a:srgbClr val="000000"/>
+                      </a:solidFill>
+                      <a:prstDash val="solid"/>
+                      <a:round/>
+                      <a:headEnd type="none" w="med" len="med"/>
+                      <a:tailEnd type="none" w="med" len="med"/>
+                    </a:lnL>
+                    <a:lnR w="7620" cap="flat" cmpd="sng" algn="ctr">
+                      <a:solidFill>
+                        <a:srgbClr val="000000"/>
+                      </a:solidFill>
+                      <a:prstDash val="solid"/>
+                      <a:round/>
+                      <a:headEnd type="none" w="med" len="med"/>
+                      <a:tailEnd type="none" w="med" len="med"/>
+                    </a:lnR>
+                    <a:lnT w="7620" cap="flat" cmpd="sng" algn="ctr">
+                      <a:solidFill>
+                        <a:srgbClr val="000000"/>
+                      </a:solidFill>
+                      <a:prstDash val="solid"/>
+                      <a:round/>
+                      <a:headEnd type="none" w="med" len="med"/>
+                      <a:tailEnd type="none" w="med" len="med"/>
+                    </a:lnT>
+                    <a:lnB w="7620" cap="flat" cmpd="sng" algn="ctr">
+                      <a:solidFill>
+                        <a:srgbClr val="000000"/>
+                      </a:solidFill>
+                      <a:prstDash val="solid"/>
+                      <a:round/>
+                      <a:headEnd type="none" w="med" len="med"/>
+                      <a:tailEnd type="none" w="med" len="med"/>
+                    </a:lnB>
+                    <a:solidFill>
+                      <a:srgbClr val="FFFFFF"/>
+                    </a:solidFill>
+                  </a:tcPr>
+                </a:tc>
+                <a:tc>
+                  <a:txBody>
+                    <a:bodyPr/>
+                    <a:lstStyle/>
+                    <a:p>
+                      <a:pPr algn="l" fontAlgn="ctr"/>
+                      <a:r>
+                        <a:rPr lang="pt-BR" sz="1600">
+                          <a:effectLst/>
+                        </a:rPr>
+                        <a:t>e_s_s_r_a_</a:t>
+                      </a:r>
+                    </a:p>
+                  </a:txBody>
+                  <a:tcPr marL="30480" marR="30480" marT="30480" marB="30480" anchor="ctr">
+                    <a:lnL w="7620" cap="flat" cmpd="sng" algn="ctr">
+                      <a:solidFill>
+                        <a:srgbClr val="000000"/>
+                      </a:solidFill>
+                      <a:prstDash val="solid"/>
+                      <a:round/>
+                      <a:headEnd type="none" w="med" len="med"/>
+                      <a:tailEnd type="none" w="med" len="med"/>
+                    </a:lnL>
+                    <a:lnR w="7620" cap="flat" cmpd="sng" algn="ctr">
+                      <a:solidFill>
+                        <a:srgbClr val="000000"/>
+                      </a:solidFill>
+                      <a:prstDash val="solid"/>
+                      <a:round/>
+                      <a:headEnd type="none" w="med" len="med"/>
+                      <a:tailEnd type="none" w="med" len="med"/>
+                    </a:lnR>
+                    <a:lnT w="7620" cap="flat" cmpd="sng" algn="ctr">
+                      <a:solidFill>
+                        <a:srgbClr val="000000"/>
+                      </a:solidFill>
+                      <a:prstDash val="solid"/>
+                      <a:round/>
+                      <a:headEnd type="none" w="med" len="med"/>
+                      <a:tailEnd type="none" w="med" len="med"/>
+                    </a:lnT>
+                    <a:lnB w="7620" cap="flat" cmpd="sng" algn="ctr">
+                      <a:solidFill>
+                        <a:srgbClr val="000000"/>
+                      </a:solidFill>
+                      <a:prstDash val="solid"/>
+                      <a:round/>
+                      <a:headEnd type="none" w="med" len="med"/>
+                      <a:tailEnd type="none" w="med" len="med"/>
+                    </a:lnB>
+                    <a:solidFill>
+                      <a:srgbClr val="FFFFFF"/>
+                    </a:solidFill>
+                  </a:tcPr>
+                </a:tc>
+                <a:extLst>
+                  <a:ext uri="{0D108BD9-81ED-4DB2-BD59-A6C34878D82A}">
+                    <a16:rowId xmlns:a16="http://schemas.microsoft.com/office/drawing/2014/main" val="735045625"/>
+                  </a:ext>
+                </a:extLst>
+              </a:tr>
+              <a:tr h="0">
+                <a:tc>
+                  <a:txBody>
+                    <a:bodyPr/>
+                    <a:lstStyle/>
+                    <a:p>
+                      <a:pPr algn="l" fontAlgn="ctr"/>
+                      <a:r>
+                        <a:rPr lang="hu-HU" sz="1600">
+                          <a:effectLst/>
+                        </a:rPr>
+                        <a:t>e_e_é_e_</a:t>
+                      </a:r>
+                    </a:p>
+                  </a:txBody>
+                  <a:tcPr marL="30480" marR="30480" marT="30480" marB="30480" anchor="ctr">
+                    <a:lnL w="7620" cap="flat" cmpd="sng" algn="ctr">
+                      <a:solidFill>
+                        <a:srgbClr val="000000"/>
+                      </a:solidFill>
+                      <a:prstDash val="solid"/>
+                      <a:round/>
+                      <a:headEnd type="none" w="med" len="med"/>
+                      <a:tailEnd type="none" w="med" len="med"/>
+                    </a:lnL>
+                    <a:lnR w="7620" cap="flat" cmpd="sng" algn="ctr">
+                      <a:solidFill>
+                        <a:srgbClr val="000000"/>
+                      </a:solidFill>
+                      <a:prstDash val="solid"/>
+                      <a:round/>
+                      <a:headEnd type="none" w="med" len="med"/>
+                      <a:tailEnd type="none" w="med" len="med"/>
+                    </a:lnR>
+                    <a:lnT w="7620" cap="flat" cmpd="sng" algn="ctr">
+                      <a:solidFill>
+                        <a:srgbClr val="000000"/>
+                      </a:solidFill>
+                      <a:prstDash val="solid"/>
+                      <a:round/>
+                      <a:headEnd type="none" w="med" len="med"/>
+                      <a:tailEnd type="none" w="med" len="med"/>
+                    </a:lnT>
+                    <a:lnB w="7620" cap="flat" cmpd="sng" algn="ctr">
+                      <a:solidFill>
+                        <a:srgbClr val="000000"/>
+                      </a:solidFill>
+                      <a:prstDash val="solid"/>
+                      <a:round/>
+                      <a:headEnd type="none" w="med" len="med"/>
+                      <a:tailEnd type="none" w="med" len="med"/>
+                    </a:lnB>
+                    <a:solidFill>
+                      <a:srgbClr val="FFFFFF"/>
+                    </a:solidFill>
+                  </a:tcPr>
+                </a:tc>
+                <a:tc>
+                  <a:txBody>
+                    <a:bodyPr/>
+                    <a:lstStyle/>
+                    <a:p>
+                      <a:pPr algn="l" fontAlgn="ctr"/>
+                      <a:r>
+                        <a:rPr lang="hu-HU" sz="1600">
+                          <a:effectLst/>
+                        </a:rPr>
+                        <a:t>_s_t_b_n</a:t>
+                      </a:r>
+                    </a:p>
+                  </a:txBody>
+                  <a:tcPr marL="30480" marR="30480" marT="30480" marB="30480" anchor="ctr">
+                    <a:lnL w="7620" cap="flat" cmpd="sng" algn="ctr">
+                      <a:solidFill>
+                        <a:srgbClr val="000000"/>
+                      </a:solidFill>
+                      <a:prstDash val="solid"/>
+                      <a:round/>
+                      <a:headEnd type="none" w="med" len="med"/>
+                      <a:tailEnd type="none" w="med" len="med"/>
+                    </a:lnL>
+                    <a:lnR w="7620" cap="flat" cmpd="sng" algn="ctr">
+                      <a:solidFill>
+                        <a:srgbClr val="000000"/>
+                      </a:solidFill>
+                      <a:prstDash val="solid"/>
+                      <a:round/>
+                      <a:headEnd type="none" w="med" len="med"/>
+                      <a:tailEnd type="none" w="med" len="med"/>
+                    </a:lnR>
+                    <a:lnT w="7620" cap="flat" cmpd="sng" algn="ctr">
+                      <a:solidFill>
+                        <a:srgbClr val="000000"/>
+                      </a:solidFill>
+                      <a:prstDash val="solid"/>
+                      <a:round/>
+                      <a:headEnd type="none" w="med" len="med"/>
+                      <a:tailEnd type="none" w="med" len="med"/>
+                    </a:lnT>
+                    <a:lnB w="7620" cap="flat" cmpd="sng" algn="ctr">
+                      <a:solidFill>
+                        <a:srgbClr val="000000"/>
+                      </a:solidFill>
+                      <a:prstDash val="solid"/>
+                      <a:round/>
+                      <a:headEnd type="none" w="med" len="med"/>
+                      <a:tailEnd type="none" w="med" len="med"/>
+                    </a:lnB>
+                    <a:solidFill>
+                      <a:srgbClr val="FFFFFF"/>
+                    </a:solidFill>
+                  </a:tcPr>
+                </a:tc>
+                <a:extLst>
+                  <a:ext uri="{0D108BD9-81ED-4DB2-BD59-A6C34878D82A}">
+                    <a16:rowId xmlns:a16="http://schemas.microsoft.com/office/drawing/2014/main" val="936119231"/>
+                  </a:ext>
+                </a:extLst>
+              </a:tr>
+              <a:tr h="0">
+                <a:tc>
+                  <a:txBody>
+                    <a:bodyPr/>
+                    <a:lstStyle/>
+                    <a:p>
+                      <a:pPr algn="l" fontAlgn="ctr"/>
+                      <a:r>
+                        <a:rPr lang="hu-HU" sz="1600">
+                          <a:effectLst/>
+                        </a:rPr>
+                        <a:t>_s_t_b_n</a:t>
+                      </a:r>
+                    </a:p>
+                  </a:txBody>
+                  <a:tcPr marL="30480" marR="30480" marT="30480" marB="30480" anchor="ctr">
+                    <a:lnL w="7620" cap="flat" cmpd="sng" algn="ctr">
+                      <a:solidFill>
+                        <a:srgbClr val="000000"/>
+                      </a:solidFill>
+                      <a:prstDash val="solid"/>
+                      <a:round/>
+                      <a:headEnd type="none" w="med" len="med"/>
+                      <a:tailEnd type="none" w="med" len="med"/>
+                    </a:lnL>
+                    <a:lnR w="7620" cap="flat" cmpd="sng" algn="ctr">
+                      <a:solidFill>
+                        <a:srgbClr val="000000"/>
+                      </a:solidFill>
+                      <a:prstDash val="solid"/>
+                      <a:round/>
+                      <a:headEnd type="none" w="med" len="med"/>
+                      <a:tailEnd type="none" w="med" len="med"/>
+                    </a:lnR>
+                    <a:lnT w="7620" cap="flat" cmpd="sng" algn="ctr">
+                      <a:solidFill>
+                        <a:srgbClr val="000000"/>
+                      </a:solidFill>
+                      <a:prstDash val="solid"/>
+                      <a:round/>
+                      <a:headEnd type="none" w="med" len="med"/>
+                      <a:tailEnd type="none" w="med" len="med"/>
+                    </a:lnT>
+                    <a:lnB w="7620" cap="flat" cmpd="sng" algn="ctr">
+                      <a:solidFill>
+                        <a:srgbClr val="000000"/>
+                      </a:solidFill>
+                      <a:prstDash val="solid"/>
+                      <a:round/>
+                      <a:headEnd type="none" w="med" len="med"/>
+                      <a:tailEnd type="none" w="med" len="med"/>
+                    </a:lnB>
+                    <a:solidFill>
+                      <a:srgbClr val="FFFFFF"/>
+                    </a:solidFill>
+                  </a:tcPr>
+                </a:tc>
+                <a:tc>
+                  <a:txBody>
+                    <a:bodyPr/>
+                    <a:lstStyle/>
+                    <a:p>
+                      <a:pPr algn="l" fontAlgn="ctr"/>
+                      <a:r>
+                        <a:rPr lang="hu-HU" sz="1600" dirty="0" err="1">
+                          <a:effectLst/>
+                        </a:rPr>
+                        <a:t>e_e_é_e</a:t>
+                      </a:r>
+                      <a:r>
+                        <a:rPr lang="hu-HU" sz="1600" dirty="0">
+                          <a:effectLst/>
+                        </a:rPr>
+                        <a:t>_</a:t>
+                      </a:r>
+                    </a:p>
+                  </a:txBody>
+                  <a:tcPr marL="30480" marR="30480" marT="30480" marB="30480" anchor="ctr">
+                    <a:lnL w="7620" cap="flat" cmpd="sng" algn="ctr">
+                      <a:solidFill>
+                        <a:srgbClr val="000000"/>
+                      </a:solidFill>
+                      <a:prstDash val="solid"/>
+                      <a:round/>
+                      <a:headEnd type="none" w="med" len="med"/>
+                      <a:tailEnd type="none" w="med" len="med"/>
+                    </a:lnL>
+                    <a:lnR w="7620" cap="flat" cmpd="sng" algn="ctr">
+                      <a:solidFill>
+                        <a:srgbClr val="000000"/>
+                      </a:solidFill>
+                      <a:prstDash val="solid"/>
+                      <a:round/>
+                      <a:headEnd type="none" w="med" len="med"/>
+                      <a:tailEnd type="none" w="med" len="med"/>
+                    </a:lnR>
+                    <a:lnT w="7620" cap="flat" cmpd="sng" algn="ctr">
+                      <a:solidFill>
+                        <a:srgbClr val="000000"/>
+                      </a:solidFill>
+                      <a:prstDash val="solid"/>
+                      <a:round/>
+                      <a:headEnd type="none" w="med" len="med"/>
+                      <a:tailEnd type="none" w="med" len="med"/>
+                    </a:lnT>
+                    <a:lnB w="7620" cap="flat" cmpd="sng" algn="ctr">
+                      <a:solidFill>
+                        <a:srgbClr val="000000"/>
+                      </a:solidFill>
+                      <a:prstDash val="solid"/>
+                      <a:round/>
+                      <a:headEnd type="none" w="med" len="med"/>
+                      <a:tailEnd type="none" w="med" len="med"/>
+                    </a:lnB>
+                    <a:solidFill>
+                      <a:srgbClr val="FFFFFF"/>
+                    </a:solidFill>
+                  </a:tcPr>
+                </a:tc>
+                <a:extLst>
+                  <a:ext uri="{0D108BD9-81ED-4DB2-BD59-A6C34878D82A}">
+                    <a16:rowId xmlns:a16="http://schemas.microsoft.com/office/drawing/2014/main" val="3970613047"/>
+                  </a:ext>
+                </a:extLst>
+              </a:tr>
+            </a:tbl>
+          </a:graphicData>
+        </a:graphic>
+      </p:graphicFrame>
     </p:spTree>
     <p:extLst>
       <p:ext uri="{BB962C8B-B14F-4D97-AF65-F5344CB8AC3E}">
@@ -4837,6 +9002,95 @@
       </p:grpSpPr>
       <p:sp>
         <p:nvSpPr>
+          <p:cNvPr id="12" name="Rectangle 11"/>
+          <p:cNvSpPr>
+            <a:spLocks noGrp="1" noRot="1" noChangeAspect="1" noMove="1" noResize="1" noEditPoints="1" noAdjustHandles="1" noChangeArrowheads="1" noChangeShapeType="1" noTextEdit="1"/>
+          </p:cNvSpPr>
+          <p:nvPr>
+            <p:extLst>
+              <p:ext uri="{386F3935-93C4-4BCD-93E2-E3B085C9AB24}">
+                <p16:designElem xmlns:p16="http://schemas.microsoft.com/office/powerpoint/2015/main" val="1"/>
+              </p:ext>
+            </p:extLst>
+          </p:nvPr>
+        </p:nvSpPr>
+        <p:spPr bwMode="white">
+          <a:xfrm>
+            <a:off x="0" y="0"/>
+            <a:ext cx="12192000" cy="6858000"/>
+          </a:xfrm>
+          <a:prstGeom prst="rect">
+            <a:avLst/>
+          </a:prstGeom>
+          <a:solidFill>
+            <a:schemeClr val="bg1"/>
+          </a:solidFill>
+          <a:ln>
+            <a:noFill/>
+          </a:ln>
+          <a:effectLst/>
+        </p:spPr>
+      </p:sp>
+      <p:sp>
+        <p:nvSpPr>
+          <p:cNvPr id="14" name="Rectangle 13"/>
+          <p:cNvSpPr>
+            <a:spLocks noGrp="1" noRot="1" noChangeAspect="1" noMove="1" noResize="1" noEditPoints="1" noAdjustHandles="1" noChangeArrowheads="1" noChangeShapeType="1" noTextEdit="1"/>
+          </p:cNvSpPr>
+          <p:nvPr>
+            <p:extLst>
+              <p:ext uri="{386F3935-93C4-4BCD-93E2-E3B085C9AB24}">
+                <p16:designElem xmlns:p16="http://schemas.microsoft.com/office/powerpoint/2015/main" val="1"/>
+              </p:ext>
+            </p:extLst>
+          </p:nvPr>
+        </p:nvSpPr>
+        <p:spPr>
+          <a:xfrm>
+            <a:off x="0" y="651752"/>
+            <a:ext cx="12192000" cy="736551"/>
+          </a:xfrm>
+          <a:prstGeom prst="rect">
+            <a:avLst/>
+          </a:prstGeom>
+          <a:solidFill>
+            <a:schemeClr val="tx1">
+              <a:alpha val="75000"/>
+            </a:schemeClr>
+          </a:solidFill>
+          <a:ln>
+            <a:noFill/>
+          </a:ln>
+        </p:spPr>
+        <p:style>
+          <a:lnRef idx="2">
+            <a:schemeClr val="accent1">
+              <a:shade val="50000"/>
+            </a:schemeClr>
+          </a:lnRef>
+          <a:fillRef idx="1">
+            <a:schemeClr val="accent1"/>
+          </a:fillRef>
+          <a:effectRef idx="0">
+            <a:schemeClr val="accent1"/>
+          </a:effectRef>
+          <a:fontRef idx="minor">
+            <a:schemeClr val="lt1"/>
+          </a:fontRef>
+        </p:style>
+        <p:txBody>
+          <a:bodyPr rtlCol="0" anchor="ctr"/>
+          <a:lstStyle/>
+          <a:p>
+            <a:pPr algn="ctr"/>
+            <a:endParaRPr lang="en-US">
+              <a:latin typeface="Bookman Old Style" panose="02050604050505020204" pitchFamily="18" charset="0"/>
+            </a:endParaRPr>
+          </a:p>
+        </p:txBody>
+      </p:sp>
+      <p:sp>
+        <p:nvSpPr>
           <p:cNvPr id="2" name="Cím 1"/>
           <p:cNvSpPr>
             <a:spLocks noGrp="1"/>
@@ -4845,39 +9099,33 @@
             <p:ph type="title"/>
           </p:nvPr>
         </p:nvSpPr>
-        <p:spPr/>
+        <p:spPr>
+          <a:xfrm>
+            <a:off x="556532" y="643467"/>
+            <a:ext cx="11210925" cy="744836"/>
+          </a:xfrm>
+        </p:spPr>
         <p:txBody>
-          <a:bodyPr/>
+          <a:bodyPr vert="horz" lIns="91440" tIns="45720" rIns="91440" bIns="45720" rtlCol="0" anchor="ctr">
+            <a:normAutofit/>
+          </a:bodyPr>
           <a:lstStyle/>
           <a:p>
             <a:pPr algn="ctr"/>
             <a:r>
-              <a:rPr lang="hu-HU" b="1"/>
-              <a:t>Consonant-vowel</a:t>
-            </a:r>
-            <a:r>
-              <a:rPr lang="hu-HU" b="1" dirty="0"/>
-              <a:t> </a:t>
-            </a:r>
-            <a:r>
-              <a:rPr lang="hu-HU" b="1" dirty="0" err="1"/>
-              <a:t>segmented</a:t>
-            </a:r>
-            <a:r>
-              <a:rPr lang="hu-HU" b="1" dirty="0"/>
-              <a:t> </a:t>
-            </a:r>
-            <a:r>
-              <a:rPr lang="hu-HU" b="1" dirty="0" err="1"/>
-              <a:t>words</a:t>
-            </a:r>
-            <a:endParaRPr lang="hu-HU" dirty="0"/>
+              <a:rPr lang="en-US" sz="3200" kern="1200" dirty="0">
+                <a:solidFill>
+                  <a:schemeClr val="bg1"/>
+                </a:solidFill>
+              </a:rPr>
+              <a:t>Consonant-vowel segmented words</a:t>
+            </a:r>
           </a:p>
         </p:txBody>
       </p:sp>
       <p:graphicFrame>
         <p:nvGraphicFramePr>
-          <p:cNvPr id="4" name="Tartalom helye 3"/>
+          <p:cNvPr id="10" name="Tartalom helye 9"/>
           <p:cNvGraphicFramePr>
             <a:graphicFrameLocks noGrp="1"/>
           </p:cNvGraphicFramePr>
@@ -4885,36 +9133,36 @@
             <p:ph idx="1"/>
             <p:extLst>
               <p:ext uri="{D42A27DB-BD31-4B8C-83A1-F6EECF244321}">
-                <p14:modId xmlns:p14="http://schemas.microsoft.com/office/powerpoint/2010/main" val="110966320"/>
+                <p14:modId xmlns:p14="http://schemas.microsoft.com/office/powerpoint/2010/main" val="1637382177"/>
               </p:ext>
             </p:extLst>
           </p:nvPr>
         </p:nvGraphicFramePr>
         <p:xfrm>
-          <a:off x="3776304" y="1690688"/>
-          <a:ext cx="4639392" cy="4357314"/>
+          <a:off x="6095999" y="1944493"/>
+          <a:ext cx="4973516" cy="4720079"/>
         </p:xfrm>
         <a:graphic>
           <a:graphicData uri="http://schemas.openxmlformats.org/drawingml/2006/table">
             <a:tbl>
               <a:tblPr/>
               <a:tblGrid>
-                <a:gridCol w="2319696">
+                <a:gridCol w="2486758">
                   <a:extLst>
                     <a:ext uri="{9D8B030D-6E8A-4147-A177-3AD203B41FA5}">
-                      <a16:colId xmlns:a16="http://schemas.microsoft.com/office/drawing/2014/main" val="668416547"/>
+                      <a16:colId xmlns:a16="http://schemas.microsoft.com/office/drawing/2014/main" val="2981977788"/>
                     </a:ext>
                   </a:extLst>
                 </a:gridCol>
-                <a:gridCol w="2319696">
+                <a:gridCol w="2486758">
                   <a:extLst>
                     <a:ext uri="{9D8B030D-6E8A-4147-A177-3AD203B41FA5}">
-                      <a16:colId xmlns:a16="http://schemas.microsoft.com/office/drawing/2014/main" val="4175667088"/>
+                      <a16:colId xmlns:a16="http://schemas.microsoft.com/office/drawing/2014/main" val="1149755329"/>
                     </a:ext>
                   </a:extLst>
                 </a:gridCol>
               </a:tblGrid>
-              <a:tr h="333229">
+              <a:tr h="363083">
                 <a:tc>
                   <a:txBody>
                     <a:bodyPr/>
@@ -4922,8 +9170,9 @@
                     <a:p>
                       <a:pPr algn="l" fontAlgn="ctr"/>
                       <a:r>
-                        <a:rPr lang="hu-HU" sz="1800" b="1">
+                        <a:rPr lang="hu-HU" sz="1600" b="1" dirty="0">
                           <a:effectLst/>
+                          <a:latin typeface="+mn-lt"/>
                         </a:rPr>
                         <a:t>original (merged)</a:t>
                       </a:r>
@@ -4978,8 +9227,9 @@
                     <a:p>
                       <a:pPr algn="l" fontAlgn="ctr"/>
                       <a:r>
-                        <a:rPr lang="hu-HU" sz="1800" b="1">
+                        <a:rPr lang="hu-HU" sz="1600" b="1" dirty="0">
                           <a:effectLst/>
+                          <a:latin typeface="+mn-lt"/>
                         </a:rPr>
                         <a:t>reconstructed</a:t>
                       </a:r>
@@ -5029,11 +9279,11 @@
                 </a:tc>
                 <a:extLst>
                   <a:ext uri="{0D108BD9-81ED-4DB2-BD59-A6C34878D82A}">
-                    <a16:rowId xmlns:a16="http://schemas.microsoft.com/office/drawing/2014/main" val="2074919276"/>
+                    <a16:rowId xmlns:a16="http://schemas.microsoft.com/office/drawing/2014/main" val="1867508457"/>
                   </a:ext>
                 </a:extLst>
               </a:tr>
-              <a:tr h="333229">
+              <a:tr h="363083">
                 <a:tc>
                   <a:txBody>
                     <a:bodyPr/>
@@ -5041,8 +9291,9 @@
                     <a:p>
                       <a:pPr algn="l" fontAlgn="ctr"/>
                       <a:r>
-                        <a:rPr lang="hu-HU" sz="1800">
+                        <a:rPr lang="hu-HU" sz="1600" dirty="0">
                           <a:effectLst/>
+                          <a:latin typeface="+mn-lt"/>
                         </a:rPr>
                         <a:t>módjából</a:t>
                       </a:r>
@@ -5097,8 +9348,9 @@
                     <a:p>
                       <a:pPr algn="l" fontAlgn="ctr"/>
                       <a:r>
-                        <a:rPr lang="hu-HU" sz="1800">
+                        <a:rPr lang="hu-HU" sz="1600">
                           <a:effectLst/>
+                          <a:latin typeface="+mn-lt"/>
                         </a:rPr>
                         <a:t>medjából</a:t>
                       </a:r>
@@ -5148,11 +9400,11 @@
                 </a:tc>
                 <a:extLst>
                   <a:ext uri="{0D108BD9-81ED-4DB2-BD59-A6C34878D82A}">
-                    <a16:rowId xmlns:a16="http://schemas.microsoft.com/office/drawing/2014/main" val="2063841722"/>
+                    <a16:rowId xmlns:a16="http://schemas.microsoft.com/office/drawing/2014/main" val="2150437287"/>
                   </a:ext>
                 </a:extLst>
               </a:tr>
-              <a:tr h="333229">
+              <a:tr h="363083">
                 <a:tc>
                   <a:txBody>
                     <a:bodyPr/>
@@ -5160,8 +9412,9 @@
                     <a:p>
                       <a:pPr algn="l" fontAlgn="ctr"/>
                       <a:r>
-                        <a:rPr lang="hu-HU" sz="1800">
+                        <a:rPr lang="hu-HU" sz="1600" dirty="0">
                           <a:effectLst/>
+                          <a:latin typeface="+mn-lt"/>
                         </a:rPr>
                         <a:t>módjából</a:t>
                       </a:r>
@@ -5216,8 +9469,9 @@
                     <a:p>
                       <a:pPr algn="l" fontAlgn="ctr"/>
                       <a:r>
-                        <a:rPr lang="hu-HU" sz="1800">
+                        <a:rPr lang="hu-HU" sz="1600">
                           <a:effectLst/>
+                          <a:latin typeface="+mn-lt"/>
                         </a:rPr>
                         <a:t>tórjáról</a:t>
                       </a:r>
@@ -5267,11 +9521,11 @@
                 </a:tc>
                 <a:extLst>
                   <a:ext uri="{0D108BD9-81ED-4DB2-BD59-A6C34878D82A}">
-                    <a16:rowId xmlns:a16="http://schemas.microsoft.com/office/drawing/2014/main" val="905598729"/>
+                    <a16:rowId xmlns:a16="http://schemas.microsoft.com/office/drawing/2014/main" val="765785651"/>
                   </a:ext>
                 </a:extLst>
               </a:tr>
-              <a:tr h="333229">
+              <a:tr h="363083">
                 <a:tc>
                   <a:txBody>
                     <a:bodyPr/>
@@ -5279,8 +9533,9 @@
                     <a:p>
                       <a:pPr algn="l" fontAlgn="ctr"/>
                       <a:r>
-                        <a:rPr lang="hu-HU" sz="1800">
+                        <a:rPr lang="hu-HU" sz="1600" dirty="0">
                           <a:effectLst/>
+                          <a:latin typeface="+mn-lt"/>
                         </a:rPr>
                         <a:t>miskolcnak</a:t>
                       </a:r>
@@ -5335,8 +9590,9 @@
                     <a:p>
                       <a:pPr algn="l" fontAlgn="ctr"/>
                       <a:r>
-                        <a:rPr lang="hu-HU" sz="1800">
+                        <a:rPr lang="hu-HU" sz="1600">
                           <a:effectLst/>
+                          <a:latin typeface="+mn-lt"/>
                         </a:rPr>
                         <a:t>meskelcnek</a:t>
                       </a:r>
@@ -5386,11 +9642,11 @@
                 </a:tc>
                 <a:extLst>
                   <a:ext uri="{0D108BD9-81ED-4DB2-BD59-A6C34878D82A}">
-                    <a16:rowId xmlns:a16="http://schemas.microsoft.com/office/drawing/2014/main" val="2385546597"/>
+                    <a16:rowId xmlns:a16="http://schemas.microsoft.com/office/drawing/2014/main" val="1542155887"/>
                   </a:ext>
                 </a:extLst>
               </a:tr>
-              <a:tr h="333229">
+              <a:tr h="363083">
                 <a:tc>
                   <a:txBody>
                     <a:bodyPr/>
@@ -5398,8 +9654,9 @@
                     <a:p>
                       <a:pPr algn="l" fontAlgn="ctr"/>
                       <a:r>
-                        <a:rPr lang="hu-HU" sz="1800">
+                        <a:rPr lang="hu-HU" sz="1600" dirty="0">
                           <a:effectLst/>
+                          <a:latin typeface="+mn-lt"/>
                         </a:rPr>
                         <a:t>miskolcnak</a:t>
                       </a:r>
@@ -5454,8 +9711,9 @@
                     <a:p>
                       <a:pPr algn="l" fontAlgn="ctr"/>
                       <a:r>
-                        <a:rPr lang="hu-HU" sz="1800">
+                        <a:rPr lang="hu-HU" sz="1600">
                           <a:effectLst/>
+                          <a:latin typeface="+mn-lt"/>
                         </a:rPr>
                         <a:t>kintontnak</a:t>
                       </a:r>
@@ -5505,11 +9763,11 @@
                 </a:tc>
                 <a:extLst>
                   <a:ext uri="{0D108BD9-81ED-4DB2-BD59-A6C34878D82A}">
-                    <a16:rowId xmlns:a16="http://schemas.microsoft.com/office/drawing/2014/main" val="4277294906"/>
+                    <a16:rowId xmlns:a16="http://schemas.microsoft.com/office/drawing/2014/main" val="1052573439"/>
                   </a:ext>
                 </a:extLst>
               </a:tr>
-              <a:tr h="333229">
+              <a:tr h="363083">
                 <a:tc>
                   <a:txBody>
                     <a:bodyPr/>
@@ -5517,8 +9775,9 @@
                     <a:p>
                       <a:pPr algn="l" fontAlgn="ctr"/>
                       <a:r>
-                        <a:rPr lang="hu-HU" sz="1800">
+                        <a:rPr lang="hu-HU" sz="1600" dirty="0">
                           <a:effectLst/>
+                          <a:latin typeface="+mn-lt"/>
                         </a:rPr>
                         <a:t>minőségjavító</a:t>
                       </a:r>
@@ -5573,8 +9832,9 @@
                     <a:p>
                       <a:pPr algn="l" fontAlgn="ctr"/>
                       <a:r>
-                        <a:rPr lang="hu-HU" sz="1800">
+                        <a:rPr lang="hu-HU" sz="1600">
                           <a:effectLst/>
+                          <a:latin typeface="+mn-lt"/>
                         </a:rPr>
                         <a:t>menisegjeveti</a:t>
                       </a:r>
@@ -5624,11 +9884,11 @@
                 </a:tc>
                 <a:extLst>
                   <a:ext uri="{0D108BD9-81ED-4DB2-BD59-A6C34878D82A}">
-                    <a16:rowId xmlns:a16="http://schemas.microsoft.com/office/drawing/2014/main" val="1652208845"/>
+                    <a16:rowId xmlns:a16="http://schemas.microsoft.com/office/drawing/2014/main" val="3786747186"/>
                   </a:ext>
                 </a:extLst>
               </a:tr>
-              <a:tr h="333229">
+              <a:tr h="363083">
                 <a:tc>
                   <a:txBody>
                     <a:bodyPr/>
@@ -5636,8 +9896,9 @@
                     <a:p>
                       <a:pPr algn="l" fontAlgn="ctr"/>
                       <a:r>
-                        <a:rPr lang="hu-HU" sz="1800">
+                        <a:rPr lang="hu-HU" sz="1600">
                           <a:effectLst/>
+                          <a:latin typeface="+mn-lt"/>
                         </a:rPr>
                         <a:t>minőségjavító</a:t>
                       </a:r>
@@ -5692,8 +9953,9 @@
                     <a:p>
                       <a:pPr algn="l" fontAlgn="ctr"/>
                       <a:r>
-                        <a:rPr lang="hu-HU" sz="1800">
+                        <a:rPr lang="hu-HU" sz="1600" dirty="0">
                           <a:effectLst/>
+                          <a:latin typeface="+mn-lt"/>
                         </a:rPr>
                         <a:t>kilőtéltasító</a:t>
                       </a:r>
@@ -5743,11 +10005,11 @@
                 </a:tc>
                 <a:extLst>
                   <a:ext uri="{0D108BD9-81ED-4DB2-BD59-A6C34878D82A}">
-                    <a16:rowId xmlns:a16="http://schemas.microsoft.com/office/drawing/2014/main" val="3567602609"/>
+                    <a16:rowId xmlns:a16="http://schemas.microsoft.com/office/drawing/2014/main" val="1839938314"/>
                   </a:ext>
                 </a:extLst>
               </a:tr>
-              <a:tr h="333229">
+              <a:tr h="363083">
                 <a:tc>
                   <a:txBody>
                     <a:bodyPr/>
@@ -5755,8 +10017,9 @@
                     <a:p>
                       <a:pPr algn="l" fontAlgn="ctr"/>
                       <a:r>
-                        <a:rPr lang="hu-HU" sz="1800">
+                        <a:rPr lang="hu-HU" sz="1600">
                           <a:effectLst/>
+                          <a:latin typeface="+mn-lt"/>
                         </a:rPr>
                         <a:t>miniSterelnökei</a:t>
                       </a:r>
@@ -5811,8 +10074,9 @@
                     <a:p>
                       <a:pPr algn="l" fontAlgn="ctr"/>
                       <a:r>
-                        <a:rPr lang="hu-HU" sz="1800">
+                        <a:rPr lang="hu-HU" sz="1600" dirty="0">
                           <a:effectLst/>
+                          <a:latin typeface="+mn-lt"/>
                         </a:rPr>
                         <a:t>meniSterelnikai</a:t>
                       </a:r>
@@ -5862,11 +10126,11 @@
                 </a:tc>
                 <a:extLst>
                   <a:ext uri="{0D108BD9-81ED-4DB2-BD59-A6C34878D82A}">
-                    <a16:rowId xmlns:a16="http://schemas.microsoft.com/office/drawing/2014/main" val="3586505768"/>
+                    <a16:rowId xmlns:a16="http://schemas.microsoft.com/office/drawing/2014/main" val="2276920865"/>
                   </a:ext>
                 </a:extLst>
               </a:tr>
-              <a:tr h="333229">
+              <a:tr h="363083">
                 <a:tc>
                   <a:txBody>
                     <a:bodyPr/>
@@ -5874,8 +10138,9 @@
                     <a:p>
                       <a:pPr algn="l" fontAlgn="ctr"/>
                       <a:r>
-                        <a:rPr lang="hu-HU" sz="1800">
+                        <a:rPr lang="hu-HU" sz="1600">
                           <a:effectLst/>
+                          <a:latin typeface="+mn-lt"/>
                         </a:rPr>
                         <a:t>miniSterelnökei</a:t>
                       </a:r>
@@ -5930,8 +10195,9 @@
                     <a:p>
                       <a:pPr algn="l" fontAlgn="ctr"/>
                       <a:r>
-                        <a:rPr lang="hu-HU" sz="1800">
+                        <a:rPr lang="hu-HU" sz="1600" dirty="0">
                           <a:effectLst/>
+                          <a:latin typeface="+mn-lt"/>
                         </a:rPr>
                         <a:t>kikinterettölei</a:t>
                       </a:r>
@@ -5981,11 +10247,11 @@
                 </a:tc>
                 <a:extLst>
                   <a:ext uri="{0D108BD9-81ED-4DB2-BD59-A6C34878D82A}">
-                    <a16:rowId xmlns:a16="http://schemas.microsoft.com/office/drawing/2014/main" val="62565710"/>
+                    <a16:rowId xmlns:a16="http://schemas.microsoft.com/office/drawing/2014/main" val="661424154"/>
                   </a:ext>
                 </a:extLst>
               </a:tr>
-              <a:tr h="333229">
+              <a:tr h="363083">
                 <a:tc>
                   <a:txBody>
                     <a:bodyPr/>
@@ -5993,8 +10259,9 @@
                     <a:p>
                       <a:pPr algn="l" fontAlgn="ctr"/>
                       <a:r>
-                        <a:rPr lang="hu-HU" sz="1800">
+                        <a:rPr lang="hu-HU" sz="1600">
                           <a:effectLst/>
+                          <a:latin typeface="+mn-lt"/>
                         </a:rPr>
                         <a:t>mikroökonómiai</a:t>
                       </a:r>
@@ -6049,8 +10316,9 @@
                     <a:p>
                       <a:pPr algn="l" fontAlgn="ctr"/>
                       <a:r>
-                        <a:rPr lang="hu-HU" sz="1800">
+                        <a:rPr lang="hu-HU" sz="1600" dirty="0">
                           <a:effectLst/>
+                          <a:latin typeface="+mn-lt"/>
                         </a:rPr>
                         <a:t>mekraekenemiii</a:t>
                       </a:r>
@@ -6100,11 +10368,11 @@
                 </a:tc>
                 <a:extLst>
                   <a:ext uri="{0D108BD9-81ED-4DB2-BD59-A6C34878D82A}">
-                    <a16:rowId xmlns:a16="http://schemas.microsoft.com/office/drawing/2014/main" val="2809206053"/>
+                    <a16:rowId xmlns:a16="http://schemas.microsoft.com/office/drawing/2014/main" val="2889217024"/>
                   </a:ext>
                 </a:extLst>
               </a:tr>
-              <a:tr h="333229">
+              <a:tr h="363083">
                 <a:tc>
                   <a:txBody>
                     <a:bodyPr/>
@@ -6112,8 +10380,9 @@
                     <a:p>
                       <a:pPr algn="l" fontAlgn="ctr"/>
                       <a:r>
-                        <a:rPr lang="hu-HU" sz="1800">
+                        <a:rPr lang="hu-HU" sz="1600">
                           <a:effectLst/>
+                          <a:latin typeface="+mn-lt"/>
                         </a:rPr>
                         <a:t>mikroökonómiai</a:t>
                       </a:r>
@@ -6168,8 +10437,9 @@
                     <a:p>
                       <a:pPr algn="l" fontAlgn="ctr"/>
                       <a:r>
-                        <a:rPr lang="hu-HU" sz="1800">
+                        <a:rPr lang="hu-HU" sz="1600">
                           <a:effectLst/>
+                          <a:latin typeface="+mn-lt"/>
                         </a:rPr>
                         <a:t>kintoözolódiai</a:t>
                       </a:r>
@@ -6219,11 +10489,11 @@
                 </a:tc>
                 <a:extLst>
                   <a:ext uri="{0D108BD9-81ED-4DB2-BD59-A6C34878D82A}">
-                    <a16:rowId xmlns:a16="http://schemas.microsoft.com/office/drawing/2014/main" val="4108662891"/>
+                    <a16:rowId xmlns:a16="http://schemas.microsoft.com/office/drawing/2014/main" val="1522865520"/>
                   </a:ext>
                 </a:extLst>
               </a:tr>
-              <a:tr h="333229">
+              <a:tr h="363083">
                 <a:tc>
                   <a:txBody>
                     <a:bodyPr/>
@@ -6231,8 +10501,9 @@
                     <a:p>
                       <a:pPr algn="l" fontAlgn="ctr"/>
                       <a:r>
-                        <a:rPr lang="hu-HU" sz="1800">
+                        <a:rPr lang="hu-HU" sz="1600">
                           <a:effectLst/>
+                          <a:latin typeface="+mn-lt"/>
                         </a:rPr>
                         <a:t>mikrobuSt</a:t>
                       </a:r>
@@ -6287,8 +10558,9 @@
                     <a:p>
                       <a:pPr algn="l" fontAlgn="ctr"/>
                       <a:r>
-                        <a:rPr lang="hu-HU" sz="1800">
+                        <a:rPr lang="hu-HU" sz="1600">
                           <a:effectLst/>
+                          <a:latin typeface="+mn-lt"/>
                         </a:rPr>
                         <a:t>mekrabéSt</a:t>
                       </a:r>
@@ -6338,11 +10610,11 @@
                 </a:tc>
                 <a:extLst>
                   <a:ext uri="{0D108BD9-81ED-4DB2-BD59-A6C34878D82A}">
-                    <a16:rowId xmlns:a16="http://schemas.microsoft.com/office/drawing/2014/main" val="3311122717"/>
+                    <a16:rowId xmlns:a16="http://schemas.microsoft.com/office/drawing/2014/main" val="3023391273"/>
                   </a:ext>
                 </a:extLst>
               </a:tr>
-              <a:tr h="333229">
+              <a:tr h="363083">
                 <a:tc>
                   <a:txBody>
                     <a:bodyPr/>
@@ -6350,8 +10622,9 @@
                     <a:p>
                       <a:pPr algn="l" fontAlgn="ctr"/>
                       <a:r>
-                        <a:rPr lang="hu-HU" sz="1800">
+                        <a:rPr lang="hu-HU" sz="1600">
                           <a:effectLst/>
+                          <a:latin typeface="+mn-lt"/>
                         </a:rPr>
                         <a:t>mikrobuSt</a:t>
                       </a:r>
@@ -6406,14 +10679,12 @@
                     <a:p>
                       <a:pPr algn="l" fontAlgn="ctr"/>
                       <a:r>
-                        <a:rPr lang="hu-HU" sz="1800" dirty="0" err="1">
+                        <a:rPr lang="hu-HU" sz="1600" dirty="0">
                           <a:effectLst/>
+                          <a:latin typeface="+mn-lt"/>
                         </a:rPr>
                         <a:t>kintonunk</a:t>
                       </a:r>
-                      <a:endParaRPr lang="hu-HU" sz="1800" dirty="0">
-                        <a:effectLst/>
-                      </a:endParaRPr>
                     </a:p>
                   </a:txBody>
                   <a:tcPr marL="30429" marR="30429" marT="30429" marB="30429" anchor="ctr">
@@ -6460,7 +10731,815 @@
                 </a:tc>
                 <a:extLst>
                   <a:ext uri="{0D108BD9-81ED-4DB2-BD59-A6C34878D82A}">
-                    <a16:rowId xmlns:a16="http://schemas.microsoft.com/office/drawing/2014/main" val="956971645"/>
+                    <a16:rowId xmlns:a16="http://schemas.microsoft.com/office/drawing/2014/main" val="2593336338"/>
+                  </a:ext>
+                </a:extLst>
+              </a:tr>
+            </a:tbl>
+          </a:graphicData>
+        </a:graphic>
+      </p:graphicFrame>
+      <p:graphicFrame>
+        <p:nvGraphicFramePr>
+          <p:cNvPr id="11" name="Táblázat 10"/>
+          <p:cNvGraphicFramePr>
+            <a:graphicFrameLocks noGrp="1"/>
+          </p:cNvGraphicFramePr>
+          <p:nvPr>
+            <p:extLst>
+              <p:ext uri="{D42A27DB-BD31-4B8C-83A1-F6EECF244321}">
+                <p14:modId xmlns:p14="http://schemas.microsoft.com/office/powerpoint/2010/main" val="4037693075"/>
+              </p:ext>
+            </p:extLst>
+          </p:nvPr>
+        </p:nvGraphicFramePr>
+        <p:xfrm>
+          <a:off x="1574557" y="3208750"/>
+          <a:ext cx="3138120" cy="2172144"/>
+        </p:xfrm>
+        <a:graphic>
+          <a:graphicData uri="http://schemas.openxmlformats.org/drawingml/2006/table">
+            <a:tbl>
+              <a:tblPr/>
+              <a:tblGrid>
+                <a:gridCol w="1569060">
+                  <a:extLst>
+                    <a:ext uri="{9D8B030D-6E8A-4147-A177-3AD203B41FA5}">
+                      <a16:colId xmlns:a16="http://schemas.microsoft.com/office/drawing/2014/main" val="2444224423"/>
+                    </a:ext>
+                  </a:extLst>
+                </a:gridCol>
+                <a:gridCol w="1569060">
+                  <a:extLst>
+                    <a:ext uri="{9D8B030D-6E8A-4147-A177-3AD203B41FA5}">
+                      <a16:colId xmlns:a16="http://schemas.microsoft.com/office/drawing/2014/main" val="3568900191"/>
+                    </a:ext>
+                  </a:extLst>
+                </a:gridCol>
+              </a:tblGrid>
+              <a:tr h="362024">
+                <a:tc>
+                  <a:txBody>
+                    <a:bodyPr/>
+                    <a:lstStyle/>
+                    <a:p>
+                      <a:pPr algn="l" fontAlgn="ctr"/>
+                      <a:r>
+                        <a:rPr lang="hu-HU" sz="1600" b="1" dirty="0" err="1">
+                          <a:effectLst/>
+                          <a:latin typeface="+mn-lt"/>
+                        </a:rPr>
+                        <a:t>source</a:t>
+                      </a:r>
+                      <a:endParaRPr lang="hu-HU" sz="1600" b="1" dirty="0">
+                        <a:effectLst/>
+                        <a:latin typeface="+mn-lt"/>
+                      </a:endParaRPr>
+                    </a:p>
+                  </a:txBody>
+                  <a:tcPr marL="30480" marR="30480" marT="30480" marB="30480" anchor="ctr">
+                    <a:lnL w="7620" cap="flat" cmpd="sng" algn="ctr">
+                      <a:solidFill>
+                        <a:srgbClr val="000000"/>
+                      </a:solidFill>
+                      <a:prstDash val="solid"/>
+                      <a:round/>
+                      <a:headEnd type="none" w="med" len="med"/>
+                      <a:tailEnd type="none" w="med" len="med"/>
+                    </a:lnL>
+                    <a:lnR w="7620" cap="flat" cmpd="sng" algn="ctr">
+                      <a:solidFill>
+                        <a:srgbClr val="000000"/>
+                      </a:solidFill>
+                      <a:prstDash val="solid"/>
+                      <a:round/>
+                      <a:headEnd type="none" w="med" len="med"/>
+                      <a:tailEnd type="none" w="med" len="med"/>
+                    </a:lnR>
+                    <a:lnT w="7620" cap="flat" cmpd="sng" algn="ctr">
+                      <a:solidFill>
+                        <a:srgbClr val="000000"/>
+                      </a:solidFill>
+                      <a:prstDash val="solid"/>
+                      <a:round/>
+                      <a:headEnd type="none" w="med" len="med"/>
+                      <a:tailEnd type="none" w="med" len="med"/>
+                    </a:lnT>
+                    <a:lnB w="7620" cap="flat" cmpd="sng" algn="ctr">
+                      <a:solidFill>
+                        <a:srgbClr val="000000"/>
+                      </a:solidFill>
+                      <a:prstDash val="solid"/>
+                      <a:round/>
+                      <a:headEnd type="none" w="med" len="med"/>
+                      <a:tailEnd type="none" w="med" len="med"/>
+                    </a:lnB>
+                    <a:solidFill>
+                      <a:srgbClr val="FFFFFF"/>
+                    </a:solidFill>
+                  </a:tcPr>
+                </a:tc>
+                <a:tc>
+                  <a:txBody>
+                    <a:bodyPr/>
+                    <a:lstStyle/>
+                    <a:p>
+                      <a:pPr algn="l" fontAlgn="ctr"/>
+                      <a:r>
+                        <a:rPr lang="hu-HU" sz="1600" b="1" dirty="0" err="1">
+                          <a:effectLst/>
+                          <a:latin typeface="+mn-lt"/>
+                        </a:rPr>
+                        <a:t>target</a:t>
+                      </a:r>
+                      <a:endParaRPr lang="hu-HU" sz="1600" b="1" dirty="0">
+                        <a:effectLst/>
+                        <a:latin typeface="+mn-lt"/>
+                      </a:endParaRPr>
+                    </a:p>
+                  </a:txBody>
+                  <a:tcPr marL="30480" marR="30480" marT="30480" marB="30480" anchor="ctr">
+                    <a:lnL w="7620" cap="flat" cmpd="sng" algn="ctr">
+                      <a:solidFill>
+                        <a:srgbClr val="000000"/>
+                      </a:solidFill>
+                      <a:prstDash val="solid"/>
+                      <a:round/>
+                      <a:headEnd type="none" w="med" len="med"/>
+                      <a:tailEnd type="none" w="med" len="med"/>
+                    </a:lnL>
+                    <a:lnR w="7620" cap="flat" cmpd="sng" algn="ctr">
+                      <a:solidFill>
+                        <a:srgbClr val="000000"/>
+                      </a:solidFill>
+                      <a:prstDash val="solid"/>
+                      <a:round/>
+                      <a:headEnd type="none" w="med" len="med"/>
+                      <a:tailEnd type="none" w="med" len="med"/>
+                    </a:lnR>
+                    <a:lnT w="7620" cap="flat" cmpd="sng" algn="ctr">
+                      <a:solidFill>
+                        <a:srgbClr val="000000"/>
+                      </a:solidFill>
+                      <a:prstDash val="solid"/>
+                      <a:round/>
+                      <a:headEnd type="none" w="med" len="med"/>
+                      <a:tailEnd type="none" w="med" len="med"/>
+                    </a:lnT>
+                    <a:lnB w="7620" cap="flat" cmpd="sng" algn="ctr">
+                      <a:solidFill>
+                        <a:srgbClr val="000000"/>
+                      </a:solidFill>
+                      <a:prstDash val="solid"/>
+                      <a:round/>
+                      <a:headEnd type="none" w="med" len="med"/>
+                      <a:tailEnd type="none" w="med" len="med"/>
+                    </a:lnB>
+                    <a:solidFill>
+                      <a:srgbClr val="FFFFFF"/>
+                    </a:solidFill>
+                  </a:tcPr>
+                </a:tc>
+                <a:extLst>
+                  <a:ext uri="{0D108BD9-81ED-4DB2-BD59-A6C34878D82A}">
+                    <a16:rowId xmlns:a16="http://schemas.microsoft.com/office/drawing/2014/main" val="3821920140"/>
+                  </a:ext>
+                </a:extLst>
+              </a:tr>
+              <a:tr h="362024">
+                <a:tc>
+                  <a:txBody>
+                    <a:bodyPr/>
+                    <a:lstStyle/>
+                    <a:p>
+                      <a:pPr algn="l" fontAlgn="ctr"/>
+                      <a:r>
+                        <a:rPr lang="pt-BR" sz="1600" dirty="0">
+                          <a:effectLst/>
+                          <a:latin typeface="+mn-lt"/>
+                        </a:rPr>
+                        <a:t>b_v_l_s_b_n</a:t>
+                      </a:r>
+                    </a:p>
+                  </a:txBody>
+                  <a:tcPr marL="30480" marR="30480" marT="30480" marB="30480" anchor="ctr">
+                    <a:lnL w="7620" cap="flat" cmpd="sng" algn="ctr">
+                      <a:solidFill>
+                        <a:srgbClr val="000000"/>
+                      </a:solidFill>
+                      <a:prstDash val="solid"/>
+                      <a:round/>
+                      <a:headEnd type="none" w="med" len="med"/>
+                      <a:tailEnd type="none" w="med" len="med"/>
+                    </a:lnL>
+                    <a:lnR w="7620" cap="flat" cmpd="sng" algn="ctr">
+                      <a:solidFill>
+                        <a:srgbClr val="000000"/>
+                      </a:solidFill>
+                      <a:prstDash val="solid"/>
+                      <a:round/>
+                      <a:headEnd type="none" w="med" len="med"/>
+                      <a:tailEnd type="none" w="med" len="med"/>
+                    </a:lnR>
+                    <a:lnT w="7620" cap="flat" cmpd="sng" algn="ctr">
+                      <a:solidFill>
+                        <a:srgbClr val="000000"/>
+                      </a:solidFill>
+                      <a:prstDash val="solid"/>
+                      <a:round/>
+                      <a:headEnd type="none" w="med" len="med"/>
+                      <a:tailEnd type="none" w="med" len="med"/>
+                    </a:lnT>
+                    <a:lnB w="7620" cap="flat" cmpd="sng" algn="ctr">
+                      <a:solidFill>
+                        <a:srgbClr val="000000"/>
+                      </a:solidFill>
+                      <a:prstDash val="solid"/>
+                      <a:round/>
+                      <a:headEnd type="none" w="med" len="med"/>
+                      <a:tailEnd type="none" w="med" len="med"/>
+                    </a:lnB>
+                    <a:solidFill>
+                      <a:srgbClr val="FFFFFF"/>
+                    </a:solidFill>
+                  </a:tcPr>
+                </a:tc>
+                <a:tc>
+                  <a:txBody>
+                    <a:bodyPr/>
+                    <a:lstStyle/>
+                    <a:p>
+                      <a:pPr algn="l" fontAlgn="ctr"/>
+                      <a:r>
+                        <a:rPr lang="pt-BR" sz="1600" dirty="0">
+                          <a:effectLst/>
+                          <a:latin typeface="+mn-lt"/>
+                        </a:rPr>
+                        <a:t>_ő_ü_é_é_e_</a:t>
+                      </a:r>
+                    </a:p>
+                  </a:txBody>
+                  <a:tcPr marL="30480" marR="30480" marT="30480" marB="30480" anchor="ctr">
+                    <a:lnL w="7620" cap="flat" cmpd="sng" algn="ctr">
+                      <a:solidFill>
+                        <a:srgbClr val="000000"/>
+                      </a:solidFill>
+                      <a:prstDash val="solid"/>
+                      <a:round/>
+                      <a:headEnd type="none" w="med" len="med"/>
+                      <a:tailEnd type="none" w="med" len="med"/>
+                    </a:lnL>
+                    <a:lnR w="7620" cap="flat" cmpd="sng" algn="ctr">
+                      <a:solidFill>
+                        <a:srgbClr val="000000"/>
+                      </a:solidFill>
+                      <a:prstDash val="solid"/>
+                      <a:round/>
+                      <a:headEnd type="none" w="med" len="med"/>
+                      <a:tailEnd type="none" w="med" len="med"/>
+                    </a:lnR>
+                    <a:lnT w="7620" cap="flat" cmpd="sng" algn="ctr">
+                      <a:solidFill>
+                        <a:srgbClr val="000000"/>
+                      </a:solidFill>
+                      <a:prstDash val="solid"/>
+                      <a:round/>
+                      <a:headEnd type="none" w="med" len="med"/>
+                      <a:tailEnd type="none" w="med" len="med"/>
+                    </a:lnT>
+                    <a:lnB w="7620" cap="flat" cmpd="sng" algn="ctr">
+                      <a:solidFill>
+                        <a:srgbClr val="000000"/>
+                      </a:solidFill>
+                      <a:prstDash val="solid"/>
+                      <a:round/>
+                      <a:headEnd type="none" w="med" len="med"/>
+                      <a:tailEnd type="none" w="med" len="med"/>
+                    </a:lnB>
+                    <a:solidFill>
+                      <a:srgbClr val="FFFFFF"/>
+                    </a:solidFill>
+                  </a:tcPr>
+                </a:tc>
+                <a:extLst>
+                  <a:ext uri="{0D108BD9-81ED-4DB2-BD59-A6C34878D82A}">
+                    <a16:rowId xmlns:a16="http://schemas.microsoft.com/office/drawing/2014/main" val="240342413"/>
+                  </a:ext>
+                </a:extLst>
+              </a:tr>
+              <a:tr h="362024">
+                <a:tc>
+                  <a:txBody>
+                    <a:bodyPr/>
+                    <a:lstStyle/>
+                    <a:p>
+                      <a:pPr algn="l" fontAlgn="ctr"/>
+                      <a:r>
+                        <a:rPr lang="pt-BR" sz="1600">
+                          <a:effectLst/>
+                          <a:latin typeface="+mn-lt"/>
+                        </a:rPr>
+                        <a:t>_ő_ü_é_é_e_</a:t>
+                      </a:r>
+                    </a:p>
+                  </a:txBody>
+                  <a:tcPr marL="30480" marR="30480" marT="30480" marB="30480" anchor="ctr">
+                    <a:lnL w="7620" cap="flat" cmpd="sng" algn="ctr">
+                      <a:solidFill>
+                        <a:srgbClr val="000000"/>
+                      </a:solidFill>
+                      <a:prstDash val="solid"/>
+                      <a:round/>
+                      <a:headEnd type="none" w="med" len="med"/>
+                      <a:tailEnd type="none" w="med" len="med"/>
+                    </a:lnL>
+                    <a:lnR w="7620" cap="flat" cmpd="sng" algn="ctr">
+                      <a:solidFill>
+                        <a:srgbClr val="000000"/>
+                      </a:solidFill>
+                      <a:prstDash val="solid"/>
+                      <a:round/>
+                      <a:headEnd type="none" w="med" len="med"/>
+                      <a:tailEnd type="none" w="med" len="med"/>
+                    </a:lnR>
+                    <a:lnT w="7620" cap="flat" cmpd="sng" algn="ctr">
+                      <a:solidFill>
+                        <a:srgbClr val="000000"/>
+                      </a:solidFill>
+                      <a:prstDash val="solid"/>
+                      <a:round/>
+                      <a:headEnd type="none" w="med" len="med"/>
+                      <a:tailEnd type="none" w="med" len="med"/>
+                    </a:lnT>
+                    <a:lnB w="7620" cap="flat" cmpd="sng" algn="ctr">
+                      <a:solidFill>
+                        <a:srgbClr val="000000"/>
+                      </a:solidFill>
+                      <a:prstDash val="solid"/>
+                      <a:round/>
+                      <a:headEnd type="none" w="med" len="med"/>
+                      <a:tailEnd type="none" w="med" len="med"/>
+                    </a:lnB>
+                    <a:solidFill>
+                      <a:srgbClr val="FFFFFF"/>
+                    </a:solidFill>
+                  </a:tcPr>
+                </a:tc>
+                <a:tc>
+                  <a:txBody>
+                    <a:bodyPr/>
+                    <a:lstStyle/>
+                    <a:p>
+                      <a:pPr algn="l" fontAlgn="ctr"/>
+                      <a:r>
+                        <a:rPr lang="pt-BR" sz="1600" dirty="0">
+                          <a:effectLst/>
+                          <a:latin typeface="+mn-lt"/>
+                        </a:rPr>
+                        <a:t>b_v_l_s_b_n</a:t>
+                      </a:r>
+                    </a:p>
+                  </a:txBody>
+                  <a:tcPr marL="30480" marR="30480" marT="30480" marB="30480" anchor="ctr">
+                    <a:lnL w="7620" cap="flat" cmpd="sng" algn="ctr">
+                      <a:solidFill>
+                        <a:srgbClr val="000000"/>
+                      </a:solidFill>
+                      <a:prstDash val="solid"/>
+                      <a:round/>
+                      <a:headEnd type="none" w="med" len="med"/>
+                      <a:tailEnd type="none" w="med" len="med"/>
+                    </a:lnL>
+                    <a:lnR w="7620" cap="flat" cmpd="sng" algn="ctr">
+                      <a:solidFill>
+                        <a:srgbClr val="000000"/>
+                      </a:solidFill>
+                      <a:prstDash val="solid"/>
+                      <a:round/>
+                      <a:headEnd type="none" w="med" len="med"/>
+                      <a:tailEnd type="none" w="med" len="med"/>
+                    </a:lnR>
+                    <a:lnT w="7620" cap="flat" cmpd="sng" algn="ctr">
+                      <a:solidFill>
+                        <a:srgbClr val="000000"/>
+                      </a:solidFill>
+                      <a:prstDash val="solid"/>
+                      <a:round/>
+                      <a:headEnd type="none" w="med" len="med"/>
+                      <a:tailEnd type="none" w="med" len="med"/>
+                    </a:lnT>
+                    <a:lnB w="7620" cap="flat" cmpd="sng" algn="ctr">
+                      <a:solidFill>
+                        <a:srgbClr val="000000"/>
+                      </a:solidFill>
+                      <a:prstDash val="solid"/>
+                      <a:round/>
+                      <a:headEnd type="none" w="med" len="med"/>
+                      <a:tailEnd type="none" w="med" len="med"/>
+                    </a:lnB>
+                    <a:solidFill>
+                      <a:srgbClr val="FFFFFF"/>
+                    </a:solidFill>
+                  </a:tcPr>
+                </a:tc>
+                <a:extLst>
+                  <a:ext uri="{0D108BD9-81ED-4DB2-BD59-A6C34878D82A}">
+                    <a16:rowId xmlns:a16="http://schemas.microsoft.com/office/drawing/2014/main" val="1561864554"/>
+                  </a:ext>
+                </a:extLst>
+              </a:tr>
+              <a:tr h="362024">
+                <a:tc>
+                  <a:txBody>
+                    <a:bodyPr/>
+                    <a:lstStyle/>
+                    <a:p>
+                      <a:pPr algn="l" fontAlgn="ctr"/>
+                      <a:r>
+                        <a:rPr lang="hu-HU" sz="1600">
+                          <a:effectLst/>
+                          <a:latin typeface="+mn-lt"/>
+                        </a:rPr>
+                        <a:t>b_rz_ng</a:t>
+                      </a:r>
+                    </a:p>
+                  </a:txBody>
+                  <a:tcPr marL="30480" marR="30480" marT="30480" marB="30480" anchor="ctr">
+                    <a:lnL w="7620" cap="flat" cmpd="sng" algn="ctr">
+                      <a:solidFill>
+                        <a:srgbClr val="000000"/>
+                      </a:solidFill>
+                      <a:prstDash val="solid"/>
+                      <a:round/>
+                      <a:headEnd type="none" w="med" len="med"/>
+                      <a:tailEnd type="none" w="med" len="med"/>
+                    </a:lnL>
+                    <a:lnR w="7620" cap="flat" cmpd="sng" algn="ctr">
+                      <a:solidFill>
+                        <a:srgbClr val="000000"/>
+                      </a:solidFill>
+                      <a:prstDash val="solid"/>
+                      <a:round/>
+                      <a:headEnd type="none" w="med" len="med"/>
+                      <a:tailEnd type="none" w="med" len="med"/>
+                    </a:lnR>
+                    <a:lnT w="7620" cap="flat" cmpd="sng" algn="ctr">
+                      <a:solidFill>
+                        <a:srgbClr val="000000"/>
+                      </a:solidFill>
+                      <a:prstDash val="solid"/>
+                      <a:round/>
+                      <a:headEnd type="none" w="med" len="med"/>
+                      <a:tailEnd type="none" w="med" len="med"/>
+                    </a:lnT>
+                    <a:lnB w="7620" cap="flat" cmpd="sng" algn="ctr">
+                      <a:solidFill>
+                        <a:srgbClr val="000000"/>
+                      </a:solidFill>
+                      <a:prstDash val="solid"/>
+                      <a:round/>
+                      <a:headEnd type="none" w="med" len="med"/>
+                      <a:tailEnd type="none" w="med" len="med"/>
+                    </a:lnB>
+                    <a:solidFill>
+                      <a:srgbClr val="FFFFFF"/>
+                    </a:solidFill>
+                  </a:tcPr>
+                </a:tc>
+                <a:tc>
+                  <a:txBody>
+                    <a:bodyPr/>
+                    <a:lstStyle/>
+                    <a:p>
+                      <a:pPr algn="l" fontAlgn="ctr"/>
+                      <a:r>
+                        <a:rPr lang="hu-HU" sz="1600" dirty="0">
+                          <a:effectLst/>
+                          <a:latin typeface="+mn-lt"/>
+                        </a:rPr>
+                        <a:t>_</a:t>
+                      </a:r>
+                      <a:r>
+                        <a:rPr lang="hu-HU" sz="1600" dirty="0" err="1">
+                          <a:effectLst/>
+                          <a:latin typeface="+mn-lt"/>
+                        </a:rPr>
+                        <a:t>o__o</a:t>
+                      </a:r>
+                      <a:r>
+                        <a:rPr lang="hu-HU" sz="1600" dirty="0">
+                          <a:effectLst/>
+                          <a:latin typeface="+mn-lt"/>
+                        </a:rPr>
+                        <a:t>__</a:t>
+                      </a:r>
+                    </a:p>
+                  </a:txBody>
+                  <a:tcPr marL="30480" marR="30480" marT="30480" marB="30480" anchor="ctr">
+                    <a:lnL w="7620" cap="flat" cmpd="sng" algn="ctr">
+                      <a:solidFill>
+                        <a:srgbClr val="000000"/>
+                      </a:solidFill>
+                      <a:prstDash val="solid"/>
+                      <a:round/>
+                      <a:headEnd type="none" w="med" len="med"/>
+                      <a:tailEnd type="none" w="med" len="med"/>
+                    </a:lnL>
+                    <a:lnR w="7620" cap="flat" cmpd="sng" algn="ctr">
+                      <a:solidFill>
+                        <a:srgbClr val="000000"/>
+                      </a:solidFill>
+                      <a:prstDash val="solid"/>
+                      <a:round/>
+                      <a:headEnd type="none" w="med" len="med"/>
+                      <a:tailEnd type="none" w="med" len="med"/>
+                    </a:lnR>
+                    <a:lnT w="7620" cap="flat" cmpd="sng" algn="ctr">
+                      <a:solidFill>
+                        <a:srgbClr val="000000"/>
+                      </a:solidFill>
+                      <a:prstDash val="solid"/>
+                      <a:round/>
+                      <a:headEnd type="none" w="med" len="med"/>
+                      <a:tailEnd type="none" w="med" len="med"/>
+                    </a:lnT>
+                    <a:lnB w="7620" cap="flat" cmpd="sng" algn="ctr">
+                      <a:solidFill>
+                        <a:srgbClr val="000000"/>
+                      </a:solidFill>
+                      <a:prstDash val="solid"/>
+                      <a:round/>
+                      <a:headEnd type="none" w="med" len="med"/>
+                      <a:tailEnd type="none" w="med" len="med"/>
+                    </a:lnB>
+                    <a:solidFill>
+                      <a:srgbClr val="FFFFFF"/>
+                    </a:solidFill>
+                  </a:tcPr>
+                </a:tc>
+                <a:extLst>
+                  <a:ext uri="{0D108BD9-81ED-4DB2-BD59-A6C34878D82A}">
+                    <a16:rowId xmlns:a16="http://schemas.microsoft.com/office/drawing/2014/main" val="2611574785"/>
+                  </a:ext>
+                </a:extLst>
+              </a:tr>
+              <a:tr h="362024">
+                <a:tc>
+                  <a:txBody>
+                    <a:bodyPr/>
+                    <a:lstStyle/>
+                    <a:p>
+                      <a:pPr algn="l" fontAlgn="ctr"/>
+                      <a:r>
+                        <a:rPr lang="hu-HU" sz="1600">
+                          <a:effectLst/>
+                          <a:latin typeface="+mn-lt"/>
+                        </a:rPr>
+                        <a:t>_o__o__</a:t>
+                      </a:r>
+                    </a:p>
+                  </a:txBody>
+                  <a:tcPr marL="30480" marR="30480" marT="30480" marB="30480" anchor="ctr">
+                    <a:lnL w="7620" cap="flat" cmpd="sng" algn="ctr">
+                      <a:solidFill>
+                        <a:srgbClr val="000000"/>
+                      </a:solidFill>
+                      <a:prstDash val="solid"/>
+                      <a:round/>
+                      <a:headEnd type="none" w="med" len="med"/>
+                      <a:tailEnd type="none" w="med" len="med"/>
+                    </a:lnL>
+                    <a:lnR w="7620" cap="flat" cmpd="sng" algn="ctr">
+                      <a:solidFill>
+                        <a:srgbClr val="000000"/>
+                      </a:solidFill>
+                      <a:prstDash val="solid"/>
+                      <a:round/>
+                      <a:headEnd type="none" w="med" len="med"/>
+                      <a:tailEnd type="none" w="med" len="med"/>
+                    </a:lnR>
+                    <a:lnT w="7620" cap="flat" cmpd="sng" algn="ctr">
+                      <a:solidFill>
+                        <a:srgbClr val="000000"/>
+                      </a:solidFill>
+                      <a:prstDash val="solid"/>
+                      <a:round/>
+                      <a:headEnd type="none" w="med" len="med"/>
+                      <a:tailEnd type="none" w="med" len="med"/>
+                    </a:lnT>
+                    <a:lnB w="7620" cap="flat" cmpd="sng" algn="ctr">
+                      <a:solidFill>
+                        <a:srgbClr val="000000"/>
+                      </a:solidFill>
+                      <a:prstDash val="solid"/>
+                      <a:round/>
+                      <a:headEnd type="none" w="med" len="med"/>
+                      <a:tailEnd type="none" w="med" len="med"/>
+                    </a:lnB>
+                    <a:solidFill>
+                      <a:srgbClr val="FFFFFF"/>
+                    </a:solidFill>
+                  </a:tcPr>
+                </a:tc>
+                <a:tc>
+                  <a:txBody>
+                    <a:bodyPr/>
+                    <a:lstStyle/>
+                    <a:p>
+                      <a:pPr algn="l" fontAlgn="ctr"/>
+                      <a:r>
+                        <a:rPr lang="hu-HU" sz="1600" dirty="0" err="1">
+                          <a:effectLst/>
+                          <a:latin typeface="+mn-lt"/>
+                        </a:rPr>
+                        <a:t>b_rz_ng</a:t>
+                      </a:r>
+                      <a:endParaRPr lang="hu-HU" sz="1600" dirty="0">
+                        <a:effectLst/>
+                        <a:latin typeface="+mn-lt"/>
+                      </a:endParaRPr>
+                    </a:p>
+                  </a:txBody>
+                  <a:tcPr marL="30480" marR="30480" marT="30480" marB="30480" anchor="ctr">
+                    <a:lnL w="7620" cap="flat" cmpd="sng" algn="ctr">
+                      <a:solidFill>
+                        <a:srgbClr val="000000"/>
+                      </a:solidFill>
+                      <a:prstDash val="solid"/>
+                      <a:round/>
+                      <a:headEnd type="none" w="med" len="med"/>
+                      <a:tailEnd type="none" w="med" len="med"/>
+                    </a:lnL>
+                    <a:lnR w="7620" cap="flat" cmpd="sng" algn="ctr">
+                      <a:solidFill>
+                        <a:srgbClr val="000000"/>
+                      </a:solidFill>
+                      <a:prstDash val="solid"/>
+                      <a:round/>
+                      <a:headEnd type="none" w="med" len="med"/>
+                      <a:tailEnd type="none" w="med" len="med"/>
+                    </a:lnR>
+                    <a:lnT w="7620" cap="flat" cmpd="sng" algn="ctr">
+                      <a:solidFill>
+                        <a:srgbClr val="000000"/>
+                      </a:solidFill>
+                      <a:prstDash val="solid"/>
+                      <a:round/>
+                      <a:headEnd type="none" w="med" len="med"/>
+                      <a:tailEnd type="none" w="med" len="med"/>
+                    </a:lnT>
+                    <a:lnB w="7620" cap="flat" cmpd="sng" algn="ctr">
+                      <a:solidFill>
+                        <a:srgbClr val="000000"/>
+                      </a:solidFill>
+                      <a:prstDash val="solid"/>
+                      <a:round/>
+                      <a:headEnd type="none" w="med" len="med"/>
+                      <a:tailEnd type="none" w="med" len="med"/>
+                    </a:lnB>
+                    <a:solidFill>
+                      <a:srgbClr val="FFFFFF"/>
+                    </a:solidFill>
+                  </a:tcPr>
+                </a:tc>
+                <a:extLst>
+                  <a:ext uri="{0D108BD9-81ED-4DB2-BD59-A6C34878D82A}">
+                    <a16:rowId xmlns:a16="http://schemas.microsoft.com/office/drawing/2014/main" val="3242750227"/>
+                  </a:ext>
+                </a:extLst>
+              </a:tr>
+              <a:tr h="362024">
+                <a:tc>
+                  <a:txBody>
+                    <a:bodyPr/>
+                    <a:lstStyle/>
+                    <a:p>
+                      <a:pPr algn="l" fontAlgn="ctr"/>
+                      <a:r>
+                        <a:rPr lang="da-DK" sz="1600">
+                          <a:effectLst/>
+                          <a:latin typeface="+mn-lt"/>
+                        </a:rPr>
+                        <a:t>b_rv_d_kr_l</a:t>
+                      </a:r>
+                    </a:p>
+                  </a:txBody>
+                  <a:tcPr marL="30480" marR="30480" marT="30480" marB="30480" anchor="ctr">
+                    <a:lnL w="7620" cap="flat" cmpd="sng" algn="ctr">
+                      <a:solidFill>
+                        <a:srgbClr val="000000"/>
+                      </a:solidFill>
+                      <a:prstDash val="solid"/>
+                      <a:round/>
+                      <a:headEnd type="none" w="med" len="med"/>
+                      <a:tailEnd type="none" w="med" len="med"/>
+                    </a:lnL>
+                    <a:lnR w="7620" cap="flat" cmpd="sng" algn="ctr">
+                      <a:solidFill>
+                        <a:srgbClr val="000000"/>
+                      </a:solidFill>
+                      <a:prstDash val="solid"/>
+                      <a:round/>
+                      <a:headEnd type="none" w="med" len="med"/>
+                      <a:tailEnd type="none" w="med" len="med"/>
+                    </a:lnR>
+                    <a:lnT w="7620" cap="flat" cmpd="sng" algn="ctr">
+                      <a:solidFill>
+                        <a:srgbClr val="000000"/>
+                      </a:solidFill>
+                      <a:prstDash val="solid"/>
+                      <a:round/>
+                      <a:headEnd type="none" w="med" len="med"/>
+                      <a:tailEnd type="none" w="med" len="med"/>
+                    </a:lnT>
+                    <a:lnB w="7620" cap="flat" cmpd="sng" algn="ctr">
+                      <a:solidFill>
+                        <a:srgbClr val="000000"/>
+                      </a:solidFill>
+                      <a:prstDash val="solid"/>
+                      <a:round/>
+                      <a:headEnd type="none" w="med" len="med"/>
+                      <a:tailEnd type="none" w="med" len="med"/>
+                    </a:lnB>
+                    <a:solidFill>
+                      <a:srgbClr val="FFFFFF"/>
+                    </a:solidFill>
+                  </a:tcPr>
+                </a:tc>
+                <a:tc>
+                  <a:txBody>
+                    <a:bodyPr/>
+                    <a:lstStyle/>
+                    <a:p>
+                      <a:pPr algn="l" fontAlgn="ctr"/>
+                      <a:r>
+                        <a:rPr lang="hu-HU" sz="1600" dirty="0">
+                          <a:effectLst/>
+                          <a:latin typeface="+mn-lt"/>
+                        </a:rPr>
+                        <a:t>_</a:t>
+                      </a:r>
+                      <a:r>
+                        <a:rPr lang="hu-HU" sz="1600" dirty="0" err="1">
+                          <a:effectLst/>
+                          <a:latin typeface="+mn-lt"/>
+                        </a:rPr>
+                        <a:t>o__i_é__ő</a:t>
+                      </a:r>
+                      <a:r>
+                        <a:rPr lang="hu-HU" sz="1600" dirty="0">
+                          <a:effectLst/>
+                          <a:latin typeface="+mn-lt"/>
+                        </a:rPr>
+                        <a:t>_</a:t>
+                      </a:r>
+                    </a:p>
+                  </a:txBody>
+                  <a:tcPr marL="30480" marR="30480" marT="30480" marB="30480" anchor="ctr">
+                    <a:lnL w="7620" cap="flat" cmpd="sng" algn="ctr">
+                      <a:solidFill>
+                        <a:srgbClr val="000000"/>
+                      </a:solidFill>
+                      <a:prstDash val="solid"/>
+                      <a:round/>
+                      <a:headEnd type="none" w="med" len="med"/>
+                      <a:tailEnd type="none" w="med" len="med"/>
+                    </a:lnL>
+                    <a:lnR w="7620" cap="flat" cmpd="sng" algn="ctr">
+                      <a:solidFill>
+                        <a:srgbClr val="000000"/>
+                      </a:solidFill>
+                      <a:prstDash val="solid"/>
+                      <a:round/>
+                      <a:headEnd type="none" w="med" len="med"/>
+                      <a:tailEnd type="none" w="med" len="med"/>
+                    </a:lnR>
+                    <a:lnT w="7620" cap="flat" cmpd="sng" algn="ctr">
+                      <a:solidFill>
+                        <a:srgbClr val="000000"/>
+                      </a:solidFill>
+                      <a:prstDash val="solid"/>
+                      <a:round/>
+                      <a:headEnd type="none" w="med" len="med"/>
+                      <a:tailEnd type="none" w="med" len="med"/>
+                    </a:lnT>
+                    <a:lnB w="7620" cap="flat" cmpd="sng" algn="ctr">
+                      <a:solidFill>
+                        <a:srgbClr val="000000"/>
+                      </a:solidFill>
+                      <a:prstDash val="solid"/>
+                      <a:round/>
+                      <a:headEnd type="none" w="med" len="med"/>
+                      <a:tailEnd type="none" w="med" len="med"/>
+                    </a:lnB>
+                    <a:solidFill>
+                      <a:srgbClr val="FFFFFF"/>
+                    </a:solidFill>
+                  </a:tcPr>
+                </a:tc>
+                <a:extLst>
+                  <a:ext uri="{0D108BD9-81ED-4DB2-BD59-A6C34878D82A}">
+                    <a16:rowId xmlns:a16="http://schemas.microsoft.com/office/drawing/2014/main" val="4154812601"/>
                   </a:ext>
                 </a:extLst>
               </a:tr>
